--- a/slides.pptx
+++ b/slides.pptx
@@ -48,31 +48,34 @@
     <p:sldId id="307" r:id="rId42"/>
     <p:sldId id="282" r:id="rId43"/>
     <p:sldId id="283" r:id="rId44"/>
-    <p:sldId id="286" r:id="rId45"/>
-    <p:sldId id="287" r:id="rId46"/>
-    <p:sldId id="296" r:id="rId47"/>
-    <p:sldId id="284" r:id="rId48"/>
-    <p:sldId id="285" r:id="rId49"/>
-    <p:sldId id="288" r:id="rId50"/>
-    <p:sldId id="289" r:id="rId51"/>
-    <p:sldId id="290" r:id="rId52"/>
-    <p:sldId id="291" r:id="rId53"/>
-    <p:sldId id="292" r:id="rId54"/>
-    <p:sldId id="293" r:id="rId55"/>
-    <p:sldId id="294" r:id="rId56"/>
-    <p:sldId id="295" r:id="rId57"/>
-    <p:sldId id="309" r:id="rId58"/>
-    <p:sldId id="310" r:id="rId59"/>
-    <p:sldId id="297" r:id="rId60"/>
-    <p:sldId id="298" r:id="rId61"/>
-    <p:sldId id="299" r:id="rId62"/>
-    <p:sldId id="300" r:id="rId63"/>
-    <p:sldId id="301" r:id="rId64"/>
-    <p:sldId id="302" r:id="rId65"/>
-    <p:sldId id="303" r:id="rId66"/>
-    <p:sldId id="304" r:id="rId67"/>
-    <p:sldId id="305" r:id="rId68"/>
-    <p:sldId id="308" r:id="rId69"/>
+    <p:sldId id="327" r:id="rId45"/>
+    <p:sldId id="328" r:id="rId46"/>
+    <p:sldId id="286" r:id="rId47"/>
+    <p:sldId id="287" r:id="rId48"/>
+    <p:sldId id="296" r:id="rId49"/>
+    <p:sldId id="284" r:id="rId50"/>
+    <p:sldId id="285" r:id="rId51"/>
+    <p:sldId id="288" r:id="rId52"/>
+    <p:sldId id="289" r:id="rId53"/>
+    <p:sldId id="290" r:id="rId54"/>
+    <p:sldId id="291" r:id="rId55"/>
+    <p:sldId id="292" r:id="rId56"/>
+    <p:sldId id="293" r:id="rId57"/>
+    <p:sldId id="294" r:id="rId58"/>
+    <p:sldId id="295" r:id="rId59"/>
+    <p:sldId id="309" r:id="rId60"/>
+    <p:sldId id="310" r:id="rId61"/>
+    <p:sldId id="297" r:id="rId62"/>
+    <p:sldId id="326" r:id="rId63"/>
+    <p:sldId id="298" r:id="rId64"/>
+    <p:sldId id="299" r:id="rId65"/>
+    <p:sldId id="300" r:id="rId66"/>
+    <p:sldId id="301" r:id="rId67"/>
+    <p:sldId id="302" r:id="rId68"/>
+    <p:sldId id="303" r:id="rId69"/>
+    <p:sldId id="304" r:id="rId70"/>
+    <p:sldId id="305" r:id="rId71"/>
+    <p:sldId id="308" r:id="rId72"/>
   </p:sldIdLst>
   <p:sldSz cx="9144000" cy="6858000" type="screen4x3"/>
   <p:notesSz cx="6858000" cy="9144000"/>
@@ -355,7 +358,7 @@
           <a:p>
             <a:fld id="{09EC82F9-C565-F84D-81E6-046A09C29EC6}" type="datetimeFigureOut">
               <a:rPr lang="en-US" smtClean="0"/>
-              <a:t>2/5/14</a:t>
+              <a:t>3/18/14</a:t>
             </a:fld>
             <a:endParaRPr lang="en-US"/>
           </a:p>
@@ -525,7 +528,7 @@
           <a:p>
             <a:fld id="{09EC82F9-C565-F84D-81E6-046A09C29EC6}" type="datetimeFigureOut">
               <a:rPr lang="en-US" smtClean="0"/>
-              <a:t>2/5/14</a:t>
+              <a:t>3/18/14</a:t>
             </a:fld>
             <a:endParaRPr lang="en-US"/>
           </a:p>
@@ -705,7 +708,7 @@
           <a:p>
             <a:fld id="{09EC82F9-C565-F84D-81E6-046A09C29EC6}" type="datetimeFigureOut">
               <a:rPr lang="en-US" smtClean="0"/>
-              <a:t>2/5/14</a:t>
+              <a:t>3/18/14</a:t>
             </a:fld>
             <a:endParaRPr lang="en-US"/>
           </a:p>
@@ -875,7 +878,7 @@
           <a:p>
             <a:fld id="{09EC82F9-C565-F84D-81E6-046A09C29EC6}" type="datetimeFigureOut">
               <a:rPr lang="en-US" smtClean="0"/>
-              <a:t>2/5/14</a:t>
+              <a:t>3/18/14</a:t>
             </a:fld>
             <a:endParaRPr lang="en-US"/>
           </a:p>
@@ -1121,7 +1124,7 @@
           <a:p>
             <a:fld id="{09EC82F9-C565-F84D-81E6-046A09C29EC6}" type="datetimeFigureOut">
               <a:rPr lang="en-US" smtClean="0"/>
-              <a:t>2/5/14</a:t>
+              <a:t>3/18/14</a:t>
             </a:fld>
             <a:endParaRPr lang="en-US"/>
           </a:p>
@@ -1409,7 +1412,7 @@
           <a:p>
             <a:fld id="{09EC82F9-C565-F84D-81E6-046A09C29EC6}" type="datetimeFigureOut">
               <a:rPr lang="en-US" smtClean="0"/>
-              <a:t>2/5/14</a:t>
+              <a:t>3/18/14</a:t>
             </a:fld>
             <a:endParaRPr lang="en-US"/>
           </a:p>
@@ -1831,7 +1834,7 @@
           <a:p>
             <a:fld id="{09EC82F9-C565-F84D-81E6-046A09C29EC6}" type="datetimeFigureOut">
               <a:rPr lang="en-US" smtClean="0"/>
-              <a:t>2/5/14</a:t>
+              <a:t>3/18/14</a:t>
             </a:fld>
             <a:endParaRPr lang="en-US"/>
           </a:p>
@@ -1949,7 +1952,7 @@
           <a:p>
             <a:fld id="{09EC82F9-C565-F84D-81E6-046A09C29EC6}" type="datetimeFigureOut">
               <a:rPr lang="en-US" smtClean="0"/>
-              <a:t>2/5/14</a:t>
+              <a:t>3/18/14</a:t>
             </a:fld>
             <a:endParaRPr lang="en-US"/>
           </a:p>
@@ -2044,7 +2047,7 @@
           <a:p>
             <a:fld id="{09EC82F9-C565-F84D-81E6-046A09C29EC6}" type="datetimeFigureOut">
               <a:rPr lang="en-US" smtClean="0"/>
-              <a:t>2/5/14</a:t>
+              <a:t>3/18/14</a:t>
             </a:fld>
             <a:endParaRPr lang="en-US"/>
           </a:p>
@@ -2321,7 +2324,7 @@
           <a:p>
             <a:fld id="{09EC82F9-C565-F84D-81E6-046A09C29EC6}" type="datetimeFigureOut">
               <a:rPr lang="en-US" smtClean="0"/>
-              <a:t>2/5/14</a:t>
+              <a:t>3/18/14</a:t>
             </a:fld>
             <a:endParaRPr lang="en-US"/>
           </a:p>
@@ -2574,7 +2577,7 @@
           <a:p>
             <a:fld id="{09EC82F9-C565-F84D-81E6-046A09C29EC6}" type="datetimeFigureOut">
               <a:rPr lang="en-US" smtClean="0"/>
-              <a:t>2/5/14</a:t>
+              <a:t>3/18/14</a:t>
             </a:fld>
             <a:endParaRPr lang="en-US"/>
           </a:p>
@@ -2790,7 +2793,7 @@
           <a:p>
             <a:fld id="{09EC82F9-C565-F84D-81E6-046A09C29EC6}" type="datetimeFigureOut">
               <a:rPr lang="en-US" smtClean="0"/>
-              <a:t>2/5/14</a:t>
+              <a:t>3/18/14</a:t>
             </a:fld>
             <a:endParaRPr lang="en-US"/>
           </a:p>
@@ -3327,8 +3330,15 @@
                 <a:latin typeface="Source Sans Pro ExtraLight"/>
                 <a:cs typeface="Source Sans Pro ExtraLight"/>
               </a:rPr>
-              <a:t>5 Feb 2014</a:t>
-            </a:r>
+              <a:t>19 March 2014</a:t>
+            </a:r>
+            <a:endParaRPr lang="en-US" sz="2800" b="1" dirty="0" smtClean="0">
+              <a:solidFill>
+                <a:schemeClr val="bg1"/>
+              </a:solidFill>
+              <a:latin typeface="Source Sans Pro ExtraLight"/>
+              <a:cs typeface="Source Sans Pro ExtraLight"/>
+            </a:endParaRPr>
           </a:p>
         </p:txBody>
       </p:sp>
@@ -3650,20 +3660,7 @@
                 <a:latin typeface="Source Sans Pro ExtraLight"/>
                 <a:cs typeface="Source Sans Pro ExtraLight"/>
               </a:rPr>
-              <a:t>a p</a:t>
-            </a:r>
-            <a:r>
-              <a:rPr lang="en-US" sz="3600" b="1" dirty="0" smtClean="0">
-                <a:solidFill>
-                  <a:schemeClr val="accent2">
-                    <a:lumMod val="20000"/>
-                    <a:lumOff val="80000"/>
-                  </a:schemeClr>
-                </a:solidFill>
-                <a:latin typeface="Source Sans Pro ExtraLight"/>
-                <a:cs typeface="Source Sans Pro ExtraLight"/>
-              </a:rPr>
-              <a:t>ain to maintain</a:t>
+              <a:t>a pain to maintain</a:t>
             </a:r>
           </a:p>
           <a:p>
@@ -4552,46 +4549,7 @@
                 <a:latin typeface="Source Sans Pro ExtraLight"/>
                 <a:cs typeface="Source Sans Pro ExtraLight"/>
               </a:rPr>
-              <a:t>best </a:t>
-            </a:r>
-            <a:r>
-              <a:rPr lang="en-US" sz="4800" b="1" dirty="0" smtClean="0">
-                <a:solidFill>
-                  <a:schemeClr val="accent2">
-                    <a:lumMod val="60000"/>
-                    <a:lumOff val="40000"/>
-                  </a:schemeClr>
-                </a:solidFill>
-                <a:latin typeface="Source Sans Pro ExtraLight"/>
-                <a:cs typeface="Source Sans Pro ExtraLight"/>
-              </a:rPr>
-              <a:t>thing </a:t>
-            </a:r>
-            <a:r>
-              <a:rPr lang="en-US" sz="4800" b="1" dirty="0" smtClean="0">
-                <a:solidFill>
-                  <a:schemeClr val="accent2">
-                    <a:lumMod val="60000"/>
-                    <a:lumOff val="40000"/>
-                  </a:schemeClr>
-                </a:solidFill>
-                <a:latin typeface="Source Sans Pro ExtraLight"/>
-                <a:cs typeface="Source Sans Pro ExtraLight"/>
-              </a:rPr>
-              <a:t>ever </a:t>
-            </a:r>
-            <a:r>
-              <a:rPr lang="en-US" sz="4800" b="1" dirty="0" smtClean="0">
-                <a:solidFill>
-                  <a:schemeClr val="accent2">
-                    <a:lumMod val="60000"/>
-                    <a:lumOff val="40000"/>
-                  </a:schemeClr>
-                </a:solidFill>
-                <a:latin typeface="Source Sans Pro ExtraLight"/>
-                <a:cs typeface="Source Sans Pro ExtraLight"/>
-              </a:rPr>
-              <a:t>*</a:t>
+              <a:t>best thing ever *</a:t>
             </a:r>
             <a:endParaRPr lang="en-US" sz="4800" b="1" dirty="0">
               <a:solidFill>
@@ -4638,19 +4596,7 @@
                 <a:latin typeface="Source Sans Pro ExtraLight"/>
                 <a:cs typeface="Source Sans Pro ExtraLight"/>
               </a:rPr>
-              <a:t>* </a:t>
-            </a:r>
-            <a:r>
-              <a:rPr lang="en-US" sz="2000" b="1" dirty="0" smtClean="0">
-                <a:solidFill>
-                  <a:schemeClr val="bg1">
-                    <a:lumMod val="85000"/>
-                  </a:schemeClr>
-                </a:solidFill>
-                <a:latin typeface="Source Sans Pro ExtraLight"/>
-                <a:cs typeface="Source Sans Pro ExtraLight"/>
-              </a:rPr>
-              <a:t>if working in a perfect, sterile, purely rational world</a:t>
+              <a:t>* if working in a perfect, sterile, purely rational world</a:t>
             </a:r>
             <a:endParaRPr lang="en-US" sz="2000" b="1" dirty="0">
               <a:solidFill>
@@ -17764,6 +17710,33 @@
               </a:rPr>
               <a:t>Shapes</a:t>
             </a:r>
+          </a:p>
+          <a:p>
+            <a:r>
+              <a:rPr lang="en-US" sz="4000" b="1" spc="-150" dirty="0" smtClean="0">
+                <a:latin typeface="Source Sans Pro Semibold"/>
+                <a:cs typeface="Source Sans Pro Semibold"/>
+              </a:rPr>
+              <a:t>CSS Custom Filters</a:t>
+            </a:r>
+          </a:p>
+          <a:p>
+            <a:r>
+              <a:rPr lang="en-US" sz="4000" b="1" spc="-150" dirty="0" smtClean="0">
+                <a:latin typeface="Source Sans Pro Semibold"/>
+                <a:cs typeface="Source Sans Pro Semibold"/>
+              </a:rPr>
+              <a:t>CSS </a:t>
+            </a:r>
+            <a:r>
+              <a:rPr lang="en-US" sz="4000" b="1" i="1" spc="-150" dirty="0" smtClean="0">
+                <a:latin typeface="Source Sans Pro ExtraLight"/>
+                <a:cs typeface="Source Sans Pro ExtraLight"/>
+              </a:rPr>
+              <a:t>that has never seen the light of day</a:t>
+            </a:r>
+          </a:p>
+          <a:p>
             <a:endParaRPr lang="en-US" sz="4000" b="1" spc="-150" dirty="0" smtClean="0">
               <a:latin typeface="Source Sans Pro Semibold"/>
               <a:cs typeface="Source Sans Pro Semibold"/>
@@ -17771,37 +17744,6 @@
           </a:p>
           <a:p>
             <a:r>
-              <a:rPr lang="en-US" sz="4000" b="1" spc="-150" dirty="0" smtClean="0">
-                <a:latin typeface="Source Sans Pro Semibold"/>
-                <a:cs typeface="Source Sans Pro Semibold"/>
-              </a:rPr>
-              <a:t>CSS Custom Filters</a:t>
-            </a:r>
-          </a:p>
-          <a:p>
-            <a:r>
-              <a:rPr lang="en-US" sz="4000" b="1" spc="-150" dirty="0" smtClean="0">
-                <a:latin typeface="Source Sans Pro Semibold"/>
-                <a:cs typeface="Source Sans Pro Semibold"/>
-              </a:rPr>
-              <a:t>CSS </a:t>
-            </a:r>
-            <a:r>
-              <a:rPr lang="en-US" sz="4000" b="1" i="1" spc="-150" dirty="0" smtClean="0">
-                <a:latin typeface="Source Sans Pro ExtraLight"/>
-                <a:cs typeface="Source Sans Pro ExtraLight"/>
-              </a:rPr>
-              <a:t>that has never seen the light of day</a:t>
-            </a:r>
-          </a:p>
-          <a:p>
-            <a:endParaRPr lang="en-US" sz="4000" b="1" spc="-150" dirty="0" smtClean="0">
-              <a:latin typeface="Source Sans Pro Semibold"/>
-              <a:cs typeface="Source Sans Pro Semibold"/>
-            </a:endParaRPr>
-          </a:p>
-          <a:p>
-            <a:r>
               <a:rPr lang="en-US" sz="4000" b="1" spc="-150" dirty="0" err="1">
                 <a:latin typeface="Source Sans Pro Light"/>
                 <a:cs typeface="Source Sans Pro Light"/>
@@ -17873,19 +17815,7 @@
                 <a:latin typeface="Source Sans Pro ExtraLight"/>
                 <a:cs typeface="Source Sans Pro ExtraLight"/>
               </a:rPr>
-              <a:t>Stuf</a:t>
-            </a:r>
-            <a:r>
-              <a:rPr lang="en-US" sz="4800" b="1" dirty="0" smtClean="0">
-                <a:solidFill>
-                  <a:schemeClr val="bg1">
-                    <a:lumMod val="50000"/>
-                  </a:schemeClr>
-                </a:solidFill>
-                <a:latin typeface="Source Sans Pro ExtraLight"/>
-                <a:cs typeface="Source Sans Pro ExtraLight"/>
-              </a:rPr>
-              <a:t>f I work on:</a:t>
+              <a:t>Stuff I work on:</a:t>
             </a:r>
             <a:endParaRPr lang="en-US" sz="4800" b="1" dirty="0">
               <a:solidFill>
@@ -18094,17 +18024,7 @@
                 <a:latin typeface="Consolas"/>
                 <a:cs typeface="Consolas"/>
               </a:rPr>
-              <a:t> .container </a:t>
-            </a:r>
-            <a:r>
-              <a:rPr lang="en-US" sz="2000" dirty="0" smtClean="0">
-                <a:solidFill>
-                  <a:schemeClr val="bg1"/>
-                </a:solidFill>
-                <a:latin typeface="Consolas"/>
-                <a:cs typeface="Consolas"/>
-              </a:rPr>
-              <a:t>{</a:t>
+              <a:t> .container {</a:t>
             </a:r>
           </a:p>
           <a:p>
@@ -18123,19 +18043,7 @@
                 <a:latin typeface="Consolas"/>
                 <a:cs typeface="Consolas"/>
               </a:rPr>
-              <a:t>  </a:t>
-            </a:r>
-            <a:r>
-              <a:rPr lang="en-US" sz="2000" dirty="0" smtClean="0">
-                <a:solidFill>
-                  <a:schemeClr val="accent6">
-                    <a:lumMod val="75000"/>
-                  </a:schemeClr>
-                </a:solidFill>
-                <a:latin typeface="Consolas"/>
-                <a:cs typeface="Consolas"/>
-              </a:rPr>
-              <a:t>display: -</a:t>
+              <a:t>  display: -</a:t>
             </a:r>
             <a:r>
               <a:rPr lang="en-US" sz="2000" dirty="0" err="1" smtClean="0">
@@ -19424,14 +19332,6 @@
 <file path=ppt/slides/slide44.xml><?xml version="1.0" encoding="utf-8"?>
 <p:sld xmlns:a="http://schemas.openxmlformats.org/drawingml/2006/main" xmlns:r="http://schemas.openxmlformats.org/officeDocument/2006/relationships" xmlns:p="http://schemas.openxmlformats.org/presentationml/2006/main">
   <p:cSld>
-    <p:bg>
-      <p:bgPr>
-        <a:solidFill>
-          <a:srgbClr val="500928"/>
-        </a:solidFill>
-        <a:effectLst/>
-      </p:bgPr>
-    </p:bg>
     <p:spTree>
       <p:nvGrpSpPr>
         <p:cNvPr id="1" name=""/>
@@ -19448,14 +19348,14 @@
       </p:grpSpPr>
       <p:sp>
         <p:nvSpPr>
-          <p:cNvPr id="4" name="TextBox 3"/>
+          <p:cNvPr id="24" name="TextBox 23"/>
           <p:cNvSpPr txBox="1"/>
           <p:nvPr/>
         </p:nvSpPr>
         <p:spPr>
           <a:xfrm>
-            <a:off x="606464" y="2075289"/>
-            <a:ext cx="7555301" cy="1569660"/>
+            <a:off x="606464" y="320215"/>
+            <a:ext cx="8071590" cy="830997"/>
           </a:xfrm>
           <a:prstGeom prst="rect">
             <a:avLst/>
@@ -19469,16 +19369,16 @@
           <a:lstStyle/>
           <a:p>
             <a:r>
-              <a:rPr lang="en-US" sz="9600" b="1" spc="-300" dirty="0" smtClean="0">
+              <a:rPr lang="en-US" sz="4800" b="1" dirty="0" smtClean="0">
                 <a:solidFill>
                   <a:schemeClr val="bg1"/>
                 </a:solidFill>
                 <a:latin typeface="Source Sans Pro Semibold"/>
                 <a:cs typeface="Source Sans Pro Semibold"/>
               </a:rPr>
-              <a:t>chrome://flags</a:t>
-            </a:r>
-            <a:endParaRPr lang="en-US" sz="9600" b="1" spc="-300" dirty="0">
+              <a:t>Google removed CSS Regions</a:t>
+            </a:r>
+            <a:endParaRPr lang="en-US" sz="4800" b="1" dirty="0">
               <a:solidFill>
                 <a:schemeClr val="bg1"/>
               </a:solidFill>
@@ -19488,58 +19388,77 @@
           </a:p>
         </p:txBody>
       </p:sp>
-      <p:sp>
-        <p:nvSpPr>
-          <p:cNvPr id="6" name="TextBox 5"/>
-          <p:cNvSpPr txBox="1"/>
-          <p:nvPr/>
-        </p:nvSpPr>
-        <p:spPr>
-          <a:xfrm>
-            <a:off x="606464" y="3513999"/>
-            <a:ext cx="7555301" cy="1569660"/>
-          </a:xfrm>
-          <a:prstGeom prst="rect">
-            <a:avLst/>
-          </a:prstGeom>
-          <a:noFill/>
-        </p:spPr>
-        <p:txBody>
-          <a:bodyPr wrap="square" rtlCol="0">
-            <a:spAutoFit/>
-          </a:bodyPr>
-          <a:lstStyle/>
-          <a:p>
-            <a:r>
-              <a:rPr lang="en-US" sz="4800" b="1" dirty="0" smtClean="0">
-                <a:solidFill>
-                  <a:schemeClr val="accent2">
-                    <a:lumMod val="20000"/>
-                    <a:lumOff val="80000"/>
-                  </a:schemeClr>
-                </a:solidFill>
-                <a:latin typeface="Source Sans Pro ExtraLight"/>
-                <a:cs typeface="Source Sans Pro ExtraLight"/>
-              </a:rPr>
-              <a:t>CSS Regions are disabled by default in Chrome.</a:t>
-            </a:r>
-            <a:endParaRPr lang="en-US" sz="4800" b="1" dirty="0">
-              <a:solidFill>
-                <a:schemeClr val="accent2">
-                  <a:lumMod val="20000"/>
-                  <a:lumOff val="80000"/>
-                </a:schemeClr>
-              </a:solidFill>
-              <a:latin typeface="Source Sans Pro ExtraLight"/>
-              <a:cs typeface="Source Sans Pro ExtraLight"/>
-            </a:endParaRPr>
-          </a:p>
-        </p:txBody>
-      </p:sp>
+      <p:pic>
+        <p:nvPicPr>
+          <p:cNvPr id="22" name="Picture 21" descr="chrome_256x256.png"/>
+          <p:cNvPicPr>
+            <a:picLocks noChangeAspect="1"/>
+          </p:cNvPicPr>
+          <p:nvPr/>
+        </p:nvPicPr>
+        <p:blipFill>
+          <a:blip r:embed="rId2">
+            <a:duotone>
+              <a:schemeClr val="bg2">
+                <a:shade val="45000"/>
+                <a:satMod val="135000"/>
+              </a:schemeClr>
+              <a:prstClr val="white"/>
+            </a:duotone>
+            <a:extLst>
+              <a:ext uri="{28A0092B-C50C-407E-A947-70E740481C1C}">
+                <a14:useLocalDpi xmlns:a14="http://schemas.microsoft.com/office/drawing/2010/main" val="0"/>
+              </a:ext>
+            </a:extLst>
+          </a:blip>
+          <a:stretch>
+            <a:fillRect/>
+          </a:stretch>
+        </p:blipFill>
+        <p:spPr>
+          <a:xfrm>
+            <a:off x="2215917" y="1646880"/>
+            <a:ext cx="4568958" cy="4568958"/>
+          </a:xfrm>
+          <a:prstGeom prst="rect">
+            <a:avLst/>
+          </a:prstGeom>
+        </p:spPr>
+      </p:pic>
+      <p:pic>
+        <p:nvPicPr>
+          <p:cNvPr id="23" name="Picture 22" descr="chrome_256x256.png"/>
+          <p:cNvPicPr>
+            <a:picLocks noChangeAspect="1"/>
+          </p:cNvPicPr>
+          <p:nvPr/>
+        </p:nvPicPr>
+        <p:blipFill>
+          <a:blip r:embed="rId2">
+            <a:extLst>
+              <a:ext uri="{28A0092B-C50C-407E-A947-70E740481C1C}">
+                <a14:useLocalDpi xmlns:a14="http://schemas.microsoft.com/office/drawing/2010/main" val="0"/>
+              </a:ext>
+            </a:extLst>
+          </a:blip>
+          <a:stretch>
+            <a:fillRect/>
+          </a:stretch>
+        </p:blipFill>
+        <p:spPr>
+          <a:xfrm>
+            <a:off x="2227676" y="1647742"/>
+            <a:ext cx="4568958" cy="4568958"/>
+          </a:xfrm>
+          <a:prstGeom prst="rtTriangle">
+            <a:avLst/>
+          </a:prstGeom>
+        </p:spPr>
+      </p:pic>
     </p:spTree>
     <p:extLst>
       <p:ext uri="{BB962C8B-B14F-4D97-AF65-F5344CB8AC3E}">
-        <p14:creationId xmlns:p14="http://schemas.microsoft.com/office/powerpoint/2010/main" val="3272444555"/>
+        <p14:creationId xmlns:p14="http://schemas.microsoft.com/office/powerpoint/2010/main" val="2710229399"/>
       </p:ext>
     </p:extLst>
   </p:cSld>
@@ -19559,14 +19478,6 @@
 <file path=ppt/slides/slide45.xml><?xml version="1.0" encoding="utf-8"?>
 <p:sld xmlns:a="http://schemas.openxmlformats.org/drawingml/2006/main" xmlns:r="http://schemas.openxmlformats.org/officeDocument/2006/relationships" xmlns:p="http://schemas.openxmlformats.org/presentationml/2006/main">
   <p:cSld>
-    <p:bg>
-      <p:bgPr>
-        <a:solidFill>
-          <a:srgbClr val="500928"/>
-        </a:solidFill>
-        <a:effectLst/>
-      </p:bgPr>
-    </p:bg>
     <p:spTree>
       <p:nvGrpSpPr>
         <p:cNvPr id="1" name=""/>
@@ -19581,16 +19492,46 @@
           <a:chExt cx="0" cy="0"/>
         </a:xfrm>
       </p:grpSpPr>
-      <p:sp>
-        <p:nvSpPr>
-          <p:cNvPr id="6" name="TextBox 5"/>
+      <p:pic>
+        <p:nvPicPr>
+          <p:cNvPr id="7" name="Picture 6" descr="safari-ios_512x512.png"/>
+          <p:cNvPicPr>
+            <a:picLocks noChangeAspect="1"/>
+          </p:cNvPicPr>
+          <p:nvPr/>
+        </p:nvPicPr>
+        <p:blipFill>
+          <a:blip r:embed="rId2">
+            <a:extLst>
+              <a:ext uri="{28A0092B-C50C-407E-A947-70E740481C1C}">
+                <a14:useLocalDpi xmlns:a14="http://schemas.microsoft.com/office/drawing/2010/main" val="0"/>
+              </a:ext>
+            </a:extLst>
+          </a:blip>
+          <a:stretch>
+            <a:fillRect/>
+          </a:stretch>
+        </p:blipFill>
+        <p:spPr>
+          <a:xfrm>
+            <a:off x="2227676" y="1647742"/>
+            <a:ext cx="4568958" cy="4568958"/>
+          </a:xfrm>
+          <a:prstGeom prst="rect">
+            <a:avLst/>
+          </a:prstGeom>
+        </p:spPr>
+      </p:pic>
+      <p:sp>
+        <p:nvSpPr>
+          <p:cNvPr id="24" name="TextBox 23"/>
           <p:cNvSpPr txBox="1"/>
           <p:nvPr/>
         </p:nvSpPr>
         <p:spPr>
           <a:xfrm>
-            <a:off x="606464" y="1611206"/>
-            <a:ext cx="7848004" cy="3785652"/>
+            <a:off x="606463" y="320215"/>
+            <a:ext cx="8400839" cy="830997"/>
           </a:xfrm>
           <a:prstGeom prst="rect">
             <a:avLst/>
@@ -19603,171 +19544,15 @@
           </a:bodyPr>
           <a:lstStyle/>
           <a:p>
-            <a:pPr marL="914400" indent="-914400">
-              <a:buFont typeface="+mj-lt"/>
-              <a:buAutoNum type="arabicPeriod"/>
-            </a:pPr>
-            <a:r>
-              <a:rPr lang="en-US" sz="4000" b="1" dirty="0">
-                <a:solidFill>
-                  <a:schemeClr val="accent2">
-                    <a:lumMod val="20000"/>
-                    <a:lumOff val="80000"/>
-                  </a:schemeClr>
-                </a:solidFill>
-                <a:latin typeface="Source Sans Pro ExtraLight"/>
-                <a:cs typeface="Source Sans Pro ExtraLight"/>
-              </a:rPr>
-              <a:t>g</a:t>
-            </a:r>
-            <a:r>
-              <a:rPr lang="en-US" sz="4000" b="1" dirty="0" smtClean="0">
-                <a:solidFill>
-                  <a:schemeClr val="accent2">
-                    <a:lumMod val="20000"/>
-                    <a:lumOff val="80000"/>
-                  </a:schemeClr>
-                </a:solidFill>
-                <a:latin typeface="Source Sans Pro ExtraLight"/>
-                <a:cs typeface="Source Sans Pro ExtraLight"/>
-              </a:rPr>
-              <a:t>o to chrome://flags</a:t>
-            </a:r>
-          </a:p>
-          <a:p>
-            <a:endParaRPr lang="en-US" sz="4000" b="1" dirty="0" smtClean="0">
-              <a:solidFill>
-                <a:schemeClr val="accent2">
-                  <a:lumMod val="20000"/>
-                  <a:lumOff val="80000"/>
-                </a:schemeClr>
-              </a:solidFill>
-              <a:latin typeface="Source Sans Pro ExtraLight"/>
-              <a:cs typeface="Source Sans Pro ExtraLight"/>
-            </a:endParaRPr>
-          </a:p>
-          <a:p>
-            <a:pPr marL="914400" indent="-914400">
-              <a:buFont typeface="+mj-lt"/>
-              <a:buAutoNum type="arabicPeriod"/>
-            </a:pPr>
-            <a:r>
-              <a:rPr lang="en-US" sz="4000" b="1" dirty="0" smtClean="0">
-                <a:solidFill>
-                  <a:schemeClr val="accent2">
-                    <a:lumMod val="20000"/>
-                    <a:lumOff val="80000"/>
-                  </a:schemeClr>
-                </a:solidFill>
-                <a:latin typeface="Source Sans Pro ExtraLight"/>
-                <a:cs typeface="Source Sans Pro ExtraLight"/>
-              </a:rPr>
-              <a:t>find “</a:t>
-            </a:r>
-            <a:r>
-              <a:rPr lang="en-US" sz="4000" i="1" dirty="0" smtClean="0">
-                <a:solidFill>
-                  <a:schemeClr val="accent2">
-                    <a:lumMod val="20000"/>
-                    <a:lumOff val="80000"/>
-                  </a:schemeClr>
-                </a:solidFill>
-                <a:latin typeface="Source Sans Pro Light"/>
-                <a:cs typeface="Source Sans Pro Light"/>
-              </a:rPr>
-              <a:t>Experimental Web Platform features</a:t>
-            </a:r>
-            <a:r>
-              <a:rPr lang="en-US" sz="4000" b="1" dirty="0" smtClean="0">
-                <a:solidFill>
-                  <a:schemeClr val="accent2">
-                    <a:lumMod val="20000"/>
-                    <a:lumOff val="80000"/>
-                  </a:schemeClr>
-                </a:solidFill>
-                <a:latin typeface="Source Sans Pro ExtraLight"/>
-                <a:cs typeface="Source Sans Pro ExtraLight"/>
-              </a:rPr>
-              <a:t>” and click </a:t>
-            </a:r>
-            <a:r>
-              <a:rPr lang="en-US" sz="4000" dirty="0" smtClean="0">
-                <a:solidFill>
-                  <a:schemeClr val="accent2">
-                    <a:lumMod val="20000"/>
-                    <a:lumOff val="80000"/>
-                  </a:schemeClr>
+            <a:r>
+              <a:rPr lang="en-US" sz="4800" b="1" dirty="0" smtClean="0">
+                <a:solidFill>
+                  <a:schemeClr val="bg1"/>
                 </a:solidFill>
                 <a:latin typeface="Source Sans Pro Semibold"/>
                 <a:cs typeface="Source Sans Pro Semibold"/>
               </a:rPr>
-              <a:t>enable</a:t>
-            </a:r>
-          </a:p>
-          <a:p>
-            <a:endParaRPr lang="en-US" sz="4000" dirty="0" smtClean="0">
-              <a:solidFill>
-                <a:schemeClr val="accent2">
-                  <a:lumMod val="20000"/>
-                  <a:lumOff val="80000"/>
-                </a:schemeClr>
-              </a:solidFill>
-              <a:latin typeface="Source Sans Pro Semibold"/>
-              <a:cs typeface="Source Sans Pro Semibold"/>
-            </a:endParaRPr>
-          </a:p>
-          <a:p>
-            <a:pPr marL="914400" indent="-914400">
-              <a:buFont typeface="+mj-lt"/>
-              <a:buAutoNum type="arabicPeriod"/>
-            </a:pPr>
-            <a:r>
-              <a:rPr lang="en-US" sz="4000" b="1" dirty="0" smtClean="0">
-                <a:solidFill>
-                  <a:schemeClr val="accent2">
-                    <a:lumMod val="20000"/>
-                    <a:lumOff val="80000"/>
-                  </a:schemeClr>
-                </a:solidFill>
-                <a:latin typeface="Source Sans Pro ExtraLight"/>
-                <a:cs typeface="Source Sans Pro ExtraLight"/>
-              </a:rPr>
-              <a:t>restart Chrome</a:t>
-            </a:r>
-          </a:p>
-        </p:txBody>
-      </p:sp>
-      <p:sp>
-        <p:nvSpPr>
-          <p:cNvPr id="5" name="TextBox 4"/>
-          <p:cNvSpPr txBox="1"/>
-          <p:nvPr/>
-        </p:nvSpPr>
-        <p:spPr>
-          <a:xfrm>
-            <a:off x="606464" y="490806"/>
-            <a:ext cx="7555301" cy="830997"/>
-          </a:xfrm>
-          <a:prstGeom prst="rect">
-            <a:avLst/>
-          </a:prstGeom>
-          <a:noFill/>
-        </p:spPr>
-        <p:txBody>
-          <a:bodyPr wrap="square" rtlCol="0">
-            <a:spAutoFit/>
-          </a:bodyPr>
-          <a:lstStyle/>
-          <a:p>
-            <a:r>
-              <a:rPr lang="en-US" sz="4800" b="1" dirty="0" smtClean="0">
-                <a:solidFill>
-                  <a:schemeClr val="bg1"/>
-                </a:solidFill>
-                <a:latin typeface="Source Sans Pro Semibold"/>
-                <a:cs typeface="Source Sans Pro Semibold"/>
-              </a:rPr>
-              <a:t>How to enable CSS Regions</a:t>
+              <a:t>Apple keeps CSS Regions</a:t>
             </a:r>
             <a:endParaRPr lang="en-US" sz="4800" b="1" dirty="0">
               <a:solidFill>
@@ -19782,7 +19567,7 @@
     </p:spTree>
     <p:extLst>
       <p:ext uri="{BB962C8B-B14F-4D97-AF65-F5344CB8AC3E}">
-        <p14:creationId xmlns:p14="http://schemas.microsoft.com/office/powerpoint/2010/main" val="1927210436"/>
+        <p14:creationId xmlns:p14="http://schemas.microsoft.com/office/powerpoint/2010/main" val="3903913796"/>
       </p:ext>
     </p:extLst>
   </p:cSld>
@@ -19854,27 +19639,7 @@
                 <a:latin typeface="Source Sans Pro Semibold"/>
                 <a:cs typeface="Source Sans Pro Semibold"/>
               </a:rPr>
-              <a:t>-</a:t>
-            </a:r>
-            <a:r>
-              <a:rPr lang="en-US" sz="9600" b="1" spc="-300" dirty="0" err="1" smtClean="0">
-                <a:solidFill>
-                  <a:schemeClr val="bg1"/>
-                </a:solidFill>
-                <a:latin typeface="Source Sans Pro Semibold"/>
-                <a:cs typeface="Source Sans Pro Semibold"/>
-              </a:rPr>
-              <a:t>webkit</a:t>
-            </a:r>
-            <a:r>
-              <a:rPr lang="en-US" sz="9600" b="1" spc="-300" dirty="0" smtClean="0">
-                <a:solidFill>
-                  <a:schemeClr val="bg1"/>
-                </a:solidFill>
-                <a:latin typeface="Source Sans Pro Semibold"/>
-                <a:cs typeface="Source Sans Pro Semibold"/>
-              </a:rPr>
-              <a:t>-</a:t>
+              <a:t>chrome://flags</a:t>
             </a:r>
             <a:endParaRPr lang="en-US" sz="9600" b="1" spc="-300" dirty="0">
               <a:solidFill>
@@ -19895,7 +19660,7 @@
         <p:spPr>
           <a:xfrm>
             <a:off x="606464" y="3513999"/>
-            <a:ext cx="7555301" cy="830997"/>
+            <a:ext cx="7555301" cy="1569660"/>
           </a:xfrm>
           <a:prstGeom prst="rect">
             <a:avLst/>
@@ -19919,7 +19684,7 @@
                 <a:latin typeface="Source Sans Pro ExtraLight"/>
                 <a:cs typeface="Source Sans Pro ExtraLight"/>
               </a:rPr>
-              <a:t>CSS Regions are prefixed</a:t>
+              <a:t>CSS Regions are disabled by default in Chrome.</a:t>
             </a:r>
             <a:endParaRPr lang="en-US" sz="4800" b="1" dirty="0">
               <a:solidFill>
@@ -19937,7 +19702,7 @@
     </p:spTree>
     <p:extLst>
       <p:ext uri="{BB962C8B-B14F-4D97-AF65-F5344CB8AC3E}">
-        <p14:creationId xmlns:p14="http://schemas.microsoft.com/office/powerpoint/2010/main" val="132276475"/>
+        <p14:creationId xmlns:p14="http://schemas.microsoft.com/office/powerpoint/2010/main" val="3272444555"/>
       </p:ext>
     </p:extLst>
   </p:cSld>
@@ -19955,399 +19720,6 @@
 </file>
 
 <file path=ppt/slides/slide47.xml><?xml version="1.0" encoding="utf-8"?>
-<p:sld xmlns:a="http://schemas.openxmlformats.org/drawingml/2006/main" xmlns:r="http://schemas.openxmlformats.org/officeDocument/2006/relationships" xmlns:p="http://schemas.openxmlformats.org/presentationml/2006/main">
-  <p:cSld>
-    <p:spTree>
-      <p:nvGrpSpPr>
-        <p:cNvPr id="1" name=""/>
-        <p:cNvGrpSpPr/>
-        <p:nvPr/>
-      </p:nvGrpSpPr>
-      <p:grpSpPr>
-        <a:xfrm>
-          <a:off x="0" y="0"/>
-          <a:ext cx="0" cy="0"/>
-          <a:chOff x="0" y="0"/>
-          <a:chExt cx="0" cy="0"/>
-        </a:xfrm>
-      </p:grpSpPr>
-      <p:sp>
-        <p:nvSpPr>
-          <p:cNvPr id="6" name="TextBox 5"/>
-          <p:cNvSpPr txBox="1"/>
-          <p:nvPr/>
-        </p:nvSpPr>
-        <p:spPr>
-          <a:xfrm>
-            <a:off x="606464" y="2552987"/>
-            <a:ext cx="8047044" cy="707886"/>
-          </a:xfrm>
-          <a:prstGeom prst="rect">
-            <a:avLst/>
-          </a:prstGeom>
-          <a:noFill/>
-        </p:spPr>
-        <p:txBody>
-          <a:bodyPr wrap="square" rtlCol="0">
-            <a:spAutoFit/>
-          </a:bodyPr>
-          <a:lstStyle/>
-          <a:p>
-            <a:r>
-              <a:rPr lang="en-US" sz="4000" dirty="0">
-                <a:solidFill>
-                  <a:schemeClr val="bg1"/>
-                </a:solidFill>
-                <a:latin typeface="Consolas"/>
-                <a:cs typeface="Consolas"/>
-              </a:rPr>
-              <a:t>f</a:t>
-            </a:r>
-            <a:r>
-              <a:rPr lang="en-US" sz="4000" dirty="0" smtClean="0">
-                <a:solidFill>
-                  <a:schemeClr val="bg1"/>
-                </a:solidFill>
-                <a:latin typeface="Consolas"/>
-                <a:cs typeface="Consolas"/>
-              </a:rPr>
-              <a:t>low-into: </a:t>
-            </a:r>
-            <a:r>
-              <a:rPr lang="en-US" sz="4000" dirty="0" err="1" smtClean="0">
-                <a:solidFill>
-                  <a:srgbClr val="FFFFFF"/>
-                </a:solidFill>
-                <a:latin typeface="Consolas"/>
-                <a:cs typeface="Consolas"/>
-              </a:rPr>
-              <a:t>myFlow</a:t>
-            </a:r>
-            <a:r>
-              <a:rPr lang="en-US" sz="4000" dirty="0" smtClean="0">
-                <a:solidFill>
-                  <a:schemeClr val="bg1"/>
-                </a:solidFill>
-                <a:latin typeface="Consolas"/>
-                <a:cs typeface="Consolas"/>
-              </a:rPr>
-              <a:t>;</a:t>
-            </a:r>
-            <a:endParaRPr lang="en-US" sz="4000" dirty="0">
-              <a:solidFill>
-                <a:schemeClr val="bg1"/>
-              </a:solidFill>
-              <a:latin typeface="Consolas"/>
-              <a:cs typeface="Consolas"/>
-            </a:endParaRPr>
-          </a:p>
-        </p:txBody>
-      </p:sp>
-      <p:sp>
-        <p:nvSpPr>
-          <p:cNvPr id="7" name="TextBox 6"/>
-          <p:cNvSpPr txBox="1"/>
-          <p:nvPr/>
-        </p:nvSpPr>
-        <p:spPr>
-          <a:xfrm>
-            <a:off x="606463" y="3159466"/>
-            <a:ext cx="6661458" cy="584776"/>
-          </a:xfrm>
-          <a:prstGeom prst="rect">
-            <a:avLst/>
-          </a:prstGeom>
-          <a:noFill/>
-        </p:spPr>
-        <p:txBody>
-          <a:bodyPr wrap="square" rtlCol="0">
-            <a:spAutoFit/>
-          </a:bodyPr>
-          <a:lstStyle/>
-          <a:p>
-            <a:r>
-              <a:rPr lang="en-US" sz="3200" b="1" dirty="0">
-                <a:solidFill>
-                  <a:schemeClr val="accent2">
-                    <a:lumMod val="60000"/>
-                    <a:lumOff val="40000"/>
-                  </a:schemeClr>
-                </a:solidFill>
-                <a:latin typeface="Source Sans Pro ExtraLight"/>
-                <a:cs typeface="Source Sans Pro ExtraLight"/>
-              </a:rPr>
-              <a:t>c</a:t>
-            </a:r>
-            <a:r>
-              <a:rPr lang="en-US" sz="3200" b="1" dirty="0" smtClean="0">
-                <a:solidFill>
-                  <a:schemeClr val="accent2">
-                    <a:lumMod val="60000"/>
-                    <a:lumOff val="40000"/>
-                  </a:schemeClr>
-                </a:solidFill>
-                <a:latin typeface="Source Sans Pro ExtraLight"/>
-                <a:cs typeface="Source Sans Pro ExtraLight"/>
-              </a:rPr>
-              <a:t>ollects content into a named flow</a:t>
-            </a:r>
-            <a:endParaRPr lang="en-US" sz="3200" b="1" dirty="0">
-              <a:solidFill>
-                <a:srgbClr val="E46C0A"/>
-              </a:solidFill>
-              <a:latin typeface="Source Sans Pro ExtraLight"/>
-              <a:cs typeface="Source Sans Pro ExtraLight"/>
-            </a:endParaRPr>
-          </a:p>
-        </p:txBody>
-      </p:sp>
-      <p:sp>
-        <p:nvSpPr>
-          <p:cNvPr id="11" name="TextBox 10"/>
-          <p:cNvSpPr txBox="1"/>
-          <p:nvPr/>
-        </p:nvSpPr>
-        <p:spPr>
-          <a:xfrm>
-            <a:off x="606465" y="4239299"/>
-            <a:ext cx="8047044" cy="707886"/>
-          </a:xfrm>
-          <a:prstGeom prst="rect">
-            <a:avLst/>
-          </a:prstGeom>
-          <a:noFill/>
-        </p:spPr>
-        <p:txBody>
-          <a:bodyPr wrap="square" rtlCol="0">
-            <a:spAutoFit/>
-          </a:bodyPr>
-          <a:lstStyle/>
-          <a:p>
-            <a:r>
-              <a:rPr lang="en-US" sz="4000" dirty="0">
-                <a:solidFill>
-                  <a:schemeClr val="bg1"/>
-                </a:solidFill>
-                <a:latin typeface="Consolas"/>
-                <a:cs typeface="Consolas"/>
-              </a:rPr>
-              <a:t>f</a:t>
-            </a:r>
-            <a:r>
-              <a:rPr lang="en-US" sz="4000" dirty="0" smtClean="0">
-                <a:solidFill>
-                  <a:schemeClr val="bg1"/>
-                </a:solidFill>
-                <a:latin typeface="Consolas"/>
-                <a:cs typeface="Consolas"/>
-              </a:rPr>
-              <a:t>low-from: </a:t>
-            </a:r>
-            <a:r>
-              <a:rPr lang="en-US" sz="4000" dirty="0" err="1" smtClean="0">
-                <a:solidFill>
-                  <a:srgbClr val="FFFFFF"/>
-                </a:solidFill>
-                <a:latin typeface="Consolas"/>
-                <a:cs typeface="Consolas"/>
-              </a:rPr>
-              <a:t>myFlow</a:t>
-            </a:r>
-            <a:r>
-              <a:rPr lang="en-US" sz="4000" dirty="0" smtClean="0">
-                <a:solidFill>
-                  <a:schemeClr val="bg1"/>
-                </a:solidFill>
-                <a:latin typeface="Consolas"/>
-                <a:cs typeface="Consolas"/>
-              </a:rPr>
-              <a:t>;</a:t>
-            </a:r>
-            <a:endParaRPr lang="en-US" sz="4000" dirty="0">
-              <a:solidFill>
-                <a:schemeClr val="bg1"/>
-              </a:solidFill>
-              <a:latin typeface="Consolas"/>
-              <a:cs typeface="Consolas"/>
-            </a:endParaRPr>
-          </a:p>
-        </p:txBody>
-      </p:sp>
-      <p:sp>
-        <p:nvSpPr>
-          <p:cNvPr id="12" name="TextBox 11"/>
-          <p:cNvSpPr txBox="1"/>
-          <p:nvPr/>
-        </p:nvSpPr>
-        <p:spPr>
-          <a:xfrm>
-            <a:off x="606464" y="4845778"/>
-            <a:ext cx="6661458" cy="584776"/>
-          </a:xfrm>
-          <a:prstGeom prst="rect">
-            <a:avLst/>
-          </a:prstGeom>
-          <a:noFill/>
-        </p:spPr>
-        <p:txBody>
-          <a:bodyPr wrap="square" rtlCol="0">
-            <a:spAutoFit/>
-          </a:bodyPr>
-          <a:lstStyle/>
-          <a:p>
-            <a:r>
-              <a:rPr lang="en-US" sz="3200" b="1" dirty="0" smtClean="0">
-                <a:solidFill>
-                  <a:schemeClr val="accent2">
-                    <a:lumMod val="60000"/>
-                    <a:lumOff val="40000"/>
-                  </a:schemeClr>
-                </a:solidFill>
-                <a:latin typeface="Source Sans Pro ExtraLight"/>
-                <a:cs typeface="Source Sans Pro ExtraLight"/>
-              </a:rPr>
-              <a:t>renders content from a named flow</a:t>
-            </a:r>
-            <a:endParaRPr lang="en-US" sz="3200" b="1" dirty="0">
-              <a:solidFill>
-                <a:srgbClr val="E46C0A"/>
-              </a:solidFill>
-              <a:latin typeface="Source Sans Pro ExtraLight"/>
-              <a:cs typeface="Source Sans Pro ExtraLight"/>
-            </a:endParaRPr>
-          </a:p>
-        </p:txBody>
-      </p:sp>
-      <p:sp>
-        <p:nvSpPr>
-          <p:cNvPr id="13" name="TextBox 12"/>
-          <p:cNvSpPr txBox="1"/>
-          <p:nvPr/>
-        </p:nvSpPr>
-        <p:spPr>
-          <a:xfrm>
-            <a:off x="606464" y="735713"/>
-            <a:ext cx="7555301" cy="830997"/>
-          </a:xfrm>
-          <a:prstGeom prst="rect">
-            <a:avLst/>
-          </a:prstGeom>
-          <a:noFill/>
-        </p:spPr>
-        <p:txBody>
-          <a:bodyPr wrap="square" rtlCol="0">
-            <a:spAutoFit/>
-          </a:bodyPr>
-          <a:lstStyle/>
-          <a:p>
-            <a:r>
-              <a:rPr lang="en-US" sz="4800" b="1" dirty="0" smtClean="0">
-                <a:solidFill>
-                  <a:schemeClr val="bg1"/>
-                </a:solidFill>
-                <a:latin typeface="Source Sans Pro Semibold"/>
-                <a:cs typeface="Source Sans Pro Semibold"/>
-              </a:rPr>
-              <a:t>2-step process</a:t>
-            </a:r>
-            <a:endParaRPr lang="en-US" sz="4800" b="1" dirty="0">
-              <a:solidFill>
-                <a:schemeClr val="bg1"/>
-              </a:solidFill>
-              <a:latin typeface="Helvetica Neue"/>
-              <a:cs typeface="Helvetica Neue"/>
-            </a:endParaRPr>
-          </a:p>
-        </p:txBody>
-      </p:sp>
-    </p:spTree>
-    <p:extLst>
-      <p:ext uri="{BB962C8B-B14F-4D97-AF65-F5344CB8AC3E}">
-        <p14:creationId xmlns:p14="http://schemas.microsoft.com/office/powerpoint/2010/main" val="3530718896"/>
-      </p:ext>
-    </p:extLst>
-  </p:cSld>
-  <p:clrMapOvr>
-    <a:masterClrMapping/>
-  </p:clrMapOvr>
-  <p:timing>
-    <p:tnLst>
-      <p:par>
-        <p:cTn xmlns:p14="http://schemas.microsoft.com/office/powerpoint/2010/main" id="1" dur="indefinite" restart="never" nodeType="tmRoot"/>
-      </p:par>
-    </p:tnLst>
-  </p:timing>
-</p:sld>
-</file>
-
-<file path=ppt/slides/slide48.xml><?xml version="1.0" encoding="utf-8"?>
-<p:sld xmlns:a="http://schemas.openxmlformats.org/drawingml/2006/main" xmlns:r="http://schemas.openxmlformats.org/officeDocument/2006/relationships" xmlns:p="http://schemas.openxmlformats.org/presentationml/2006/main">
-  <p:cSld>
-    <p:spTree>
-      <p:nvGrpSpPr>
-        <p:cNvPr id="1" name=""/>
-        <p:cNvGrpSpPr/>
-        <p:nvPr/>
-      </p:nvGrpSpPr>
-      <p:grpSpPr>
-        <a:xfrm>
-          <a:off x="0" y="0"/>
-          <a:ext cx="0" cy="0"/>
-          <a:chOff x="0" y="0"/>
-          <a:chExt cx="0" cy="0"/>
-        </a:xfrm>
-      </p:grpSpPr>
-      <p:pic>
-        <p:nvPicPr>
-          <p:cNvPr id="2" name="Picture 1" descr="flow-regions-transparent.png"/>
-          <p:cNvPicPr>
-            <a:picLocks noChangeAspect="1"/>
-          </p:cNvPicPr>
-          <p:nvPr/>
-        </p:nvPicPr>
-        <p:blipFill>
-          <a:blip r:embed="rId2">
-            <a:extLst>
-              <a:ext uri="{28A0092B-C50C-407E-A947-70E740481C1C}">
-                <a14:useLocalDpi xmlns:a14="http://schemas.microsoft.com/office/drawing/2010/main" val="0"/>
-              </a:ext>
-            </a:extLst>
-          </a:blip>
-          <a:stretch>
-            <a:fillRect/>
-          </a:stretch>
-        </p:blipFill>
-        <p:spPr>
-          <a:xfrm>
-            <a:off x="713088" y="748705"/>
-            <a:ext cx="7717824" cy="5354240"/>
-          </a:xfrm>
-          <a:prstGeom prst="rect">
-            <a:avLst/>
-          </a:prstGeom>
-        </p:spPr>
-      </p:pic>
-    </p:spTree>
-    <p:extLst>
-      <p:ext uri="{BB962C8B-B14F-4D97-AF65-F5344CB8AC3E}">
-        <p14:creationId xmlns:p14="http://schemas.microsoft.com/office/powerpoint/2010/main" val="3601967835"/>
-      </p:ext>
-    </p:extLst>
-  </p:cSld>
-  <p:clrMapOvr>
-    <a:masterClrMapping/>
-  </p:clrMapOvr>
-  <p:timing>
-    <p:tnLst>
-      <p:par>
-        <p:cTn xmlns:p14="http://schemas.microsoft.com/office/powerpoint/2010/main" id="1" dur="indefinite" restart="never" nodeType="tmRoot"/>
-      </p:par>
-    </p:tnLst>
-  </p:timing>
-</p:sld>
-</file>
-
-<file path=ppt/slides/slide49.xml><?xml version="1.0" encoding="utf-8"?>
 <p:sld xmlns:a="http://schemas.openxmlformats.org/drawingml/2006/main" xmlns:r="http://schemas.openxmlformats.org/officeDocument/2006/relationships" xmlns:p="http://schemas.openxmlformats.org/presentationml/2006/main">
   <p:cSld>
     <p:bg>
@@ -20374,14 +19746,14 @@
       </p:grpSpPr>
       <p:sp>
         <p:nvSpPr>
-          <p:cNvPr id="4" name="TextBox 3"/>
+          <p:cNvPr id="6" name="TextBox 5"/>
           <p:cNvSpPr txBox="1"/>
           <p:nvPr/>
         </p:nvSpPr>
         <p:spPr>
           <a:xfrm>
-            <a:off x="606464" y="2075289"/>
-            <a:ext cx="7555301" cy="1569660"/>
+            <a:off x="606464" y="1611206"/>
+            <a:ext cx="7848004" cy="3785652"/>
           </a:xfrm>
           <a:prstGeom prst="rect">
             <a:avLst/>
@@ -20394,15 +19766,278 @@
           </a:bodyPr>
           <a:lstStyle/>
           <a:p>
-            <a:r>
-              <a:rPr lang="en-US" sz="9600" b="1" spc="-300" dirty="0" smtClean="0">
-                <a:solidFill>
-                  <a:schemeClr val="bg1"/>
+            <a:pPr marL="914400" indent="-914400">
+              <a:buFont typeface="+mj-lt"/>
+              <a:buAutoNum type="arabicPeriod"/>
+            </a:pPr>
+            <a:r>
+              <a:rPr lang="en-US" sz="4000" b="1" dirty="0">
+                <a:solidFill>
+                  <a:schemeClr val="accent2">
+                    <a:lumMod val="20000"/>
+                    <a:lumOff val="80000"/>
+                  </a:schemeClr>
+                </a:solidFill>
+                <a:latin typeface="Source Sans Pro ExtraLight"/>
+                <a:cs typeface="Source Sans Pro ExtraLight"/>
+              </a:rPr>
+              <a:t>g</a:t>
+            </a:r>
+            <a:r>
+              <a:rPr lang="en-US" sz="4000" b="1" dirty="0" smtClean="0">
+                <a:solidFill>
+                  <a:schemeClr val="accent2">
+                    <a:lumMod val="20000"/>
+                    <a:lumOff val="80000"/>
+                  </a:schemeClr>
+                </a:solidFill>
+                <a:latin typeface="Source Sans Pro ExtraLight"/>
+                <a:cs typeface="Source Sans Pro ExtraLight"/>
+              </a:rPr>
+              <a:t>o to chrome://flags</a:t>
+            </a:r>
+          </a:p>
+          <a:p>
+            <a:endParaRPr lang="en-US" sz="4000" b="1" dirty="0" smtClean="0">
+              <a:solidFill>
+                <a:schemeClr val="accent2">
+                  <a:lumMod val="20000"/>
+                  <a:lumOff val="80000"/>
+                </a:schemeClr>
+              </a:solidFill>
+              <a:latin typeface="Source Sans Pro ExtraLight"/>
+              <a:cs typeface="Source Sans Pro ExtraLight"/>
+            </a:endParaRPr>
+          </a:p>
+          <a:p>
+            <a:pPr marL="914400" indent="-914400">
+              <a:buFont typeface="+mj-lt"/>
+              <a:buAutoNum type="arabicPeriod"/>
+            </a:pPr>
+            <a:r>
+              <a:rPr lang="en-US" sz="4000" b="1" dirty="0" smtClean="0">
+                <a:solidFill>
+                  <a:schemeClr val="accent2">
+                    <a:lumMod val="20000"/>
+                    <a:lumOff val="80000"/>
+                  </a:schemeClr>
+                </a:solidFill>
+                <a:latin typeface="Source Sans Pro ExtraLight"/>
+                <a:cs typeface="Source Sans Pro ExtraLight"/>
+              </a:rPr>
+              <a:t>find “</a:t>
+            </a:r>
+            <a:r>
+              <a:rPr lang="en-US" sz="4000" i="1" dirty="0" smtClean="0">
+                <a:solidFill>
+                  <a:schemeClr val="accent2">
+                    <a:lumMod val="20000"/>
+                    <a:lumOff val="80000"/>
+                  </a:schemeClr>
+                </a:solidFill>
+                <a:latin typeface="Source Sans Pro Light"/>
+                <a:cs typeface="Source Sans Pro Light"/>
+              </a:rPr>
+              <a:t>Experimental Web Platform features</a:t>
+            </a:r>
+            <a:r>
+              <a:rPr lang="en-US" sz="4000" b="1" dirty="0" smtClean="0">
+                <a:solidFill>
+                  <a:schemeClr val="accent2">
+                    <a:lumMod val="20000"/>
+                    <a:lumOff val="80000"/>
+                  </a:schemeClr>
+                </a:solidFill>
+                <a:latin typeface="Source Sans Pro ExtraLight"/>
+                <a:cs typeface="Source Sans Pro ExtraLight"/>
+              </a:rPr>
+              <a:t>” and click </a:t>
+            </a:r>
+            <a:r>
+              <a:rPr lang="en-US" sz="4000" dirty="0" smtClean="0">
+                <a:solidFill>
+                  <a:schemeClr val="accent2">
+                    <a:lumMod val="20000"/>
+                    <a:lumOff val="80000"/>
+                  </a:schemeClr>
                 </a:solidFill>
                 <a:latin typeface="Source Sans Pro Semibold"/>
                 <a:cs typeface="Source Sans Pro Semibold"/>
               </a:rPr>
-              <a:t>regions</a:t>
+              <a:t>enable</a:t>
+            </a:r>
+          </a:p>
+          <a:p>
+            <a:endParaRPr lang="en-US" sz="4000" dirty="0" smtClean="0">
+              <a:solidFill>
+                <a:schemeClr val="accent2">
+                  <a:lumMod val="20000"/>
+                  <a:lumOff val="80000"/>
+                </a:schemeClr>
+              </a:solidFill>
+              <a:latin typeface="Source Sans Pro Semibold"/>
+              <a:cs typeface="Source Sans Pro Semibold"/>
+            </a:endParaRPr>
+          </a:p>
+          <a:p>
+            <a:pPr marL="914400" indent="-914400">
+              <a:buFont typeface="+mj-lt"/>
+              <a:buAutoNum type="arabicPeriod"/>
+            </a:pPr>
+            <a:r>
+              <a:rPr lang="en-US" sz="4000" b="1" dirty="0" smtClean="0">
+                <a:solidFill>
+                  <a:schemeClr val="accent2">
+                    <a:lumMod val="20000"/>
+                    <a:lumOff val="80000"/>
+                  </a:schemeClr>
+                </a:solidFill>
+                <a:latin typeface="Source Sans Pro ExtraLight"/>
+                <a:cs typeface="Source Sans Pro ExtraLight"/>
+              </a:rPr>
+              <a:t>restart Chrome</a:t>
+            </a:r>
+          </a:p>
+        </p:txBody>
+      </p:sp>
+      <p:sp>
+        <p:nvSpPr>
+          <p:cNvPr id="5" name="TextBox 4"/>
+          <p:cNvSpPr txBox="1"/>
+          <p:nvPr/>
+        </p:nvSpPr>
+        <p:spPr>
+          <a:xfrm>
+            <a:off x="606464" y="490806"/>
+            <a:ext cx="7555301" cy="830997"/>
+          </a:xfrm>
+          <a:prstGeom prst="rect">
+            <a:avLst/>
+          </a:prstGeom>
+          <a:noFill/>
+        </p:spPr>
+        <p:txBody>
+          <a:bodyPr wrap="square" rtlCol="0">
+            <a:spAutoFit/>
+          </a:bodyPr>
+          <a:lstStyle/>
+          <a:p>
+            <a:r>
+              <a:rPr lang="en-US" sz="4800" b="1" dirty="0" smtClean="0">
+                <a:solidFill>
+                  <a:schemeClr val="bg1"/>
+                </a:solidFill>
+                <a:latin typeface="Source Sans Pro Semibold"/>
+                <a:cs typeface="Source Sans Pro Semibold"/>
+              </a:rPr>
+              <a:t>How to enable CSS Regions</a:t>
+            </a:r>
+            <a:endParaRPr lang="en-US" sz="4800" b="1" dirty="0">
+              <a:solidFill>
+                <a:schemeClr val="bg1"/>
+              </a:solidFill>
+              <a:latin typeface="Helvetica Neue"/>
+              <a:cs typeface="Helvetica Neue"/>
+            </a:endParaRPr>
+          </a:p>
+        </p:txBody>
+      </p:sp>
+    </p:spTree>
+    <p:extLst>
+      <p:ext uri="{BB962C8B-B14F-4D97-AF65-F5344CB8AC3E}">
+        <p14:creationId xmlns:p14="http://schemas.microsoft.com/office/powerpoint/2010/main" val="1927210436"/>
+      </p:ext>
+    </p:extLst>
+  </p:cSld>
+  <p:clrMapOvr>
+    <a:masterClrMapping/>
+  </p:clrMapOvr>
+  <p:timing>
+    <p:tnLst>
+      <p:par>
+        <p:cTn xmlns:p14="http://schemas.microsoft.com/office/powerpoint/2010/main" id="1" dur="indefinite" restart="never" nodeType="tmRoot"/>
+      </p:par>
+    </p:tnLst>
+  </p:timing>
+</p:sld>
+</file>
+
+<file path=ppt/slides/slide48.xml><?xml version="1.0" encoding="utf-8"?>
+<p:sld xmlns:a="http://schemas.openxmlformats.org/drawingml/2006/main" xmlns:r="http://schemas.openxmlformats.org/officeDocument/2006/relationships" xmlns:p="http://schemas.openxmlformats.org/presentationml/2006/main">
+  <p:cSld>
+    <p:bg>
+      <p:bgPr>
+        <a:solidFill>
+          <a:srgbClr val="500928"/>
+        </a:solidFill>
+        <a:effectLst/>
+      </p:bgPr>
+    </p:bg>
+    <p:spTree>
+      <p:nvGrpSpPr>
+        <p:cNvPr id="1" name=""/>
+        <p:cNvGrpSpPr/>
+        <p:nvPr/>
+      </p:nvGrpSpPr>
+      <p:grpSpPr>
+        <a:xfrm>
+          <a:off x="0" y="0"/>
+          <a:ext cx="0" cy="0"/>
+          <a:chOff x="0" y="0"/>
+          <a:chExt cx="0" cy="0"/>
+        </a:xfrm>
+      </p:grpSpPr>
+      <p:sp>
+        <p:nvSpPr>
+          <p:cNvPr id="4" name="TextBox 3"/>
+          <p:cNvSpPr txBox="1"/>
+          <p:nvPr/>
+        </p:nvSpPr>
+        <p:spPr>
+          <a:xfrm>
+            <a:off x="606464" y="2075289"/>
+            <a:ext cx="7555301" cy="1569660"/>
+          </a:xfrm>
+          <a:prstGeom prst="rect">
+            <a:avLst/>
+          </a:prstGeom>
+          <a:noFill/>
+        </p:spPr>
+        <p:txBody>
+          <a:bodyPr wrap="square" rtlCol="0">
+            <a:spAutoFit/>
+          </a:bodyPr>
+          <a:lstStyle/>
+          <a:p>
+            <a:r>
+              <a:rPr lang="en-US" sz="9600" b="1" spc="-300" dirty="0" smtClean="0">
+                <a:solidFill>
+                  <a:schemeClr val="bg1"/>
+                </a:solidFill>
+                <a:latin typeface="Source Sans Pro Semibold"/>
+                <a:cs typeface="Source Sans Pro Semibold"/>
+              </a:rPr>
+              <a:t>-</a:t>
+            </a:r>
+            <a:r>
+              <a:rPr lang="en-US" sz="9600" b="1" spc="-300" dirty="0" err="1" smtClean="0">
+                <a:solidFill>
+                  <a:schemeClr val="bg1"/>
+                </a:solidFill>
+                <a:latin typeface="Source Sans Pro Semibold"/>
+                <a:cs typeface="Source Sans Pro Semibold"/>
+              </a:rPr>
+              <a:t>webkit</a:t>
+            </a:r>
+            <a:r>
+              <a:rPr lang="en-US" sz="9600" b="1" spc="-300" dirty="0" smtClean="0">
+                <a:solidFill>
+                  <a:schemeClr val="bg1"/>
+                </a:solidFill>
+                <a:latin typeface="Source Sans Pro Semibold"/>
+                <a:cs typeface="Source Sans Pro Semibold"/>
+              </a:rPr>
+              <a:t>-</a:t>
             </a:r>
             <a:endParaRPr lang="en-US" sz="9600" b="1" spc="-300" dirty="0">
               <a:solidFill>
@@ -20423,7 +20058,7 @@
         <p:spPr>
           <a:xfrm>
             <a:off x="606464" y="3513999"/>
-            <a:ext cx="7555301" cy="1569660"/>
+            <a:ext cx="7555301" cy="830997"/>
           </a:xfrm>
           <a:prstGeom prst="rect">
             <a:avLst/>
@@ -20447,35 +20082,7 @@
                 <a:latin typeface="Source Sans Pro ExtraLight"/>
                 <a:cs typeface="Source Sans Pro ExtraLight"/>
               </a:rPr>
-              <a:t>are only visual containers, </a:t>
-            </a:r>
-          </a:p>
-          <a:p>
-            <a:r>
-              <a:rPr lang="en-US" sz="4800" b="1" dirty="0">
-                <a:solidFill>
-                  <a:schemeClr val="accent2">
-                    <a:lumMod val="20000"/>
-                    <a:lumOff val="80000"/>
-                  </a:schemeClr>
-                </a:solidFill>
-                <a:latin typeface="Source Sans Pro ExtraLight"/>
-                <a:cs typeface="Source Sans Pro ExtraLight"/>
-              </a:rPr>
-              <a:t>t</a:t>
-            </a:r>
-            <a:r>
-              <a:rPr lang="en-US" sz="4800" b="1" dirty="0" smtClean="0">
-                <a:solidFill>
-                  <a:schemeClr val="accent2">
-                    <a:lumMod val="20000"/>
-                    <a:lumOff val="80000"/>
-                  </a:schemeClr>
-                </a:solidFill>
-                <a:latin typeface="Source Sans Pro ExtraLight"/>
-                <a:cs typeface="Source Sans Pro ExtraLight"/>
-              </a:rPr>
-              <a:t>hey don’t reorder the DOM.</a:t>
+              <a:t>CSS Regions are prefixed</a:t>
             </a:r>
             <a:endParaRPr lang="en-US" sz="4800" b="1" dirty="0">
               <a:solidFill>
@@ -20493,7 +20100,333 @@
     </p:spTree>
     <p:extLst>
       <p:ext uri="{BB962C8B-B14F-4D97-AF65-F5344CB8AC3E}">
-        <p14:creationId xmlns:p14="http://schemas.microsoft.com/office/powerpoint/2010/main" val="4252755058"/>
+        <p14:creationId xmlns:p14="http://schemas.microsoft.com/office/powerpoint/2010/main" val="132276475"/>
+      </p:ext>
+    </p:extLst>
+  </p:cSld>
+  <p:clrMapOvr>
+    <a:masterClrMapping/>
+  </p:clrMapOvr>
+  <p:timing>
+    <p:tnLst>
+      <p:par>
+        <p:cTn xmlns:p14="http://schemas.microsoft.com/office/powerpoint/2010/main" id="1" dur="indefinite" restart="never" nodeType="tmRoot"/>
+      </p:par>
+    </p:tnLst>
+  </p:timing>
+</p:sld>
+</file>
+
+<file path=ppt/slides/slide49.xml><?xml version="1.0" encoding="utf-8"?>
+<p:sld xmlns:a="http://schemas.openxmlformats.org/drawingml/2006/main" xmlns:r="http://schemas.openxmlformats.org/officeDocument/2006/relationships" xmlns:p="http://schemas.openxmlformats.org/presentationml/2006/main">
+  <p:cSld>
+    <p:spTree>
+      <p:nvGrpSpPr>
+        <p:cNvPr id="1" name=""/>
+        <p:cNvGrpSpPr/>
+        <p:nvPr/>
+      </p:nvGrpSpPr>
+      <p:grpSpPr>
+        <a:xfrm>
+          <a:off x="0" y="0"/>
+          <a:ext cx="0" cy="0"/>
+          <a:chOff x="0" y="0"/>
+          <a:chExt cx="0" cy="0"/>
+        </a:xfrm>
+      </p:grpSpPr>
+      <p:sp>
+        <p:nvSpPr>
+          <p:cNvPr id="6" name="TextBox 5"/>
+          <p:cNvSpPr txBox="1"/>
+          <p:nvPr/>
+        </p:nvSpPr>
+        <p:spPr>
+          <a:xfrm>
+            <a:off x="606464" y="2552987"/>
+            <a:ext cx="8047044" cy="707886"/>
+          </a:xfrm>
+          <a:prstGeom prst="rect">
+            <a:avLst/>
+          </a:prstGeom>
+          <a:noFill/>
+        </p:spPr>
+        <p:txBody>
+          <a:bodyPr wrap="square" rtlCol="0">
+            <a:spAutoFit/>
+          </a:bodyPr>
+          <a:lstStyle/>
+          <a:p>
+            <a:r>
+              <a:rPr lang="en-US" sz="4000" dirty="0">
+                <a:solidFill>
+                  <a:schemeClr val="bg1"/>
+                </a:solidFill>
+                <a:latin typeface="Consolas"/>
+                <a:cs typeface="Consolas"/>
+              </a:rPr>
+              <a:t>f</a:t>
+            </a:r>
+            <a:r>
+              <a:rPr lang="en-US" sz="4000" dirty="0" smtClean="0">
+                <a:solidFill>
+                  <a:schemeClr val="bg1"/>
+                </a:solidFill>
+                <a:latin typeface="Consolas"/>
+                <a:cs typeface="Consolas"/>
+              </a:rPr>
+              <a:t>low-into: </a:t>
+            </a:r>
+            <a:r>
+              <a:rPr lang="en-US" sz="4000" dirty="0" err="1" smtClean="0">
+                <a:solidFill>
+                  <a:srgbClr val="FFFFFF"/>
+                </a:solidFill>
+                <a:latin typeface="Consolas"/>
+                <a:cs typeface="Consolas"/>
+              </a:rPr>
+              <a:t>myFlow</a:t>
+            </a:r>
+            <a:r>
+              <a:rPr lang="en-US" sz="4000" dirty="0" smtClean="0">
+                <a:solidFill>
+                  <a:schemeClr val="bg1"/>
+                </a:solidFill>
+                <a:latin typeface="Consolas"/>
+                <a:cs typeface="Consolas"/>
+              </a:rPr>
+              <a:t>;</a:t>
+            </a:r>
+            <a:endParaRPr lang="en-US" sz="4000" dirty="0">
+              <a:solidFill>
+                <a:schemeClr val="bg1"/>
+              </a:solidFill>
+              <a:latin typeface="Consolas"/>
+              <a:cs typeface="Consolas"/>
+            </a:endParaRPr>
+          </a:p>
+        </p:txBody>
+      </p:sp>
+      <p:sp>
+        <p:nvSpPr>
+          <p:cNvPr id="7" name="TextBox 6"/>
+          <p:cNvSpPr txBox="1"/>
+          <p:nvPr/>
+        </p:nvSpPr>
+        <p:spPr>
+          <a:xfrm>
+            <a:off x="606463" y="3159466"/>
+            <a:ext cx="6661458" cy="584776"/>
+          </a:xfrm>
+          <a:prstGeom prst="rect">
+            <a:avLst/>
+          </a:prstGeom>
+          <a:noFill/>
+        </p:spPr>
+        <p:txBody>
+          <a:bodyPr wrap="square" rtlCol="0">
+            <a:spAutoFit/>
+          </a:bodyPr>
+          <a:lstStyle/>
+          <a:p>
+            <a:r>
+              <a:rPr lang="en-US" sz="3200" b="1" dirty="0">
+                <a:solidFill>
+                  <a:schemeClr val="accent2">
+                    <a:lumMod val="60000"/>
+                    <a:lumOff val="40000"/>
+                  </a:schemeClr>
+                </a:solidFill>
+                <a:latin typeface="Source Sans Pro ExtraLight"/>
+                <a:cs typeface="Source Sans Pro ExtraLight"/>
+              </a:rPr>
+              <a:t>c</a:t>
+            </a:r>
+            <a:r>
+              <a:rPr lang="en-US" sz="3200" b="1" dirty="0" smtClean="0">
+                <a:solidFill>
+                  <a:schemeClr val="accent2">
+                    <a:lumMod val="60000"/>
+                    <a:lumOff val="40000"/>
+                  </a:schemeClr>
+                </a:solidFill>
+                <a:latin typeface="Source Sans Pro ExtraLight"/>
+                <a:cs typeface="Source Sans Pro ExtraLight"/>
+              </a:rPr>
+              <a:t>ollects content into a named flow</a:t>
+            </a:r>
+            <a:endParaRPr lang="en-US" sz="3200" b="1" dirty="0">
+              <a:solidFill>
+                <a:srgbClr val="E46C0A"/>
+              </a:solidFill>
+              <a:latin typeface="Source Sans Pro ExtraLight"/>
+              <a:cs typeface="Source Sans Pro ExtraLight"/>
+            </a:endParaRPr>
+          </a:p>
+        </p:txBody>
+      </p:sp>
+      <p:sp>
+        <p:nvSpPr>
+          <p:cNvPr id="11" name="TextBox 10"/>
+          <p:cNvSpPr txBox="1"/>
+          <p:nvPr/>
+        </p:nvSpPr>
+        <p:spPr>
+          <a:xfrm>
+            <a:off x="606465" y="4239299"/>
+            <a:ext cx="8047044" cy="707886"/>
+          </a:xfrm>
+          <a:prstGeom prst="rect">
+            <a:avLst/>
+          </a:prstGeom>
+          <a:noFill/>
+        </p:spPr>
+        <p:txBody>
+          <a:bodyPr wrap="square" rtlCol="0">
+            <a:spAutoFit/>
+          </a:bodyPr>
+          <a:lstStyle/>
+          <a:p>
+            <a:r>
+              <a:rPr lang="en-US" sz="4000" dirty="0">
+                <a:solidFill>
+                  <a:schemeClr val="bg1"/>
+                </a:solidFill>
+                <a:latin typeface="Consolas"/>
+                <a:cs typeface="Consolas"/>
+              </a:rPr>
+              <a:t>f</a:t>
+            </a:r>
+            <a:r>
+              <a:rPr lang="en-US" sz="4000" dirty="0" smtClean="0">
+                <a:solidFill>
+                  <a:schemeClr val="bg1"/>
+                </a:solidFill>
+                <a:latin typeface="Consolas"/>
+                <a:cs typeface="Consolas"/>
+              </a:rPr>
+              <a:t>low-from: </a:t>
+            </a:r>
+            <a:r>
+              <a:rPr lang="en-US" sz="4000" dirty="0" err="1" smtClean="0">
+                <a:solidFill>
+                  <a:srgbClr val="FFFFFF"/>
+                </a:solidFill>
+                <a:latin typeface="Consolas"/>
+                <a:cs typeface="Consolas"/>
+              </a:rPr>
+              <a:t>myFlow</a:t>
+            </a:r>
+            <a:r>
+              <a:rPr lang="en-US" sz="4000" dirty="0" smtClean="0">
+                <a:solidFill>
+                  <a:schemeClr val="bg1"/>
+                </a:solidFill>
+                <a:latin typeface="Consolas"/>
+                <a:cs typeface="Consolas"/>
+              </a:rPr>
+              <a:t>;</a:t>
+            </a:r>
+            <a:endParaRPr lang="en-US" sz="4000" dirty="0">
+              <a:solidFill>
+                <a:schemeClr val="bg1"/>
+              </a:solidFill>
+              <a:latin typeface="Consolas"/>
+              <a:cs typeface="Consolas"/>
+            </a:endParaRPr>
+          </a:p>
+        </p:txBody>
+      </p:sp>
+      <p:sp>
+        <p:nvSpPr>
+          <p:cNvPr id="12" name="TextBox 11"/>
+          <p:cNvSpPr txBox="1"/>
+          <p:nvPr/>
+        </p:nvSpPr>
+        <p:spPr>
+          <a:xfrm>
+            <a:off x="606464" y="4845778"/>
+            <a:ext cx="6661458" cy="584776"/>
+          </a:xfrm>
+          <a:prstGeom prst="rect">
+            <a:avLst/>
+          </a:prstGeom>
+          <a:noFill/>
+        </p:spPr>
+        <p:txBody>
+          <a:bodyPr wrap="square" rtlCol="0">
+            <a:spAutoFit/>
+          </a:bodyPr>
+          <a:lstStyle/>
+          <a:p>
+            <a:r>
+              <a:rPr lang="en-US" sz="3200" b="1" dirty="0" smtClean="0">
+                <a:solidFill>
+                  <a:schemeClr val="accent2">
+                    <a:lumMod val="60000"/>
+                    <a:lumOff val="40000"/>
+                  </a:schemeClr>
+                </a:solidFill>
+                <a:latin typeface="Source Sans Pro ExtraLight"/>
+                <a:cs typeface="Source Sans Pro ExtraLight"/>
+              </a:rPr>
+              <a:t>renders content from a named flow</a:t>
+            </a:r>
+            <a:endParaRPr lang="en-US" sz="3200" b="1" dirty="0">
+              <a:solidFill>
+                <a:srgbClr val="E46C0A"/>
+              </a:solidFill>
+              <a:latin typeface="Source Sans Pro ExtraLight"/>
+              <a:cs typeface="Source Sans Pro ExtraLight"/>
+            </a:endParaRPr>
+          </a:p>
+        </p:txBody>
+      </p:sp>
+      <p:sp>
+        <p:nvSpPr>
+          <p:cNvPr id="13" name="TextBox 12"/>
+          <p:cNvSpPr txBox="1"/>
+          <p:nvPr/>
+        </p:nvSpPr>
+        <p:spPr>
+          <a:xfrm>
+            <a:off x="606464" y="735713"/>
+            <a:ext cx="7555301" cy="830997"/>
+          </a:xfrm>
+          <a:prstGeom prst="rect">
+            <a:avLst/>
+          </a:prstGeom>
+          <a:noFill/>
+        </p:spPr>
+        <p:txBody>
+          <a:bodyPr wrap="square" rtlCol="0">
+            <a:spAutoFit/>
+          </a:bodyPr>
+          <a:lstStyle/>
+          <a:p>
+            <a:r>
+              <a:rPr lang="en-US" sz="4800" b="1" dirty="0" smtClean="0">
+                <a:solidFill>
+                  <a:schemeClr val="bg1"/>
+                </a:solidFill>
+                <a:latin typeface="Source Sans Pro Semibold"/>
+                <a:cs typeface="Source Sans Pro Semibold"/>
+              </a:rPr>
+              <a:t>2-step process</a:t>
+            </a:r>
+            <a:endParaRPr lang="en-US" sz="4800" b="1" dirty="0">
+              <a:solidFill>
+                <a:schemeClr val="bg1"/>
+              </a:solidFill>
+              <a:latin typeface="Helvetica Neue"/>
+              <a:cs typeface="Helvetica Neue"/>
+            </a:endParaRPr>
+          </a:p>
+        </p:txBody>
+      </p:sp>
+    </p:spTree>
+    <p:extLst>
+      <p:ext uri="{BB962C8B-B14F-4D97-AF65-F5344CB8AC3E}">
+        <p14:creationId xmlns:p14="http://schemas.microsoft.com/office/powerpoint/2010/main" val="3530718896"/>
       </p:ext>
     </p:extLst>
   </p:cSld>
@@ -20607,290 +20540,40 @@
           <a:chExt cx="0" cy="0"/>
         </a:xfrm>
       </p:grpSpPr>
-      <p:sp>
-        <p:nvSpPr>
-          <p:cNvPr id="7" name="TextBox 6"/>
-          <p:cNvSpPr txBox="1"/>
-          <p:nvPr/>
-        </p:nvSpPr>
-        <p:spPr>
-          <a:xfrm>
-            <a:off x="606464" y="1651042"/>
-            <a:ext cx="7950030" cy="1257780"/>
-          </a:xfrm>
-          <a:prstGeom prst="rect">
-            <a:avLst/>
-          </a:prstGeom>
-          <a:noFill/>
-        </p:spPr>
-        <p:txBody>
-          <a:bodyPr wrap="square" rtlCol="0">
-            <a:spAutoFit/>
-          </a:bodyPr>
-          <a:lstStyle/>
-          <a:p>
-            <a:pPr marL="457200" indent="-457200">
-              <a:lnSpc>
-                <a:spcPct val="120000"/>
-              </a:lnSpc>
-              <a:buFont typeface="Arial"/>
-              <a:buChar char="•"/>
-            </a:pPr>
-            <a:r>
-              <a:rPr lang="en-US" sz="3200" b="1" dirty="0">
-                <a:solidFill>
-                  <a:schemeClr val="accent2">
-                    <a:lumMod val="60000"/>
-                    <a:lumOff val="40000"/>
-                  </a:schemeClr>
-                </a:solidFill>
-                <a:latin typeface="Source Sans Pro ExtraLight"/>
-                <a:cs typeface="Source Sans Pro ExtraLight"/>
-              </a:rPr>
-              <a:t>e</a:t>
-            </a:r>
-            <a:r>
-              <a:rPr lang="en-US" sz="3200" b="1" dirty="0" smtClean="0">
-                <a:solidFill>
-                  <a:schemeClr val="accent2">
-                    <a:lumMod val="60000"/>
-                    <a:lumOff val="40000"/>
-                  </a:schemeClr>
-                </a:solidFill>
-                <a:latin typeface="Source Sans Pro ExtraLight"/>
-                <a:cs typeface="Source Sans Pro ExtraLight"/>
-              </a:rPr>
-              <a:t>vent handlers on content still work</a:t>
-            </a:r>
-          </a:p>
-          <a:p>
-            <a:pPr marL="457200" indent="-457200">
-              <a:lnSpc>
-                <a:spcPct val="120000"/>
-              </a:lnSpc>
-              <a:buFont typeface="Arial"/>
-              <a:buChar char="•"/>
-            </a:pPr>
-            <a:r>
-              <a:rPr lang="en-US" sz="3200" b="1" dirty="0">
-                <a:solidFill>
-                  <a:schemeClr val="accent2">
-                    <a:lumMod val="60000"/>
-                    <a:lumOff val="40000"/>
-                  </a:schemeClr>
-                </a:solidFill>
-                <a:latin typeface="Source Sans Pro ExtraLight"/>
-                <a:cs typeface="Source Sans Pro ExtraLight"/>
-              </a:rPr>
-              <a:t>o</a:t>
-            </a:r>
-            <a:r>
-              <a:rPr lang="en-US" sz="3200" b="1" dirty="0" smtClean="0">
-                <a:solidFill>
-                  <a:schemeClr val="accent2">
-                    <a:lumMod val="60000"/>
-                    <a:lumOff val="40000"/>
-                  </a:schemeClr>
-                </a:solidFill>
-                <a:latin typeface="Source Sans Pro ExtraLight"/>
-                <a:cs typeface="Source Sans Pro ExtraLight"/>
-              </a:rPr>
-              <a:t>riginal styles for content still apply</a:t>
-            </a:r>
-          </a:p>
-        </p:txBody>
-      </p:sp>
-      <p:sp>
-        <p:nvSpPr>
-          <p:cNvPr id="6" name="TextBox 5"/>
-          <p:cNvSpPr txBox="1"/>
-          <p:nvPr/>
-        </p:nvSpPr>
-        <p:spPr>
-          <a:xfrm>
-            <a:off x="606464" y="820045"/>
-            <a:ext cx="7555301" cy="830997"/>
-          </a:xfrm>
-          <a:prstGeom prst="rect">
-            <a:avLst/>
-          </a:prstGeom>
-          <a:noFill/>
-        </p:spPr>
-        <p:txBody>
-          <a:bodyPr wrap="square" rtlCol="0">
-            <a:spAutoFit/>
-          </a:bodyPr>
-          <a:lstStyle/>
-          <a:p>
-            <a:r>
-              <a:rPr lang="en-US" sz="4800" b="1" dirty="0" smtClean="0">
-                <a:solidFill>
-                  <a:schemeClr val="bg1"/>
-                </a:solidFill>
-                <a:latin typeface="Source Sans Pro Semibold"/>
-                <a:cs typeface="Source Sans Pro Semibold"/>
-              </a:rPr>
-              <a:t>good</a:t>
-            </a:r>
-            <a:endParaRPr lang="en-US" sz="4800" b="1" dirty="0">
-              <a:solidFill>
-                <a:schemeClr val="bg1"/>
-              </a:solidFill>
-              <a:latin typeface="Helvetica Neue"/>
-              <a:cs typeface="Helvetica Neue"/>
-            </a:endParaRPr>
-          </a:p>
-        </p:txBody>
-      </p:sp>
-      <p:sp>
-        <p:nvSpPr>
-          <p:cNvPr id="8" name="TextBox 7"/>
-          <p:cNvSpPr txBox="1"/>
-          <p:nvPr/>
-        </p:nvSpPr>
-        <p:spPr>
-          <a:xfrm>
-            <a:off x="606464" y="3563711"/>
-            <a:ext cx="7555301" cy="830997"/>
-          </a:xfrm>
-          <a:prstGeom prst="rect">
-            <a:avLst/>
-          </a:prstGeom>
-          <a:noFill/>
-        </p:spPr>
-        <p:txBody>
-          <a:bodyPr wrap="square" rtlCol="0">
-            <a:spAutoFit/>
-          </a:bodyPr>
-          <a:lstStyle/>
-          <a:p>
-            <a:r>
-              <a:rPr lang="en-US" sz="4800" b="1" dirty="0" smtClean="0">
-                <a:solidFill>
-                  <a:schemeClr val="bg1"/>
-                </a:solidFill>
-                <a:latin typeface="Source Sans Pro Semibold"/>
-                <a:cs typeface="Source Sans Pro Semibold"/>
-              </a:rPr>
-              <a:t>meh</a:t>
-            </a:r>
-            <a:endParaRPr lang="en-US" sz="4800" b="1" dirty="0">
-              <a:solidFill>
-                <a:schemeClr val="bg1"/>
-              </a:solidFill>
-              <a:latin typeface="Helvetica Neue"/>
-              <a:cs typeface="Helvetica Neue"/>
-            </a:endParaRPr>
-          </a:p>
-        </p:txBody>
-      </p:sp>
-      <p:sp>
-        <p:nvSpPr>
-          <p:cNvPr id="9" name="TextBox 8"/>
-          <p:cNvSpPr txBox="1"/>
-          <p:nvPr/>
-        </p:nvSpPr>
-        <p:spPr>
-          <a:xfrm>
-            <a:off x="606464" y="4394708"/>
-            <a:ext cx="7950030" cy="1257780"/>
-          </a:xfrm>
-          <a:prstGeom prst="rect">
-            <a:avLst/>
-          </a:prstGeom>
-          <a:noFill/>
-        </p:spPr>
-        <p:txBody>
-          <a:bodyPr wrap="square" rtlCol="0">
-            <a:spAutoFit/>
-          </a:bodyPr>
-          <a:lstStyle/>
-          <a:p>
-            <a:pPr marL="457200" indent="-457200">
-              <a:lnSpc>
-                <a:spcPct val="120000"/>
-              </a:lnSpc>
-              <a:buFont typeface="Arial"/>
-              <a:buChar char="•"/>
-            </a:pPr>
-            <a:r>
-              <a:rPr lang="en-US" sz="3200" b="1" dirty="0">
-                <a:solidFill>
-                  <a:schemeClr val="accent2">
-                    <a:lumMod val="60000"/>
-                    <a:lumOff val="40000"/>
-                  </a:schemeClr>
-                </a:solidFill>
-                <a:latin typeface="Source Sans Pro ExtraLight"/>
-                <a:cs typeface="Source Sans Pro ExtraLight"/>
-              </a:rPr>
-              <a:t>t</a:t>
-            </a:r>
-            <a:r>
-              <a:rPr lang="en-US" sz="3200" b="1" dirty="0" smtClean="0">
-                <a:solidFill>
-                  <a:schemeClr val="accent2">
-                    <a:lumMod val="60000"/>
-                    <a:lumOff val="40000"/>
-                  </a:schemeClr>
-                </a:solidFill>
-                <a:latin typeface="Source Sans Pro ExtraLight"/>
-                <a:cs typeface="Source Sans Pro ExtraLight"/>
-              </a:rPr>
-              <a:t>ricky to add event handlers to a region</a:t>
-            </a:r>
-            <a:endParaRPr lang="en-US" sz="2400" b="1" dirty="0" smtClean="0">
-              <a:solidFill>
-                <a:schemeClr val="accent2">
-                  <a:lumMod val="60000"/>
-                  <a:lumOff val="40000"/>
-                </a:schemeClr>
-              </a:solidFill>
-              <a:latin typeface="Source Sans Pro ExtraLight"/>
-              <a:cs typeface="Source Sans Pro ExtraLight"/>
-            </a:endParaRPr>
-          </a:p>
-          <a:p>
-            <a:pPr marL="457200" indent="-457200">
-              <a:lnSpc>
-                <a:spcPct val="120000"/>
-              </a:lnSpc>
-              <a:buFont typeface="Arial"/>
-              <a:buChar char="•"/>
-            </a:pPr>
-            <a:r>
-              <a:rPr lang="en-US" sz="3200" b="1" dirty="0">
-                <a:solidFill>
-                  <a:schemeClr val="accent2">
-                    <a:lumMod val="60000"/>
-                    <a:lumOff val="40000"/>
-                  </a:schemeClr>
-                </a:solidFill>
-                <a:latin typeface="Source Sans Pro ExtraLight"/>
-                <a:cs typeface="Source Sans Pro ExtraLight"/>
-              </a:rPr>
-              <a:t>l</a:t>
-            </a:r>
-            <a:r>
-              <a:rPr lang="en-US" sz="3200" b="1" dirty="0" smtClean="0">
-                <a:solidFill>
-                  <a:schemeClr val="accent2">
-                    <a:lumMod val="60000"/>
-                    <a:lumOff val="40000"/>
-                  </a:schemeClr>
-                </a:solidFill>
-                <a:latin typeface="Source Sans Pro ExtraLight"/>
-                <a:cs typeface="Source Sans Pro ExtraLight"/>
-              </a:rPr>
-              <a:t>imited styling of content in a specific region</a:t>
-            </a:r>
-          </a:p>
-        </p:txBody>
-      </p:sp>
+      <p:pic>
+        <p:nvPicPr>
+          <p:cNvPr id="2" name="Picture 1" descr="flow-regions-transparent.png"/>
+          <p:cNvPicPr>
+            <a:picLocks noChangeAspect="1"/>
+          </p:cNvPicPr>
+          <p:nvPr/>
+        </p:nvPicPr>
+        <p:blipFill>
+          <a:blip r:embed="rId2">
+            <a:extLst>
+              <a:ext uri="{28A0092B-C50C-407E-A947-70E740481C1C}">
+                <a14:useLocalDpi xmlns:a14="http://schemas.microsoft.com/office/drawing/2010/main" val="0"/>
+              </a:ext>
+            </a:extLst>
+          </a:blip>
+          <a:stretch>
+            <a:fillRect/>
+          </a:stretch>
+        </p:blipFill>
+        <p:spPr>
+          <a:xfrm>
+            <a:off x="713088" y="748705"/>
+            <a:ext cx="7717824" cy="5354240"/>
+          </a:xfrm>
+          <a:prstGeom prst="rect">
+            <a:avLst/>
+          </a:prstGeom>
+        </p:spPr>
+      </p:pic>
     </p:spTree>
     <p:extLst>
       <p:ext uri="{BB962C8B-B14F-4D97-AF65-F5344CB8AC3E}">
-        <p14:creationId xmlns:p14="http://schemas.microsoft.com/office/powerpoint/2010/main" val="1878515634"/>
+        <p14:creationId xmlns:p14="http://schemas.microsoft.com/office/powerpoint/2010/main" val="3601967835"/>
       </p:ext>
     </p:extLst>
   </p:cSld>
@@ -20910,6 +20593,14 @@
 <file path=ppt/slides/slide51.xml><?xml version="1.0" encoding="utf-8"?>
 <p:sld xmlns:a="http://schemas.openxmlformats.org/drawingml/2006/main" xmlns:r="http://schemas.openxmlformats.org/officeDocument/2006/relationships" xmlns:p="http://schemas.openxmlformats.org/presentationml/2006/main">
   <p:cSld>
+    <p:bg>
+      <p:bgPr>
+        <a:solidFill>
+          <a:srgbClr val="500928"/>
+        </a:solidFill>
+        <a:effectLst/>
+      </p:bgPr>
+    </p:bg>
     <p:spTree>
       <p:nvGrpSpPr>
         <p:cNvPr id="1" name=""/>
@@ -20924,42 +20615,128 @@
           <a:chExt cx="0" cy="0"/>
         </a:xfrm>
       </p:grpSpPr>
-      <p:pic>
-        <p:nvPicPr>
-          <p:cNvPr id="2" name="Picture 1" descr="Screen Shot 2014-02-04 at 6.55.37 PM.png">
-            <a:hlinkClick r:id="rId2"/>
-          </p:cNvPr>
-          <p:cNvPicPr>
-            <a:picLocks noChangeAspect="1"/>
-          </p:cNvPicPr>
-          <p:nvPr/>
-        </p:nvPicPr>
-        <p:blipFill>
-          <a:blip r:embed="rId3">
-            <a:extLst>
-              <a:ext uri="{28A0092B-C50C-407E-A947-70E740481C1C}">
-                <a14:useLocalDpi xmlns:a14="http://schemas.microsoft.com/office/drawing/2010/main" val="0"/>
-              </a:ext>
-            </a:extLst>
-          </a:blip>
-          <a:stretch>
-            <a:fillRect/>
-          </a:stretch>
-        </p:blipFill>
-        <p:spPr>
-          <a:xfrm>
-            <a:off x="94781" y="66341"/>
-            <a:ext cx="8933060" cy="6858000"/>
-          </a:xfrm>
-          <a:prstGeom prst="rect">
-            <a:avLst/>
-          </a:prstGeom>
-        </p:spPr>
-      </p:pic>
+      <p:sp>
+        <p:nvSpPr>
+          <p:cNvPr id="4" name="TextBox 3"/>
+          <p:cNvSpPr txBox="1"/>
+          <p:nvPr/>
+        </p:nvSpPr>
+        <p:spPr>
+          <a:xfrm>
+            <a:off x="606464" y="2075289"/>
+            <a:ext cx="7555301" cy="1569660"/>
+          </a:xfrm>
+          <a:prstGeom prst="rect">
+            <a:avLst/>
+          </a:prstGeom>
+          <a:noFill/>
+        </p:spPr>
+        <p:txBody>
+          <a:bodyPr wrap="square" rtlCol="0">
+            <a:spAutoFit/>
+          </a:bodyPr>
+          <a:lstStyle/>
+          <a:p>
+            <a:r>
+              <a:rPr lang="en-US" sz="9600" b="1" spc="-300" dirty="0" smtClean="0">
+                <a:solidFill>
+                  <a:schemeClr val="bg1"/>
+                </a:solidFill>
+                <a:latin typeface="Source Sans Pro Semibold"/>
+                <a:cs typeface="Source Sans Pro Semibold"/>
+              </a:rPr>
+              <a:t>regions</a:t>
+            </a:r>
+            <a:endParaRPr lang="en-US" sz="9600" b="1" spc="-300" dirty="0">
+              <a:solidFill>
+                <a:schemeClr val="bg1"/>
+              </a:solidFill>
+              <a:latin typeface="Helvetica Neue"/>
+              <a:cs typeface="Helvetica Neue"/>
+            </a:endParaRPr>
+          </a:p>
+        </p:txBody>
+      </p:sp>
+      <p:sp>
+        <p:nvSpPr>
+          <p:cNvPr id="6" name="TextBox 5"/>
+          <p:cNvSpPr txBox="1"/>
+          <p:nvPr/>
+        </p:nvSpPr>
+        <p:spPr>
+          <a:xfrm>
+            <a:off x="606464" y="3513999"/>
+            <a:ext cx="7555301" cy="1569660"/>
+          </a:xfrm>
+          <a:prstGeom prst="rect">
+            <a:avLst/>
+          </a:prstGeom>
+          <a:noFill/>
+        </p:spPr>
+        <p:txBody>
+          <a:bodyPr wrap="square" rtlCol="0">
+            <a:spAutoFit/>
+          </a:bodyPr>
+          <a:lstStyle/>
+          <a:p>
+            <a:r>
+              <a:rPr lang="en-US" sz="4800" b="1" dirty="0" smtClean="0">
+                <a:solidFill>
+                  <a:schemeClr val="accent2">
+                    <a:lumMod val="20000"/>
+                    <a:lumOff val="80000"/>
+                  </a:schemeClr>
+                </a:solidFill>
+                <a:latin typeface="Source Sans Pro ExtraLight"/>
+                <a:cs typeface="Source Sans Pro ExtraLight"/>
+              </a:rPr>
+              <a:t>are only visual containers, </a:t>
+            </a:r>
+          </a:p>
+          <a:p>
+            <a:r>
+              <a:rPr lang="en-US" sz="4800" b="1" dirty="0">
+                <a:solidFill>
+                  <a:schemeClr val="accent2">
+                    <a:lumMod val="20000"/>
+                    <a:lumOff val="80000"/>
+                  </a:schemeClr>
+                </a:solidFill>
+                <a:latin typeface="Source Sans Pro ExtraLight"/>
+                <a:cs typeface="Source Sans Pro ExtraLight"/>
+              </a:rPr>
+              <a:t>t</a:t>
+            </a:r>
+            <a:r>
+              <a:rPr lang="en-US" sz="4800" b="1" dirty="0" smtClean="0">
+                <a:solidFill>
+                  <a:schemeClr val="accent2">
+                    <a:lumMod val="20000"/>
+                    <a:lumOff val="80000"/>
+                  </a:schemeClr>
+                </a:solidFill>
+                <a:latin typeface="Source Sans Pro ExtraLight"/>
+                <a:cs typeface="Source Sans Pro ExtraLight"/>
+              </a:rPr>
+              <a:t>hey don’t reorder the DOM.</a:t>
+            </a:r>
+            <a:endParaRPr lang="en-US" sz="4800" b="1" dirty="0">
+              <a:solidFill>
+                <a:schemeClr val="accent2">
+                  <a:lumMod val="20000"/>
+                  <a:lumOff val="80000"/>
+                </a:schemeClr>
+              </a:solidFill>
+              <a:latin typeface="Source Sans Pro ExtraLight"/>
+              <a:cs typeface="Source Sans Pro ExtraLight"/>
+            </a:endParaRPr>
+          </a:p>
+        </p:txBody>
+      </p:sp>
     </p:spTree>
     <p:extLst>
       <p:ext uri="{BB962C8B-B14F-4D97-AF65-F5344CB8AC3E}">
-        <p14:creationId xmlns:p14="http://schemas.microsoft.com/office/powerpoint/2010/main" val="4241786345"/>
+        <p14:creationId xmlns:p14="http://schemas.microsoft.com/office/powerpoint/2010/main" val="4252755058"/>
       </p:ext>
     </p:extLst>
   </p:cSld>
@@ -20993,40 +20770,290 @@
           <a:chExt cx="0" cy="0"/>
         </a:xfrm>
       </p:grpSpPr>
-      <p:pic>
-        <p:nvPicPr>
-          <p:cNvPr id="6" name="Picture 5" descr="Screen Shot 2014-02-04 at 7.11.07 PM.png"/>
-          <p:cNvPicPr>
-            <a:picLocks noChangeAspect="1"/>
-          </p:cNvPicPr>
-          <p:nvPr/>
-        </p:nvPicPr>
-        <p:blipFill>
-          <a:blip r:embed="rId2">
-            <a:extLst>
-              <a:ext uri="{28A0092B-C50C-407E-A947-70E740481C1C}">
-                <a14:useLocalDpi xmlns:a14="http://schemas.microsoft.com/office/drawing/2010/main" val="0"/>
-              </a:ext>
-            </a:extLst>
-          </a:blip>
-          <a:stretch>
-            <a:fillRect/>
-          </a:stretch>
-        </p:blipFill>
-        <p:spPr>
-          <a:xfrm>
-            <a:off x="50800" y="0"/>
-            <a:ext cx="9032488" cy="6858000"/>
-          </a:xfrm>
-          <a:prstGeom prst="rect">
-            <a:avLst/>
-          </a:prstGeom>
-        </p:spPr>
-      </p:pic>
+      <p:sp>
+        <p:nvSpPr>
+          <p:cNvPr id="7" name="TextBox 6"/>
+          <p:cNvSpPr txBox="1"/>
+          <p:nvPr/>
+        </p:nvSpPr>
+        <p:spPr>
+          <a:xfrm>
+            <a:off x="606464" y="1651042"/>
+            <a:ext cx="7950030" cy="1257780"/>
+          </a:xfrm>
+          <a:prstGeom prst="rect">
+            <a:avLst/>
+          </a:prstGeom>
+          <a:noFill/>
+        </p:spPr>
+        <p:txBody>
+          <a:bodyPr wrap="square" rtlCol="0">
+            <a:spAutoFit/>
+          </a:bodyPr>
+          <a:lstStyle/>
+          <a:p>
+            <a:pPr marL="457200" indent="-457200">
+              <a:lnSpc>
+                <a:spcPct val="120000"/>
+              </a:lnSpc>
+              <a:buFont typeface="Arial"/>
+              <a:buChar char="•"/>
+            </a:pPr>
+            <a:r>
+              <a:rPr lang="en-US" sz="3200" b="1" dirty="0">
+                <a:solidFill>
+                  <a:schemeClr val="accent2">
+                    <a:lumMod val="60000"/>
+                    <a:lumOff val="40000"/>
+                  </a:schemeClr>
+                </a:solidFill>
+                <a:latin typeface="Source Sans Pro ExtraLight"/>
+                <a:cs typeface="Source Sans Pro ExtraLight"/>
+              </a:rPr>
+              <a:t>e</a:t>
+            </a:r>
+            <a:r>
+              <a:rPr lang="en-US" sz="3200" b="1" dirty="0" smtClean="0">
+                <a:solidFill>
+                  <a:schemeClr val="accent2">
+                    <a:lumMod val="60000"/>
+                    <a:lumOff val="40000"/>
+                  </a:schemeClr>
+                </a:solidFill>
+                <a:latin typeface="Source Sans Pro ExtraLight"/>
+                <a:cs typeface="Source Sans Pro ExtraLight"/>
+              </a:rPr>
+              <a:t>vent handlers on content still work</a:t>
+            </a:r>
+          </a:p>
+          <a:p>
+            <a:pPr marL="457200" indent="-457200">
+              <a:lnSpc>
+                <a:spcPct val="120000"/>
+              </a:lnSpc>
+              <a:buFont typeface="Arial"/>
+              <a:buChar char="•"/>
+            </a:pPr>
+            <a:r>
+              <a:rPr lang="en-US" sz="3200" b="1" dirty="0">
+                <a:solidFill>
+                  <a:schemeClr val="accent2">
+                    <a:lumMod val="60000"/>
+                    <a:lumOff val="40000"/>
+                  </a:schemeClr>
+                </a:solidFill>
+                <a:latin typeface="Source Sans Pro ExtraLight"/>
+                <a:cs typeface="Source Sans Pro ExtraLight"/>
+              </a:rPr>
+              <a:t>o</a:t>
+            </a:r>
+            <a:r>
+              <a:rPr lang="en-US" sz="3200" b="1" dirty="0" smtClean="0">
+                <a:solidFill>
+                  <a:schemeClr val="accent2">
+                    <a:lumMod val="60000"/>
+                    <a:lumOff val="40000"/>
+                  </a:schemeClr>
+                </a:solidFill>
+                <a:latin typeface="Source Sans Pro ExtraLight"/>
+                <a:cs typeface="Source Sans Pro ExtraLight"/>
+              </a:rPr>
+              <a:t>riginal styles for content still apply</a:t>
+            </a:r>
+          </a:p>
+        </p:txBody>
+      </p:sp>
+      <p:sp>
+        <p:nvSpPr>
+          <p:cNvPr id="6" name="TextBox 5"/>
+          <p:cNvSpPr txBox="1"/>
+          <p:nvPr/>
+        </p:nvSpPr>
+        <p:spPr>
+          <a:xfrm>
+            <a:off x="606464" y="820045"/>
+            <a:ext cx="7555301" cy="830997"/>
+          </a:xfrm>
+          <a:prstGeom prst="rect">
+            <a:avLst/>
+          </a:prstGeom>
+          <a:noFill/>
+        </p:spPr>
+        <p:txBody>
+          <a:bodyPr wrap="square" rtlCol="0">
+            <a:spAutoFit/>
+          </a:bodyPr>
+          <a:lstStyle/>
+          <a:p>
+            <a:r>
+              <a:rPr lang="en-US" sz="4800" b="1" dirty="0" smtClean="0">
+                <a:solidFill>
+                  <a:schemeClr val="bg1"/>
+                </a:solidFill>
+                <a:latin typeface="Source Sans Pro Semibold"/>
+                <a:cs typeface="Source Sans Pro Semibold"/>
+              </a:rPr>
+              <a:t>good</a:t>
+            </a:r>
+            <a:endParaRPr lang="en-US" sz="4800" b="1" dirty="0">
+              <a:solidFill>
+                <a:schemeClr val="bg1"/>
+              </a:solidFill>
+              <a:latin typeface="Helvetica Neue"/>
+              <a:cs typeface="Helvetica Neue"/>
+            </a:endParaRPr>
+          </a:p>
+        </p:txBody>
+      </p:sp>
+      <p:sp>
+        <p:nvSpPr>
+          <p:cNvPr id="8" name="TextBox 7"/>
+          <p:cNvSpPr txBox="1"/>
+          <p:nvPr/>
+        </p:nvSpPr>
+        <p:spPr>
+          <a:xfrm>
+            <a:off x="606464" y="3563711"/>
+            <a:ext cx="7555301" cy="830997"/>
+          </a:xfrm>
+          <a:prstGeom prst="rect">
+            <a:avLst/>
+          </a:prstGeom>
+          <a:noFill/>
+        </p:spPr>
+        <p:txBody>
+          <a:bodyPr wrap="square" rtlCol="0">
+            <a:spAutoFit/>
+          </a:bodyPr>
+          <a:lstStyle/>
+          <a:p>
+            <a:r>
+              <a:rPr lang="en-US" sz="4800" b="1" dirty="0" smtClean="0">
+                <a:solidFill>
+                  <a:schemeClr val="bg1"/>
+                </a:solidFill>
+                <a:latin typeface="Source Sans Pro Semibold"/>
+                <a:cs typeface="Source Sans Pro Semibold"/>
+              </a:rPr>
+              <a:t>meh</a:t>
+            </a:r>
+            <a:endParaRPr lang="en-US" sz="4800" b="1" dirty="0">
+              <a:solidFill>
+                <a:schemeClr val="bg1"/>
+              </a:solidFill>
+              <a:latin typeface="Helvetica Neue"/>
+              <a:cs typeface="Helvetica Neue"/>
+            </a:endParaRPr>
+          </a:p>
+        </p:txBody>
+      </p:sp>
+      <p:sp>
+        <p:nvSpPr>
+          <p:cNvPr id="9" name="TextBox 8"/>
+          <p:cNvSpPr txBox="1"/>
+          <p:nvPr/>
+        </p:nvSpPr>
+        <p:spPr>
+          <a:xfrm>
+            <a:off x="606464" y="4394708"/>
+            <a:ext cx="7950030" cy="1257780"/>
+          </a:xfrm>
+          <a:prstGeom prst="rect">
+            <a:avLst/>
+          </a:prstGeom>
+          <a:noFill/>
+        </p:spPr>
+        <p:txBody>
+          <a:bodyPr wrap="square" rtlCol="0">
+            <a:spAutoFit/>
+          </a:bodyPr>
+          <a:lstStyle/>
+          <a:p>
+            <a:pPr marL="457200" indent="-457200">
+              <a:lnSpc>
+                <a:spcPct val="120000"/>
+              </a:lnSpc>
+              <a:buFont typeface="Arial"/>
+              <a:buChar char="•"/>
+            </a:pPr>
+            <a:r>
+              <a:rPr lang="en-US" sz="3200" b="1" dirty="0">
+                <a:solidFill>
+                  <a:schemeClr val="accent2">
+                    <a:lumMod val="60000"/>
+                    <a:lumOff val="40000"/>
+                  </a:schemeClr>
+                </a:solidFill>
+                <a:latin typeface="Source Sans Pro ExtraLight"/>
+                <a:cs typeface="Source Sans Pro ExtraLight"/>
+              </a:rPr>
+              <a:t>t</a:t>
+            </a:r>
+            <a:r>
+              <a:rPr lang="en-US" sz="3200" b="1" dirty="0" smtClean="0">
+                <a:solidFill>
+                  <a:schemeClr val="accent2">
+                    <a:lumMod val="60000"/>
+                    <a:lumOff val="40000"/>
+                  </a:schemeClr>
+                </a:solidFill>
+                <a:latin typeface="Source Sans Pro ExtraLight"/>
+                <a:cs typeface="Source Sans Pro ExtraLight"/>
+              </a:rPr>
+              <a:t>ricky to add event handlers to a region</a:t>
+            </a:r>
+            <a:endParaRPr lang="en-US" sz="2400" b="1" dirty="0" smtClean="0">
+              <a:solidFill>
+                <a:schemeClr val="accent2">
+                  <a:lumMod val="60000"/>
+                  <a:lumOff val="40000"/>
+                </a:schemeClr>
+              </a:solidFill>
+              <a:latin typeface="Source Sans Pro ExtraLight"/>
+              <a:cs typeface="Source Sans Pro ExtraLight"/>
+            </a:endParaRPr>
+          </a:p>
+          <a:p>
+            <a:pPr marL="457200" indent="-457200">
+              <a:lnSpc>
+                <a:spcPct val="120000"/>
+              </a:lnSpc>
+              <a:buFont typeface="Arial"/>
+              <a:buChar char="•"/>
+            </a:pPr>
+            <a:r>
+              <a:rPr lang="en-US" sz="3200" b="1" dirty="0">
+                <a:solidFill>
+                  <a:schemeClr val="accent2">
+                    <a:lumMod val="60000"/>
+                    <a:lumOff val="40000"/>
+                  </a:schemeClr>
+                </a:solidFill>
+                <a:latin typeface="Source Sans Pro ExtraLight"/>
+                <a:cs typeface="Source Sans Pro ExtraLight"/>
+              </a:rPr>
+              <a:t>l</a:t>
+            </a:r>
+            <a:r>
+              <a:rPr lang="en-US" sz="3200" b="1" dirty="0" smtClean="0">
+                <a:solidFill>
+                  <a:schemeClr val="accent2">
+                    <a:lumMod val="60000"/>
+                    <a:lumOff val="40000"/>
+                  </a:schemeClr>
+                </a:solidFill>
+                <a:latin typeface="Source Sans Pro ExtraLight"/>
+                <a:cs typeface="Source Sans Pro ExtraLight"/>
+              </a:rPr>
+              <a:t>imited styling of content in a specific region</a:t>
+            </a:r>
+          </a:p>
+        </p:txBody>
+      </p:sp>
     </p:spTree>
     <p:extLst>
       <p:ext uri="{BB962C8B-B14F-4D97-AF65-F5344CB8AC3E}">
-        <p14:creationId xmlns:p14="http://schemas.microsoft.com/office/powerpoint/2010/main" val="3903439479"/>
+        <p14:creationId xmlns:p14="http://schemas.microsoft.com/office/powerpoint/2010/main" val="1878515634"/>
       </p:ext>
     </p:extLst>
   </p:cSld>
@@ -21060,206 +21087,42 @@
           <a:chExt cx="0" cy="0"/>
         </a:xfrm>
       </p:grpSpPr>
-      <p:sp>
-        <p:nvSpPr>
-          <p:cNvPr id="7" name="TextBox 6"/>
-          <p:cNvSpPr txBox="1"/>
-          <p:nvPr/>
-        </p:nvSpPr>
-        <p:spPr>
-          <a:xfrm>
-            <a:off x="606464" y="2494519"/>
-            <a:ext cx="7950030" cy="2439642"/>
-          </a:xfrm>
-          <a:prstGeom prst="rect">
-            <a:avLst/>
-          </a:prstGeom>
-          <a:noFill/>
-        </p:spPr>
-        <p:txBody>
-          <a:bodyPr wrap="square" rtlCol="0">
-            <a:spAutoFit/>
-          </a:bodyPr>
-          <a:lstStyle/>
-          <a:p>
-            <a:pPr marL="457200" indent="-457200">
-              <a:lnSpc>
-                <a:spcPct val="120000"/>
-              </a:lnSpc>
-              <a:buFont typeface="Arial"/>
-              <a:buChar char="•"/>
-            </a:pPr>
-            <a:r>
-              <a:rPr lang="en-US" sz="3200" b="1" dirty="0" smtClean="0">
-                <a:solidFill>
-                  <a:schemeClr val="accent2">
-                    <a:lumMod val="60000"/>
-                    <a:lumOff val="40000"/>
-                  </a:schemeClr>
-                </a:solidFill>
-                <a:latin typeface="Source Sans Pro ExtraLight"/>
-                <a:cs typeface="Source Sans Pro ExtraLight"/>
-              </a:rPr>
-              <a:t>any block-level item can become a region</a:t>
-            </a:r>
-          </a:p>
-          <a:p>
-            <a:pPr marL="457200" indent="-457200">
-              <a:lnSpc>
-                <a:spcPct val="120000"/>
-              </a:lnSpc>
-              <a:buFont typeface="Arial"/>
-              <a:buChar char="•"/>
-            </a:pPr>
-            <a:r>
-              <a:rPr lang="en-US" sz="3200" b="1" dirty="0" smtClean="0">
-                <a:solidFill>
-                  <a:schemeClr val="accent2">
-                    <a:lumMod val="60000"/>
-                    <a:lumOff val="40000"/>
-                  </a:schemeClr>
-                </a:solidFill>
-                <a:latin typeface="Source Sans Pro ExtraLight"/>
-                <a:cs typeface="Source Sans Pro ExtraLight"/>
-              </a:rPr>
-              <a:t>::before,  ::after</a:t>
-            </a:r>
-          </a:p>
-          <a:p>
-            <a:pPr marL="457200" indent="-457200">
-              <a:lnSpc>
-                <a:spcPct val="120000"/>
-              </a:lnSpc>
-              <a:buFont typeface="Arial"/>
-              <a:buChar char="•"/>
-            </a:pPr>
-            <a:r>
-              <a:rPr lang="en-US" sz="3200" b="1" dirty="0" smtClean="0">
-                <a:solidFill>
-                  <a:schemeClr val="accent2">
-                    <a:lumMod val="60000"/>
-                    <a:lumOff val="40000"/>
-                  </a:schemeClr>
-                </a:solidFill>
-                <a:latin typeface="Source Sans Pro ExtraLight"/>
-                <a:cs typeface="Source Sans Pro ExtraLight"/>
-              </a:rPr>
-              <a:t>upcoming block-generating specs </a:t>
-            </a:r>
-            <a:br>
-              <a:rPr lang="en-US" sz="3200" b="1" dirty="0" smtClean="0">
-                <a:solidFill>
-                  <a:schemeClr val="accent2">
-                    <a:lumMod val="60000"/>
-                    <a:lumOff val="40000"/>
-                  </a:schemeClr>
-                </a:solidFill>
-                <a:latin typeface="Source Sans Pro ExtraLight"/>
-                <a:cs typeface="Source Sans Pro ExtraLight"/>
-              </a:rPr>
-            </a:br>
-            <a:r>
-              <a:rPr lang="en-US" sz="3200" b="1" dirty="0" smtClean="0">
-                <a:solidFill>
-                  <a:schemeClr val="accent2">
-                    <a:lumMod val="60000"/>
-                    <a:lumOff val="40000"/>
-                  </a:schemeClr>
-                </a:solidFill>
-                <a:latin typeface="Source Sans Pro ExtraLight"/>
-                <a:cs typeface="Source Sans Pro ExtraLight"/>
-              </a:rPr>
-              <a:t>like CSS Grids, overflow: fragment</a:t>
-            </a:r>
-          </a:p>
-        </p:txBody>
-      </p:sp>
-      <p:sp>
-        <p:nvSpPr>
-          <p:cNvPr id="10" name="TextBox 9"/>
-          <p:cNvSpPr txBox="1"/>
-          <p:nvPr/>
-        </p:nvSpPr>
-        <p:spPr>
-          <a:xfrm>
-            <a:off x="606464" y="508259"/>
-            <a:ext cx="7555301" cy="830997"/>
-          </a:xfrm>
-          <a:prstGeom prst="rect">
-            <a:avLst/>
-          </a:prstGeom>
-          <a:noFill/>
-        </p:spPr>
-        <p:txBody>
-          <a:bodyPr wrap="square" rtlCol="0">
-            <a:spAutoFit/>
-          </a:bodyPr>
-          <a:lstStyle/>
-          <a:p>
-            <a:r>
-              <a:rPr lang="en-US" sz="4800" b="1" dirty="0" smtClean="0">
-                <a:solidFill>
-                  <a:schemeClr val="bg1"/>
-                </a:solidFill>
-                <a:latin typeface="Source Sans Pro Semibold"/>
-                <a:cs typeface="Source Sans Pro Semibold"/>
-              </a:rPr>
-              <a:t>Myth</a:t>
-            </a:r>
-            <a:endParaRPr lang="en-US" sz="4800" b="1" dirty="0">
-              <a:solidFill>
-                <a:schemeClr val="bg1"/>
-              </a:solidFill>
-              <a:latin typeface="Helvetica Neue"/>
-              <a:cs typeface="Helvetica Neue"/>
-            </a:endParaRPr>
-          </a:p>
-        </p:txBody>
-      </p:sp>
-      <p:sp>
-        <p:nvSpPr>
-          <p:cNvPr id="11" name="TextBox 10"/>
-          <p:cNvSpPr txBox="1"/>
-          <p:nvPr/>
-        </p:nvSpPr>
-        <p:spPr>
-          <a:xfrm>
-            <a:off x="606464" y="1339256"/>
-            <a:ext cx="7950030" cy="666849"/>
-          </a:xfrm>
-          <a:prstGeom prst="rect">
-            <a:avLst/>
-          </a:prstGeom>
-          <a:noFill/>
-        </p:spPr>
-        <p:txBody>
-          <a:bodyPr wrap="square" rtlCol="0">
-            <a:spAutoFit/>
-          </a:bodyPr>
-          <a:lstStyle/>
-          <a:p>
-            <a:pPr>
-              <a:lnSpc>
-                <a:spcPct val="120000"/>
-              </a:lnSpc>
-            </a:pPr>
-            <a:r>
-              <a:rPr lang="en-US" sz="3200" b="1" dirty="0" smtClean="0">
-                <a:solidFill>
-                  <a:srgbClr val="FFFFFF"/>
-                </a:solidFill>
-                <a:latin typeface="Source Sans Pro ExtraLight"/>
-                <a:cs typeface="Source Sans Pro ExtraLight"/>
-              </a:rPr>
-              <a:t>Regions require empty placeholder &lt;div&gt;s</a:t>
-            </a:r>
-          </a:p>
-        </p:txBody>
-      </p:sp>
+      <p:pic>
+        <p:nvPicPr>
+          <p:cNvPr id="2" name="Picture 1" descr="Screen Shot 2014-02-04 at 6.55.37 PM.png">
+            <a:hlinkClick r:id="rId2"/>
+          </p:cNvPr>
+          <p:cNvPicPr>
+            <a:picLocks noChangeAspect="1"/>
+          </p:cNvPicPr>
+          <p:nvPr/>
+        </p:nvPicPr>
+        <p:blipFill>
+          <a:blip r:embed="rId3">
+            <a:extLst>
+              <a:ext uri="{28A0092B-C50C-407E-A947-70E740481C1C}">
+                <a14:useLocalDpi xmlns:a14="http://schemas.microsoft.com/office/drawing/2010/main" val="0"/>
+              </a:ext>
+            </a:extLst>
+          </a:blip>
+          <a:stretch>
+            <a:fillRect/>
+          </a:stretch>
+        </p:blipFill>
+        <p:spPr>
+          <a:xfrm>
+            <a:off x="94781" y="66341"/>
+            <a:ext cx="8933060" cy="6858000"/>
+          </a:xfrm>
+          <a:prstGeom prst="rect">
+            <a:avLst/>
+          </a:prstGeom>
+        </p:spPr>
+      </p:pic>
     </p:spTree>
     <p:extLst>
       <p:ext uri="{BB962C8B-B14F-4D97-AF65-F5344CB8AC3E}">
-        <p14:creationId xmlns:p14="http://schemas.microsoft.com/office/powerpoint/2010/main" val="2946533039"/>
+        <p14:creationId xmlns:p14="http://schemas.microsoft.com/office/powerpoint/2010/main" val="4241786345"/>
       </p:ext>
     </p:extLst>
   </p:cSld>
@@ -21293,194 +21156,40 @@
           <a:chExt cx="0" cy="0"/>
         </a:xfrm>
       </p:grpSpPr>
-      <p:sp>
-        <p:nvSpPr>
-          <p:cNvPr id="7" name="TextBox 6"/>
-          <p:cNvSpPr txBox="1"/>
-          <p:nvPr/>
-        </p:nvSpPr>
-        <p:spPr>
-          <a:xfrm>
-            <a:off x="606464" y="2494519"/>
-            <a:ext cx="7950030" cy="1848711"/>
-          </a:xfrm>
-          <a:prstGeom prst="rect">
-            <a:avLst/>
-          </a:prstGeom>
-          <a:noFill/>
-        </p:spPr>
-        <p:txBody>
-          <a:bodyPr wrap="square" rtlCol="0">
-            <a:spAutoFit/>
-          </a:bodyPr>
-          <a:lstStyle/>
-          <a:p>
-            <a:pPr marL="457200" indent="-457200">
-              <a:lnSpc>
-                <a:spcPct val="120000"/>
-              </a:lnSpc>
-              <a:buFont typeface="Arial"/>
-              <a:buChar char="•"/>
-            </a:pPr>
-            <a:r>
-              <a:rPr lang="en-US" sz="3200" b="1" dirty="0" smtClean="0">
-                <a:solidFill>
-                  <a:schemeClr val="accent2">
-                    <a:lumMod val="60000"/>
-                    <a:lumOff val="40000"/>
-                  </a:schemeClr>
-                </a:solidFill>
-                <a:latin typeface="Source Sans Pro ExtraLight"/>
-                <a:cs typeface="Source Sans Pro ExtraLight"/>
-              </a:rPr>
-              <a:t>regions work with every layout model</a:t>
-            </a:r>
-          </a:p>
-          <a:p>
-            <a:pPr marL="457200" indent="-457200">
-              <a:lnSpc>
-                <a:spcPct val="120000"/>
-              </a:lnSpc>
-              <a:buFont typeface="Arial"/>
-              <a:buChar char="•"/>
-            </a:pPr>
-            <a:r>
-              <a:rPr lang="en-US" sz="3200" b="1" dirty="0">
-                <a:solidFill>
-                  <a:schemeClr val="accent2">
-                    <a:lumMod val="60000"/>
-                    <a:lumOff val="40000"/>
-                  </a:schemeClr>
-                </a:solidFill>
-                <a:latin typeface="Source Sans Pro ExtraLight"/>
-                <a:cs typeface="Source Sans Pro ExtraLight"/>
-              </a:rPr>
-              <a:t>r</a:t>
-            </a:r>
-            <a:r>
-              <a:rPr lang="en-US" sz="3200" b="1" dirty="0" smtClean="0">
-                <a:solidFill>
-                  <a:schemeClr val="accent2">
-                    <a:lumMod val="60000"/>
-                    <a:lumOff val="40000"/>
-                  </a:schemeClr>
-                </a:solidFill>
-                <a:latin typeface="Source Sans Pro ExtraLight"/>
-                <a:cs typeface="Source Sans Pro ExtraLight"/>
-              </a:rPr>
-              <a:t>egions can auto-size to their content</a:t>
-            </a:r>
-          </a:p>
-          <a:p>
-            <a:pPr marL="457200" indent="-457200">
-              <a:lnSpc>
-                <a:spcPct val="120000"/>
-              </a:lnSpc>
-              <a:buFont typeface="Arial"/>
-              <a:buChar char="•"/>
-            </a:pPr>
-            <a:r>
-              <a:rPr lang="en-US" sz="3200" b="1" dirty="0" smtClean="0">
-                <a:solidFill>
-                  <a:schemeClr val="accent2">
-                    <a:lumMod val="60000"/>
-                    <a:lumOff val="40000"/>
-                  </a:schemeClr>
-                </a:solidFill>
-                <a:latin typeface="Source Sans Pro ExtraLight"/>
-                <a:cs typeface="Source Sans Pro ExtraLight"/>
-              </a:rPr>
-              <a:t>not a replacement for CSS Multi-column</a:t>
-            </a:r>
-          </a:p>
-        </p:txBody>
-      </p:sp>
-      <p:sp>
-        <p:nvSpPr>
-          <p:cNvPr id="10" name="TextBox 9"/>
-          <p:cNvSpPr txBox="1"/>
-          <p:nvPr/>
-        </p:nvSpPr>
-        <p:spPr>
-          <a:xfrm>
-            <a:off x="606464" y="508259"/>
-            <a:ext cx="7555301" cy="830997"/>
-          </a:xfrm>
-          <a:prstGeom prst="rect">
-            <a:avLst/>
-          </a:prstGeom>
-          <a:noFill/>
-        </p:spPr>
-        <p:txBody>
-          <a:bodyPr wrap="square" rtlCol="0">
-            <a:spAutoFit/>
-          </a:bodyPr>
-          <a:lstStyle/>
-          <a:p>
-            <a:r>
-              <a:rPr lang="en-US" sz="4800" b="1" dirty="0" smtClean="0">
-                <a:solidFill>
-                  <a:schemeClr val="bg1"/>
-                </a:solidFill>
-                <a:latin typeface="Source Sans Pro Semibold"/>
-                <a:cs typeface="Source Sans Pro Semibold"/>
-              </a:rPr>
-              <a:t>Myth</a:t>
-            </a:r>
-            <a:endParaRPr lang="en-US" sz="4800" b="1" dirty="0">
-              <a:solidFill>
-                <a:schemeClr val="bg1"/>
-              </a:solidFill>
-              <a:latin typeface="Helvetica Neue"/>
-              <a:cs typeface="Helvetica Neue"/>
-            </a:endParaRPr>
-          </a:p>
-        </p:txBody>
-      </p:sp>
-      <p:sp>
-        <p:nvSpPr>
-          <p:cNvPr id="11" name="TextBox 10"/>
-          <p:cNvSpPr txBox="1"/>
-          <p:nvPr/>
-        </p:nvSpPr>
-        <p:spPr>
-          <a:xfrm>
-            <a:off x="606464" y="1339256"/>
-            <a:ext cx="7950030" cy="666849"/>
-          </a:xfrm>
-          <a:prstGeom prst="rect">
-            <a:avLst/>
-          </a:prstGeom>
-          <a:noFill/>
-        </p:spPr>
-        <p:txBody>
-          <a:bodyPr wrap="square" rtlCol="0">
-            <a:spAutoFit/>
-          </a:bodyPr>
-          <a:lstStyle/>
-          <a:p>
-            <a:pPr>
-              <a:lnSpc>
-                <a:spcPct val="120000"/>
-              </a:lnSpc>
-            </a:pPr>
-            <a:r>
-              <a:rPr lang="en-US" sz="3200" b="1" dirty="0" smtClean="0">
-                <a:solidFill>
-                  <a:srgbClr val="FFFFFF"/>
-                </a:solidFill>
-                <a:latin typeface="Source Sans Pro ExtraLight"/>
-                <a:cs typeface="Source Sans Pro ExtraLight"/>
-              </a:rPr>
-              <a:t>Regions are not responsive</a:t>
-            </a:r>
-          </a:p>
-        </p:txBody>
-      </p:sp>
+      <p:pic>
+        <p:nvPicPr>
+          <p:cNvPr id="6" name="Picture 5" descr="Screen Shot 2014-02-04 at 7.11.07 PM.png"/>
+          <p:cNvPicPr>
+            <a:picLocks noChangeAspect="1"/>
+          </p:cNvPicPr>
+          <p:nvPr/>
+        </p:nvPicPr>
+        <p:blipFill>
+          <a:blip r:embed="rId2">
+            <a:extLst>
+              <a:ext uri="{28A0092B-C50C-407E-A947-70E740481C1C}">
+                <a14:useLocalDpi xmlns:a14="http://schemas.microsoft.com/office/drawing/2010/main" val="0"/>
+              </a:ext>
+            </a:extLst>
+          </a:blip>
+          <a:stretch>
+            <a:fillRect/>
+          </a:stretch>
+        </p:blipFill>
+        <p:spPr>
+          <a:xfrm>
+            <a:off x="50800" y="0"/>
+            <a:ext cx="9032488" cy="6858000"/>
+          </a:xfrm>
+          <a:prstGeom prst="rect">
+            <a:avLst/>
+          </a:prstGeom>
+        </p:spPr>
+      </p:pic>
     </p:spTree>
     <p:extLst>
       <p:ext uri="{BB962C8B-B14F-4D97-AF65-F5344CB8AC3E}">
-        <p14:creationId xmlns:p14="http://schemas.microsoft.com/office/powerpoint/2010/main" val="2783294999"/>
+        <p14:creationId xmlns:p14="http://schemas.microsoft.com/office/powerpoint/2010/main" val="3903439479"/>
       </p:ext>
     </p:extLst>
   </p:cSld>
@@ -21544,7 +21253,7 @@
               <a:buChar char="•"/>
             </a:pPr>
             <a:r>
-              <a:rPr lang="en-US" sz="3200" b="1" dirty="0">
+              <a:rPr lang="en-US" sz="3200" b="1" dirty="0" smtClean="0">
                 <a:solidFill>
                   <a:schemeClr val="accent2">
                     <a:lumMod val="60000"/>
@@ -21554,71 +21263,7 @@
                 <a:latin typeface="Source Sans Pro ExtraLight"/>
                 <a:cs typeface="Source Sans Pro ExtraLight"/>
               </a:rPr>
-              <a:t>r</a:t>
-            </a:r>
-            <a:r>
-              <a:rPr lang="en-US" sz="3200" b="1" dirty="0" smtClean="0">
-                <a:solidFill>
-                  <a:schemeClr val="accent2">
-                    <a:lumMod val="60000"/>
-                    <a:lumOff val="40000"/>
-                  </a:schemeClr>
-                </a:solidFill>
-                <a:latin typeface="Source Sans Pro ExtraLight"/>
-                <a:cs typeface="Source Sans Pro ExtraLight"/>
-              </a:rPr>
-              <a:t>egions are not a layout model, </a:t>
-            </a:r>
-            <a:br>
-              <a:rPr lang="en-US" sz="3200" b="1" dirty="0" smtClean="0">
-                <a:solidFill>
-                  <a:schemeClr val="accent2">
-                    <a:lumMod val="60000"/>
-                    <a:lumOff val="40000"/>
-                  </a:schemeClr>
-                </a:solidFill>
-                <a:latin typeface="Source Sans Pro ExtraLight"/>
-                <a:cs typeface="Source Sans Pro ExtraLight"/>
-              </a:rPr>
-            </a:br>
-            <a:r>
-              <a:rPr lang="en-US" sz="3200" b="1" dirty="0" smtClean="0">
-                <a:solidFill>
-                  <a:schemeClr val="accent2">
-                    <a:lumMod val="60000"/>
-                    <a:lumOff val="40000"/>
-                  </a:schemeClr>
-                </a:solidFill>
-                <a:latin typeface="Source Sans Pro ExtraLight"/>
-                <a:cs typeface="Source Sans Pro ExtraLight"/>
-              </a:rPr>
-              <a:t>such as </a:t>
-            </a:r>
-            <a:r>
-              <a:rPr lang="en-US" sz="3200" b="1" dirty="0" err="1" smtClean="0">
-                <a:solidFill>
-                  <a:schemeClr val="accent2">
-                    <a:lumMod val="60000"/>
-                    <a:lumOff val="40000"/>
-                  </a:schemeClr>
-                </a:solidFill>
-                <a:latin typeface="Source Sans Pro ExtraLight"/>
-                <a:cs typeface="Source Sans Pro ExtraLight"/>
-              </a:rPr>
-              <a:t>Flexbox</a:t>
-            </a:r>
-            <a:r>
-              <a:rPr lang="en-US" sz="3200" b="1" dirty="0" smtClean="0">
-                <a:solidFill>
-                  <a:schemeClr val="accent2">
-                    <a:lumMod val="60000"/>
-                    <a:lumOff val="40000"/>
-                  </a:schemeClr>
-                </a:solidFill>
-                <a:latin typeface="Source Sans Pro ExtraLight"/>
-                <a:cs typeface="Source Sans Pro ExtraLight"/>
-              </a:rPr>
-              <a:t> or Multi-col </a:t>
+              <a:t>any block-level item can become a region</a:t>
             </a:r>
           </a:p>
           <a:p>
@@ -21630,7 +21275,7 @@
               <a:buChar char="•"/>
             </a:pPr>
             <a:r>
-              <a:rPr lang="en-US" sz="3200" b="1" dirty="0">
+              <a:rPr lang="en-US" sz="3200" b="1" dirty="0" smtClean="0">
                 <a:solidFill>
                   <a:schemeClr val="accent2">
                     <a:lumMod val="60000"/>
@@ -21640,20 +21285,7 @@
                 <a:latin typeface="Source Sans Pro ExtraLight"/>
                 <a:cs typeface="Source Sans Pro ExtraLight"/>
               </a:rPr>
-              <a:t>r</a:t>
-            </a:r>
-            <a:r>
-              <a:rPr lang="en-US" sz="3200" b="1" dirty="0" smtClean="0">
-                <a:solidFill>
-                  <a:schemeClr val="accent2">
-                    <a:lumMod val="60000"/>
-                    <a:lumOff val="40000"/>
-                  </a:schemeClr>
-                </a:solidFill>
-                <a:latin typeface="Source Sans Pro ExtraLight"/>
-                <a:cs typeface="Source Sans Pro ExtraLight"/>
-              </a:rPr>
-              <a:t>egions are a fragmentation model</a:t>
+              <a:t>::before,  ::after</a:t>
             </a:r>
           </a:p>
           <a:p>
@@ -21675,7 +21307,32 @@
                 <a:latin typeface="Source Sans Pro ExtraLight"/>
                 <a:cs typeface="Source Sans Pro ExtraLight"/>
               </a:rPr>
-              <a:t>building blocks</a:t>
+              <a:t>upcoming block-generating specs </a:t>
+            </a:r>
+            <a:br>
+              <a:rPr lang="en-US" sz="3200" b="1" dirty="0" smtClean="0">
+                <a:solidFill>
+                  <a:schemeClr val="accent2">
+                    <a:lumMod val="60000"/>
+                    <a:lumOff val="40000"/>
+                  </a:schemeClr>
+                </a:solidFill>
+                <a:latin typeface="Source Sans Pro ExtraLight"/>
+                <a:cs typeface="Source Sans Pro ExtraLight"/>
+              </a:rPr>
+            </a:br>
+            <a:r>
+              <a:rPr lang="en-US" sz="3200" b="1" dirty="0" smtClean="0">
+                <a:solidFill>
+                  <a:schemeClr val="accent2">
+                    <a:lumMod val="60000"/>
+                    <a:lumOff val="40000"/>
+                  </a:schemeClr>
+                </a:solidFill>
+                <a:latin typeface="Source Sans Pro ExtraLight"/>
+                <a:cs typeface="Source Sans Pro ExtraLight"/>
+              </a:rPr>
+              <a:t>like CSS Grids, overflow: fragment</a:t>
             </a:r>
           </a:p>
         </p:txBody>
@@ -21757,7 +21414,7 @@
                 <a:latin typeface="Source Sans Pro ExtraLight"/>
                 <a:cs typeface="Source Sans Pro ExtraLight"/>
               </a:rPr>
-              <a:t>Regions are a bad layout model</a:t>
+              <a:t>Regions require empty placeholder &lt;div&gt;s</a:t>
             </a:r>
           </a:p>
         </p:txBody>
@@ -21765,7 +21422,7 @@
     </p:spTree>
     <p:extLst>
       <p:ext uri="{BB962C8B-B14F-4D97-AF65-F5344CB8AC3E}">
-        <p14:creationId xmlns:p14="http://schemas.microsoft.com/office/powerpoint/2010/main" val="4091956640"/>
+        <p14:creationId xmlns:p14="http://schemas.microsoft.com/office/powerpoint/2010/main" val="2946533039"/>
       </p:ext>
     </p:extLst>
   </p:cSld>
@@ -21801,14 +21458,14 @@
       </p:grpSpPr>
       <p:sp>
         <p:nvSpPr>
-          <p:cNvPr id="6" name="TextBox 5"/>
+          <p:cNvPr id="7" name="TextBox 6"/>
           <p:cNvSpPr txBox="1"/>
           <p:nvPr/>
         </p:nvSpPr>
         <p:spPr>
           <a:xfrm>
-            <a:off x="606464" y="820045"/>
-            <a:ext cx="7555301" cy="830997"/>
+            <a:off x="606464" y="2494519"/>
+            <a:ext cx="7950030" cy="1848711"/>
           </a:xfrm>
           <a:prstGeom prst="rect">
             <a:avLst/>
@@ -21821,6 +21478,108 @@
           </a:bodyPr>
           <a:lstStyle/>
           <a:p>
+            <a:pPr marL="457200" indent="-457200">
+              <a:lnSpc>
+                <a:spcPct val="120000"/>
+              </a:lnSpc>
+              <a:buFont typeface="Arial"/>
+              <a:buChar char="•"/>
+            </a:pPr>
+            <a:r>
+              <a:rPr lang="en-US" sz="3200" b="1" dirty="0" smtClean="0">
+                <a:solidFill>
+                  <a:schemeClr val="accent2">
+                    <a:lumMod val="60000"/>
+                    <a:lumOff val="40000"/>
+                  </a:schemeClr>
+                </a:solidFill>
+                <a:latin typeface="Source Sans Pro ExtraLight"/>
+                <a:cs typeface="Source Sans Pro ExtraLight"/>
+              </a:rPr>
+              <a:t>regions work with every layout model</a:t>
+            </a:r>
+          </a:p>
+          <a:p>
+            <a:pPr marL="457200" indent="-457200">
+              <a:lnSpc>
+                <a:spcPct val="120000"/>
+              </a:lnSpc>
+              <a:buFont typeface="Arial"/>
+              <a:buChar char="•"/>
+            </a:pPr>
+            <a:r>
+              <a:rPr lang="en-US" sz="3200" b="1" dirty="0">
+                <a:solidFill>
+                  <a:schemeClr val="accent2">
+                    <a:lumMod val="60000"/>
+                    <a:lumOff val="40000"/>
+                  </a:schemeClr>
+                </a:solidFill>
+                <a:latin typeface="Source Sans Pro ExtraLight"/>
+                <a:cs typeface="Source Sans Pro ExtraLight"/>
+              </a:rPr>
+              <a:t>r</a:t>
+            </a:r>
+            <a:r>
+              <a:rPr lang="en-US" sz="3200" b="1" dirty="0" smtClean="0">
+                <a:solidFill>
+                  <a:schemeClr val="accent2">
+                    <a:lumMod val="60000"/>
+                    <a:lumOff val="40000"/>
+                  </a:schemeClr>
+                </a:solidFill>
+                <a:latin typeface="Source Sans Pro ExtraLight"/>
+                <a:cs typeface="Source Sans Pro ExtraLight"/>
+              </a:rPr>
+              <a:t>egions can auto-size to their content</a:t>
+            </a:r>
+          </a:p>
+          <a:p>
+            <a:pPr marL="457200" indent="-457200">
+              <a:lnSpc>
+                <a:spcPct val="120000"/>
+              </a:lnSpc>
+              <a:buFont typeface="Arial"/>
+              <a:buChar char="•"/>
+            </a:pPr>
+            <a:r>
+              <a:rPr lang="en-US" sz="3200" b="1" dirty="0" smtClean="0">
+                <a:solidFill>
+                  <a:schemeClr val="accent2">
+                    <a:lumMod val="60000"/>
+                    <a:lumOff val="40000"/>
+                  </a:schemeClr>
+                </a:solidFill>
+                <a:latin typeface="Source Sans Pro ExtraLight"/>
+                <a:cs typeface="Source Sans Pro ExtraLight"/>
+              </a:rPr>
+              <a:t>not a replacement for CSS Multi-column</a:t>
+            </a:r>
+          </a:p>
+        </p:txBody>
+      </p:sp>
+      <p:sp>
+        <p:nvSpPr>
+          <p:cNvPr id="10" name="TextBox 9"/>
+          <p:cNvSpPr txBox="1"/>
+          <p:nvPr/>
+        </p:nvSpPr>
+        <p:spPr>
+          <a:xfrm>
+            <a:off x="606464" y="508259"/>
+            <a:ext cx="7555301" cy="830997"/>
+          </a:xfrm>
+          <a:prstGeom prst="rect">
+            <a:avLst/>
+          </a:prstGeom>
+          <a:noFill/>
+        </p:spPr>
+        <p:txBody>
+          <a:bodyPr wrap="square" rtlCol="0">
+            <a:spAutoFit/>
+          </a:bodyPr>
+          <a:lstStyle/>
+          <a:p>
             <a:r>
               <a:rPr lang="en-US" sz="4800" b="1" dirty="0" smtClean="0">
                 <a:solidFill>
@@ -21829,7 +21588,7 @@
                 <a:latin typeface="Source Sans Pro Semibold"/>
                 <a:cs typeface="Source Sans Pro Semibold"/>
               </a:rPr>
-              <a:t>CSS Regions Object Model</a:t>
+              <a:t>Myth</a:t>
             </a:r>
             <a:endParaRPr lang="en-US" sz="4800" b="1" dirty="0">
               <a:solidFill>
@@ -21843,14 +21602,14 @@
       </p:sp>
       <p:sp>
         <p:nvSpPr>
-          <p:cNvPr id="9" name="TextBox 8"/>
+          <p:cNvPr id="11" name="TextBox 10"/>
           <p:cNvSpPr txBox="1"/>
           <p:nvPr/>
         </p:nvSpPr>
         <p:spPr>
           <a:xfrm>
-            <a:off x="606464" y="1587712"/>
-            <a:ext cx="7118190" cy="666849"/>
+            <a:off x="606464" y="1339256"/>
+            <a:ext cx="7950030" cy="666849"/>
           </a:xfrm>
           <a:prstGeom prst="rect">
             <a:avLst/>
@@ -21871,195 +21630,20 @@
             <a:r>
               <a:rPr lang="en-US" sz="3200" b="1" dirty="0" smtClean="0">
                 <a:solidFill>
-                  <a:schemeClr val="accent2">
-                    <a:lumMod val="60000"/>
-                    <a:lumOff val="40000"/>
-                  </a:schemeClr>
+                  <a:srgbClr val="FFFFFF"/>
                 </a:solidFill>
                 <a:latin typeface="Source Sans Pro ExtraLight"/>
                 <a:cs typeface="Source Sans Pro ExtraLight"/>
               </a:rPr>
-              <a:t>JavaScript API for flows and regions</a:t>
-            </a:r>
-          </a:p>
-        </p:txBody>
-      </p:sp>
-      <p:sp>
-        <p:nvSpPr>
-          <p:cNvPr id="10" name="TextBox 9"/>
-          <p:cNvSpPr txBox="1"/>
-          <p:nvPr/>
-        </p:nvSpPr>
-        <p:spPr>
-          <a:xfrm>
-            <a:off x="606464" y="2845375"/>
-            <a:ext cx="8047044" cy="3046988"/>
-          </a:xfrm>
-          <a:prstGeom prst="rect">
-            <a:avLst/>
-          </a:prstGeom>
-          <a:noFill/>
-        </p:spPr>
-        <p:txBody>
-          <a:bodyPr wrap="square" rtlCol="0">
-            <a:spAutoFit/>
-          </a:bodyPr>
-          <a:lstStyle/>
-          <a:p>
-            <a:r>
-              <a:rPr lang="en-US" sz="3200" dirty="0" err="1" smtClean="0">
-                <a:solidFill>
-                  <a:schemeClr val="bg1"/>
-                </a:solidFill>
-                <a:latin typeface="Consolas"/>
-                <a:cs typeface="Consolas"/>
-              </a:rPr>
-              <a:t>document.getNamedFlows</a:t>
-            </a:r>
-            <a:r>
-              <a:rPr lang="en-US" sz="3200" dirty="0" smtClean="0">
-                <a:solidFill>
-                  <a:schemeClr val="bg1"/>
-                </a:solidFill>
-                <a:latin typeface="Consolas"/>
-                <a:cs typeface="Consolas"/>
-              </a:rPr>
-              <a:t>()[</a:t>
-            </a:r>
-            <a:r>
-              <a:rPr lang="en-US" sz="3200" dirty="0" smtClean="0">
-                <a:solidFill>
-                  <a:schemeClr val="accent3">
-                    <a:lumMod val="75000"/>
-                  </a:schemeClr>
-                </a:solidFill>
-                <a:latin typeface="Consolas"/>
-                <a:cs typeface="Consolas"/>
-              </a:rPr>
-              <a:t>‘</a:t>
-            </a:r>
-            <a:r>
-              <a:rPr lang="en-US" sz="3200" dirty="0" err="1" smtClean="0">
-                <a:solidFill>
-                  <a:schemeClr val="accent3">
-                    <a:lumMod val="75000"/>
-                  </a:schemeClr>
-                </a:solidFill>
-                <a:latin typeface="Consolas"/>
-                <a:cs typeface="Consolas"/>
-              </a:rPr>
-              <a:t>myFlow</a:t>
-            </a:r>
-            <a:r>
-              <a:rPr lang="en-US" sz="3200" dirty="0" smtClean="0">
-                <a:solidFill>
-                  <a:schemeClr val="accent3">
-                    <a:lumMod val="75000"/>
-                  </a:schemeClr>
-                </a:solidFill>
-                <a:latin typeface="Consolas"/>
-                <a:cs typeface="Consolas"/>
-              </a:rPr>
-              <a:t>’</a:t>
-            </a:r>
-            <a:r>
-              <a:rPr lang="en-US" sz="3200" dirty="0" smtClean="0">
-                <a:solidFill>
-                  <a:schemeClr val="bg1"/>
-                </a:solidFill>
-                <a:latin typeface="Consolas"/>
-                <a:cs typeface="Consolas"/>
-              </a:rPr>
-              <a:t>]</a:t>
-            </a:r>
-          </a:p>
-          <a:p>
-            <a:endParaRPr lang="en-US" sz="3200" dirty="0" smtClean="0">
-              <a:solidFill>
-                <a:schemeClr val="bg1"/>
-              </a:solidFill>
-              <a:latin typeface="Consolas"/>
-              <a:cs typeface="Consolas"/>
-            </a:endParaRPr>
-          </a:p>
-          <a:p>
-            <a:r>
-              <a:rPr lang="en-US" sz="3200" dirty="0" err="1" smtClean="0">
-                <a:solidFill>
-                  <a:schemeClr val="bg1"/>
-                </a:solidFill>
-                <a:latin typeface="Consolas"/>
-                <a:cs typeface="Consolas"/>
-              </a:rPr>
-              <a:t>myFlow.getRegions</a:t>
-            </a:r>
-            <a:r>
-              <a:rPr lang="en-US" sz="3200" dirty="0" smtClean="0">
-                <a:solidFill>
-                  <a:schemeClr val="bg1"/>
-                </a:solidFill>
-                <a:latin typeface="Consolas"/>
-                <a:cs typeface="Consolas"/>
-              </a:rPr>
-              <a:t>()</a:t>
-            </a:r>
-          </a:p>
-          <a:p>
-            <a:r>
-              <a:rPr lang="en-US" sz="3200" dirty="0" err="1" smtClean="0">
-                <a:solidFill>
-                  <a:schemeClr val="bg1"/>
-                </a:solidFill>
-                <a:latin typeface="Consolas"/>
-                <a:cs typeface="Consolas"/>
-              </a:rPr>
-              <a:t>myFlow.getContent</a:t>
-            </a:r>
-            <a:r>
-              <a:rPr lang="en-US" sz="3200" dirty="0" smtClean="0">
-                <a:solidFill>
-                  <a:schemeClr val="bg1"/>
-                </a:solidFill>
-                <a:latin typeface="Consolas"/>
-                <a:cs typeface="Consolas"/>
-              </a:rPr>
-              <a:t>()</a:t>
-            </a:r>
-          </a:p>
-          <a:p>
-            <a:r>
-              <a:rPr lang="en-US" sz="3200" dirty="0" err="1" smtClean="0">
-                <a:solidFill>
-                  <a:schemeClr val="bg1"/>
-                </a:solidFill>
-                <a:latin typeface="Consolas"/>
-                <a:cs typeface="Consolas"/>
-              </a:rPr>
-              <a:t>myFlow.overset</a:t>
-            </a:r>
-            <a:endParaRPr lang="en-US" sz="3200" dirty="0" smtClean="0">
-              <a:solidFill>
-                <a:schemeClr val="bg1"/>
-              </a:solidFill>
-              <a:latin typeface="Consolas"/>
-              <a:cs typeface="Consolas"/>
-            </a:endParaRPr>
-          </a:p>
-          <a:p>
-            <a:endParaRPr lang="en-US" sz="3200" dirty="0">
-              <a:solidFill>
-                <a:schemeClr val="bg1"/>
-              </a:solidFill>
-              <a:latin typeface="Consolas"/>
-              <a:cs typeface="Consolas"/>
-            </a:endParaRPr>
+              <a:t>Regions are not responsive</a:t>
+            </a:r>
           </a:p>
         </p:txBody>
       </p:sp>
     </p:spTree>
     <p:extLst>
       <p:ext uri="{BB962C8B-B14F-4D97-AF65-F5344CB8AC3E}">
-        <p14:creationId xmlns:p14="http://schemas.microsoft.com/office/powerpoint/2010/main" val="1274794363"/>
+        <p14:creationId xmlns:p14="http://schemas.microsoft.com/office/powerpoint/2010/main" val="2783294999"/>
       </p:ext>
     </p:extLst>
   </p:cSld>
@@ -22095,14 +21679,14 @@
       </p:grpSpPr>
       <p:sp>
         <p:nvSpPr>
-          <p:cNvPr id="6" name="TextBox 5"/>
+          <p:cNvPr id="7" name="TextBox 6"/>
           <p:cNvSpPr txBox="1"/>
           <p:nvPr/>
         </p:nvSpPr>
         <p:spPr>
           <a:xfrm>
-            <a:off x="688107" y="756262"/>
-            <a:ext cx="7555301" cy="1569660"/>
+            <a:off x="606464" y="2494519"/>
+            <a:ext cx="7950030" cy="2439642"/>
           </a:xfrm>
           <a:prstGeom prst="rect">
             <a:avLst/>
@@ -22115,6 +21699,172 @@
           </a:bodyPr>
           <a:lstStyle/>
           <a:p>
+            <a:pPr marL="457200" indent="-457200">
+              <a:lnSpc>
+                <a:spcPct val="120000"/>
+              </a:lnSpc>
+              <a:buFont typeface="Arial"/>
+              <a:buChar char="•"/>
+            </a:pPr>
+            <a:r>
+              <a:rPr lang="en-US" sz="3200" b="1" dirty="0">
+                <a:solidFill>
+                  <a:schemeClr val="accent2">
+                    <a:lumMod val="60000"/>
+                    <a:lumOff val="40000"/>
+                  </a:schemeClr>
+                </a:solidFill>
+                <a:latin typeface="Source Sans Pro ExtraLight"/>
+                <a:cs typeface="Source Sans Pro ExtraLight"/>
+              </a:rPr>
+              <a:t>r</a:t>
+            </a:r>
+            <a:r>
+              <a:rPr lang="en-US" sz="3200" b="1" dirty="0" smtClean="0">
+                <a:solidFill>
+                  <a:schemeClr val="accent2">
+                    <a:lumMod val="60000"/>
+                    <a:lumOff val="40000"/>
+                  </a:schemeClr>
+                </a:solidFill>
+                <a:latin typeface="Source Sans Pro ExtraLight"/>
+                <a:cs typeface="Source Sans Pro ExtraLight"/>
+              </a:rPr>
+              <a:t>egions are not a layout model, </a:t>
+            </a:r>
+            <a:br>
+              <a:rPr lang="en-US" sz="3200" b="1" dirty="0" smtClean="0">
+                <a:solidFill>
+                  <a:schemeClr val="accent2">
+                    <a:lumMod val="60000"/>
+                    <a:lumOff val="40000"/>
+                  </a:schemeClr>
+                </a:solidFill>
+                <a:latin typeface="Source Sans Pro ExtraLight"/>
+                <a:cs typeface="Source Sans Pro ExtraLight"/>
+              </a:rPr>
+            </a:br>
+            <a:r>
+              <a:rPr lang="en-US" sz="3200" b="1" dirty="0" smtClean="0">
+                <a:solidFill>
+                  <a:schemeClr val="accent2">
+                    <a:lumMod val="60000"/>
+                    <a:lumOff val="40000"/>
+                  </a:schemeClr>
+                </a:solidFill>
+                <a:latin typeface="Source Sans Pro ExtraLight"/>
+                <a:cs typeface="Source Sans Pro ExtraLight"/>
+              </a:rPr>
+              <a:t>such as </a:t>
+            </a:r>
+            <a:r>
+              <a:rPr lang="en-US" sz="3200" b="1" dirty="0" err="1" smtClean="0">
+                <a:solidFill>
+                  <a:schemeClr val="accent2">
+                    <a:lumMod val="60000"/>
+                    <a:lumOff val="40000"/>
+                  </a:schemeClr>
+                </a:solidFill>
+                <a:latin typeface="Source Sans Pro ExtraLight"/>
+                <a:cs typeface="Source Sans Pro ExtraLight"/>
+              </a:rPr>
+              <a:t>Flexbox</a:t>
+            </a:r>
+            <a:r>
+              <a:rPr lang="en-US" sz="3200" b="1" dirty="0" smtClean="0">
+                <a:solidFill>
+                  <a:schemeClr val="accent2">
+                    <a:lumMod val="60000"/>
+                    <a:lumOff val="40000"/>
+                  </a:schemeClr>
+                </a:solidFill>
+                <a:latin typeface="Source Sans Pro ExtraLight"/>
+                <a:cs typeface="Source Sans Pro ExtraLight"/>
+              </a:rPr>
+              <a:t> or Multi-col </a:t>
+            </a:r>
+          </a:p>
+          <a:p>
+            <a:pPr marL="457200" indent="-457200">
+              <a:lnSpc>
+                <a:spcPct val="120000"/>
+              </a:lnSpc>
+              <a:buFont typeface="Arial"/>
+              <a:buChar char="•"/>
+            </a:pPr>
+            <a:r>
+              <a:rPr lang="en-US" sz="3200" b="1" dirty="0">
+                <a:solidFill>
+                  <a:schemeClr val="accent2">
+                    <a:lumMod val="60000"/>
+                    <a:lumOff val="40000"/>
+                  </a:schemeClr>
+                </a:solidFill>
+                <a:latin typeface="Source Sans Pro ExtraLight"/>
+                <a:cs typeface="Source Sans Pro ExtraLight"/>
+              </a:rPr>
+              <a:t>r</a:t>
+            </a:r>
+            <a:r>
+              <a:rPr lang="en-US" sz="3200" b="1" dirty="0" smtClean="0">
+                <a:solidFill>
+                  <a:schemeClr val="accent2">
+                    <a:lumMod val="60000"/>
+                    <a:lumOff val="40000"/>
+                  </a:schemeClr>
+                </a:solidFill>
+                <a:latin typeface="Source Sans Pro ExtraLight"/>
+                <a:cs typeface="Source Sans Pro ExtraLight"/>
+              </a:rPr>
+              <a:t>egions are a fragmentation model</a:t>
+            </a:r>
+          </a:p>
+          <a:p>
+            <a:pPr marL="457200" indent="-457200">
+              <a:lnSpc>
+                <a:spcPct val="120000"/>
+              </a:lnSpc>
+              <a:buFont typeface="Arial"/>
+              <a:buChar char="•"/>
+            </a:pPr>
+            <a:r>
+              <a:rPr lang="en-US" sz="3200" b="1" dirty="0" smtClean="0">
+                <a:solidFill>
+                  <a:schemeClr val="accent2">
+                    <a:lumMod val="60000"/>
+                    <a:lumOff val="40000"/>
+                  </a:schemeClr>
+                </a:solidFill>
+                <a:latin typeface="Source Sans Pro ExtraLight"/>
+                <a:cs typeface="Source Sans Pro ExtraLight"/>
+              </a:rPr>
+              <a:t>building blocks</a:t>
+            </a:r>
+          </a:p>
+        </p:txBody>
+      </p:sp>
+      <p:sp>
+        <p:nvSpPr>
+          <p:cNvPr id="10" name="TextBox 9"/>
+          <p:cNvSpPr txBox="1"/>
+          <p:nvPr/>
+        </p:nvSpPr>
+        <p:spPr>
+          <a:xfrm>
+            <a:off x="606464" y="508259"/>
+            <a:ext cx="7555301" cy="830997"/>
+          </a:xfrm>
+          <a:prstGeom prst="rect">
+            <a:avLst/>
+          </a:prstGeom>
+          <a:noFill/>
+        </p:spPr>
+        <p:txBody>
+          <a:bodyPr wrap="square" rtlCol="0">
+            <a:spAutoFit/>
+          </a:bodyPr>
+          <a:lstStyle/>
+          <a:p>
             <a:r>
               <a:rPr lang="en-US" sz="4800" b="1" dirty="0" smtClean="0">
                 <a:solidFill>
@@ -22123,26 +21873,7 @@
                 <a:latin typeface="Source Sans Pro Semibold"/>
                 <a:cs typeface="Source Sans Pro Semibold"/>
               </a:rPr>
-              <a:t>Responsive Menu </a:t>
-            </a:r>
-            <a:br>
-              <a:rPr lang="en-US" sz="4800" b="1" dirty="0" smtClean="0">
-                <a:solidFill>
-                  <a:schemeClr val="bg1"/>
-                </a:solidFill>
-                <a:latin typeface="Source Sans Pro Semibold"/>
-                <a:cs typeface="Source Sans Pro Semibold"/>
-              </a:rPr>
-            </a:br>
-            <a:r>
-              <a:rPr lang="en-US" sz="4800" b="1" dirty="0" smtClean="0">
-                <a:solidFill>
-                  <a:schemeClr val="bg1"/>
-                </a:solidFill>
-                <a:latin typeface="Source Sans Pro Semibold"/>
-                <a:cs typeface="Source Sans Pro Semibold"/>
-              </a:rPr>
-              <a:t>with CSS Regions</a:t>
+              <a:t>Myth</a:t>
             </a:r>
             <a:endParaRPr lang="en-US" sz="4800" b="1" dirty="0">
               <a:solidFill>
@@ -22156,16 +21887,14 @@
       </p:sp>
       <p:sp>
         <p:nvSpPr>
-          <p:cNvPr id="9" name="TextBox 8">
-            <a:hlinkClick r:id="rId2"/>
-          </p:cNvPr>
+          <p:cNvPr id="11" name="TextBox 10"/>
           <p:cNvSpPr txBox="1"/>
           <p:nvPr/>
         </p:nvSpPr>
         <p:spPr>
           <a:xfrm>
-            <a:off x="688107" y="2413212"/>
-            <a:ext cx="6442036" cy="810478"/>
+            <a:off x="606464" y="1339256"/>
+            <a:ext cx="7950030" cy="666849"/>
           </a:xfrm>
           <a:prstGeom prst="rect">
             <a:avLst/>
@@ -22184,59 +21913,22 @@
               </a:lnSpc>
             </a:pPr>
             <a:r>
-              <a:rPr lang="en-US" sz="4000" b="1" u="sng" dirty="0">
-                <a:solidFill>
-                  <a:srgbClr val="95B3D7"/>
+              <a:rPr lang="en-US" sz="3200" b="1" dirty="0" smtClean="0">
+                <a:solidFill>
+                  <a:srgbClr val="FFFFFF"/>
                 </a:solidFill>
                 <a:latin typeface="Source Sans Pro ExtraLight"/>
                 <a:cs typeface="Source Sans Pro ExtraLight"/>
               </a:rPr>
-              <a:t>http://</a:t>
-            </a:r>
-            <a:r>
-              <a:rPr lang="en-US" sz="4000" b="1" u="sng" dirty="0" err="1">
-                <a:solidFill>
-                  <a:srgbClr val="95B3D7"/>
-                </a:solidFill>
-                <a:latin typeface="Source Sans Pro ExtraLight"/>
-                <a:cs typeface="Source Sans Pro ExtraLight"/>
-              </a:rPr>
-              <a:t>cdpn.io</a:t>
-            </a:r>
-            <a:r>
-              <a:rPr lang="en-US" sz="4000" b="1" u="sng" dirty="0">
-                <a:solidFill>
-                  <a:srgbClr val="95B3D7"/>
-                </a:solidFill>
-                <a:latin typeface="Source Sans Pro ExtraLight"/>
-                <a:cs typeface="Source Sans Pro ExtraLight"/>
-              </a:rPr>
-              <a:t>/</a:t>
-            </a:r>
-            <a:r>
-              <a:rPr lang="en-US" sz="4000" b="1" u="sng" dirty="0" err="1">
-                <a:solidFill>
-                  <a:srgbClr val="95B3D7"/>
-                </a:solidFill>
-                <a:latin typeface="Source Sans Pro ExtraLight"/>
-                <a:cs typeface="Source Sans Pro ExtraLight"/>
-              </a:rPr>
-              <a:t>tdHEg</a:t>
-            </a:r>
-            <a:endParaRPr lang="en-US" sz="4000" b="1" u="sng" dirty="0" smtClean="0">
-              <a:solidFill>
-                <a:srgbClr val="95B3D7"/>
-              </a:solidFill>
-              <a:latin typeface="Source Sans Pro ExtraLight"/>
-              <a:cs typeface="Source Sans Pro ExtraLight"/>
-            </a:endParaRPr>
+              <a:t>Regions are a bad layout model</a:t>
+            </a:r>
           </a:p>
         </p:txBody>
       </p:sp>
     </p:spTree>
     <p:extLst>
       <p:ext uri="{BB962C8B-B14F-4D97-AF65-F5344CB8AC3E}">
-        <p14:creationId xmlns:p14="http://schemas.microsoft.com/office/powerpoint/2010/main" val="420827969"/>
+        <p14:creationId xmlns:p14="http://schemas.microsoft.com/office/powerpoint/2010/main" val="4091956640"/>
       </p:ext>
     </p:extLst>
   </p:cSld>
@@ -22278,8 +21970,8 @@
         </p:nvSpPr>
         <p:spPr>
           <a:xfrm>
-            <a:off x="688107" y="756262"/>
-            <a:ext cx="7555301" cy="1569660"/>
+            <a:off x="606464" y="820045"/>
+            <a:ext cx="7555301" cy="830997"/>
           </a:xfrm>
           <a:prstGeom prst="rect">
             <a:avLst/>
@@ -22300,26 +21992,7 @@
                 <a:latin typeface="Source Sans Pro Semibold"/>
                 <a:cs typeface="Source Sans Pro Semibold"/>
               </a:rPr>
-              <a:t>Adaptive UI </a:t>
-            </a:r>
-            <a:br>
-              <a:rPr lang="en-US" sz="4800" b="1" dirty="0" smtClean="0">
-                <a:solidFill>
-                  <a:schemeClr val="bg1"/>
-                </a:solidFill>
-                <a:latin typeface="Source Sans Pro Semibold"/>
-                <a:cs typeface="Source Sans Pro Semibold"/>
-              </a:rPr>
-            </a:br>
-            <a:r>
-              <a:rPr lang="en-US" sz="4800" b="1" dirty="0" smtClean="0">
-                <a:solidFill>
-                  <a:schemeClr val="bg1"/>
-                </a:solidFill>
-                <a:latin typeface="Source Sans Pro Semibold"/>
-                <a:cs typeface="Source Sans Pro Semibold"/>
-              </a:rPr>
-              <a:t>with CSS Regions</a:t>
+              <a:t>CSS Regions Object Model</a:t>
             </a:r>
             <a:endParaRPr lang="en-US" sz="4800" b="1" dirty="0">
               <a:solidFill>
@@ -22331,42 +22004,225 @@
           </a:p>
         </p:txBody>
       </p:sp>
-      <p:pic>
-        <p:nvPicPr>
-          <p:cNvPr id="2" name="Picture 1" descr="adaptve-ui-regions-illustration.png">
-            <a:hlinkClick r:id="rId2"/>
-          </p:cNvPr>
-          <p:cNvPicPr>
-            <a:picLocks noChangeAspect="1"/>
-          </p:cNvPicPr>
-          <p:nvPr/>
-        </p:nvPicPr>
-        <p:blipFill>
-          <a:blip r:embed="rId3">
-            <a:extLst>
-              <a:ext uri="{28A0092B-C50C-407E-A947-70E740481C1C}">
-                <a14:useLocalDpi xmlns:a14="http://schemas.microsoft.com/office/drawing/2010/main" val="0"/>
-              </a:ext>
-            </a:extLst>
-          </a:blip>
-          <a:stretch>
-            <a:fillRect/>
-          </a:stretch>
-        </p:blipFill>
-        <p:spPr>
-          <a:xfrm>
-            <a:off x="508001" y="2321137"/>
-            <a:ext cx="7496520" cy="3748262"/>
-          </a:xfrm>
-          <a:prstGeom prst="rect">
-            <a:avLst/>
-          </a:prstGeom>
-        </p:spPr>
-      </p:pic>
+      <p:sp>
+        <p:nvSpPr>
+          <p:cNvPr id="9" name="TextBox 8"/>
+          <p:cNvSpPr txBox="1"/>
+          <p:nvPr/>
+        </p:nvSpPr>
+        <p:spPr>
+          <a:xfrm>
+            <a:off x="606464" y="1587712"/>
+            <a:ext cx="7118190" cy="666849"/>
+          </a:xfrm>
+          <a:prstGeom prst="rect">
+            <a:avLst/>
+          </a:prstGeom>
+          <a:noFill/>
+        </p:spPr>
+        <p:txBody>
+          <a:bodyPr wrap="square" rtlCol="0">
+            <a:spAutoFit/>
+          </a:bodyPr>
+          <a:lstStyle/>
+          <a:p>
+            <a:pPr>
+              <a:lnSpc>
+                <a:spcPct val="120000"/>
+              </a:lnSpc>
+            </a:pPr>
+            <a:r>
+              <a:rPr lang="en-US" sz="3200" b="1" dirty="0" smtClean="0">
+                <a:solidFill>
+                  <a:schemeClr val="accent2">
+                    <a:lumMod val="60000"/>
+                    <a:lumOff val="40000"/>
+                  </a:schemeClr>
+                </a:solidFill>
+                <a:latin typeface="Source Sans Pro ExtraLight"/>
+                <a:cs typeface="Source Sans Pro ExtraLight"/>
+              </a:rPr>
+              <a:t>JavaScript API for flows and regions</a:t>
+            </a:r>
+          </a:p>
+        </p:txBody>
+      </p:sp>
+      <p:sp>
+        <p:nvSpPr>
+          <p:cNvPr id="10" name="TextBox 9"/>
+          <p:cNvSpPr txBox="1"/>
+          <p:nvPr/>
+        </p:nvSpPr>
+        <p:spPr>
+          <a:xfrm>
+            <a:off x="606464" y="2845375"/>
+            <a:ext cx="8047044" cy="3046988"/>
+          </a:xfrm>
+          <a:prstGeom prst="rect">
+            <a:avLst/>
+          </a:prstGeom>
+          <a:noFill/>
+        </p:spPr>
+        <p:txBody>
+          <a:bodyPr wrap="square" rtlCol="0">
+            <a:spAutoFit/>
+          </a:bodyPr>
+          <a:lstStyle/>
+          <a:p>
+            <a:r>
+              <a:rPr lang="en-US" sz="3200" dirty="0" err="1" smtClean="0">
+                <a:solidFill>
+                  <a:schemeClr val="bg1"/>
+                </a:solidFill>
+                <a:latin typeface="Consolas"/>
+                <a:cs typeface="Consolas"/>
+              </a:rPr>
+              <a:t>document.getNamedFlows</a:t>
+            </a:r>
+            <a:r>
+              <a:rPr lang="en-US" sz="3200" dirty="0" smtClean="0">
+                <a:solidFill>
+                  <a:schemeClr val="bg1"/>
+                </a:solidFill>
+                <a:latin typeface="Consolas"/>
+                <a:cs typeface="Consolas"/>
+              </a:rPr>
+              <a:t>()[</a:t>
+            </a:r>
+            <a:r>
+              <a:rPr lang="en-US" sz="3200" dirty="0" smtClean="0">
+                <a:solidFill>
+                  <a:schemeClr val="accent3">
+                    <a:lumMod val="75000"/>
+                  </a:schemeClr>
+                </a:solidFill>
+                <a:latin typeface="Consolas"/>
+                <a:cs typeface="Consolas"/>
+              </a:rPr>
+              <a:t>‘</a:t>
+            </a:r>
+            <a:r>
+              <a:rPr lang="en-US" sz="3200" dirty="0" err="1" smtClean="0">
+                <a:solidFill>
+                  <a:schemeClr val="accent3">
+                    <a:lumMod val="75000"/>
+                  </a:schemeClr>
+                </a:solidFill>
+                <a:latin typeface="Consolas"/>
+                <a:cs typeface="Consolas"/>
+              </a:rPr>
+              <a:t>myFlow</a:t>
+            </a:r>
+            <a:r>
+              <a:rPr lang="en-US" sz="3200" dirty="0" smtClean="0">
+                <a:solidFill>
+                  <a:schemeClr val="accent3">
+                    <a:lumMod val="75000"/>
+                  </a:schemeClr>
+                </a:solidFill>
+                <a:latin typeface="Consolas"/>
+                <a:cs typeface="Consolas"/>
+              </a:rPr>
+              <a:t>’</a:t>
+            </a:r>
+            <a:r>
+              <a:rPr lang="en-US" sz="3200" dirty="0" smtClean="0">
+                <a:solidFill>
+                  <a:schemeClr val="bg1"/>
+                </a:solidFill>
+                <a:latin typeface="Consolas"/>
+                <a:cs typeface="Consolas"/>
+              </a:rPr>
+              <a:t>]</a:t>
+            </a:r>
+          </a:p>
+          <a:p>
+            <a:endParaRPr lang="en-US" sz="3200" dirty="0" smtClean="0">
+              <a:solidFill>
+                <a:schemeClr val="bg1"/>
+              </a:solidFill>
+              <a:latin typeface="Consolas"/>
+              <a:cs typeface="Consolas"/>
+            </a:endParaRPr>
+          </a:p>
+          <a:p>
+            <a:r>
+              <a:rPr lang="en-US" sz="3200" dirty="0" err="1" smtClean="0">
+                <a:solidFill>
+                  <a:schemeClr val="bg1"/>
+                </a:solidFill>
+                <a:latin typeface="Consolas"/>
+                <a:cs typeface="Consolas"/>
+              </a:rPr>
+              <a:t>myFlow.getRegions</a:t>
+            </a:r>
+            <a:r>
+              <a:rPr lang="en-US" sz="3200" dirty="0" smtClean="0">
+                <a:solidFill>
+                  <a:schemeClr val="bg1"/>
+                </a:solidFill>
+                <a:latin typeface="Consolas"/>
+                <a:cs typeface="Consolas"/>
+              </a:rPr>
+              <a:t>()</a:t>
+            </a:r>
+          </a:p>
+          <a:p>
+            <a:r>
+              <a:rPr lang="en-US" sz="3200" dirty="0" err="1" smtClean="0">
+                <a:solidFill>
+                  <a:schemeClr val="bg1"/>
+                </a:solidFill>
+                <a:latin typeface="Consolas"/>
+                <a:cs typeface="Consolas"/>
+              </a:rPr>
+              <a:t>myFlow.getContent</a:t>
+            </a:r>
+            <a:r>
+              <a:rPr lang="en-US" sz="3200" dirty="0" smtClean="0">
+                <a:solidFill>
+                  <a:schemeClr val="bg1"/>
+                </a:solidFill>
+                <a:latin typeface="Consolas"/>
+                <a:cs typeface="Consolas"/>
+              </a:rPr>
+              <a:t>()</a:t>
+            </a:r>
+          </a:p>
+          <a:p>
+            <a:r>
+              <a:rPr lang="en-US" sz="3200" dirty="0" err="1" smtClean="0">
+                <a:solidFill>
+                  <a:schemeClr val="bg1"/>
+                </a:solidFill>
+                <a:latin typeface="Consolas"/>
+                <a:cs typeface="Consolas"/>
+              </a:rPr>
+              <a:t>myFlow.overset</a:t>
+            </a:r>
+            <a:endParaRPr lang="en-US" sz="3200" dirty="0" smtClean="0">
+              <a:solidFill>
+                <a:schemeClr val="bg1"/>
+              </a:solidFill>
+              <a:latin typeface="Consolas"/>
+              <a:cs typeface="Consolas"/>
+            </a:endParaRPr>
+          </a:p>
+          <a:p>
+            <a:endParaRPr lang="en-US" sz="3200" dirty="0">
+              <a:solidFill>
+                <a:schemeClr val="bg1"/>
+              </a:solidFill>
+              <a:latin typeface="Consolas"/>
+              <a:cs typeface="Consolas"/>
+            </a:endParaRPr>
+          </a:p>
+        </p:txBody>
+      </p:sp>
     </p:spTree>
     <p:extLst>
       <p:ext uri="{BB962C8B-B14F-4D97-AF65-F5344CB8AC3E}">
-        <p14:creationId xmlns:p14="http://schemas.microsoft.com/office/powerpoint/2010/main" val="1332803743"/>
+        <p14:creationId xmlns:p14="http://schemas.microsoft.com/office/powerpoint/2010/main" val="1274794363"/>
       </p:ext>
     </p:extLst>
   </p:cSld>
@@ -22408,8 +22264,8 @@
         </p:nvSpPr>
         <p:spPr>
           <a:xfrm>
-            <a:off x="606464" y="320215"/>
-            <a:ext cx="7555301" cy="830997"/>
+            <a:off x="688107" y="756262"/>
+            <a:ext cx="7555301" cy="1569660"/>
           </a:xfrm>
           <a:prstGeom prst="rect">
             <a:avLst/>
@@ -22430,7 +22286,26 @@
                 <a:latin typeface="Source Sans Pro Semibold"/>
                 <a:cs typeface="Source Sans Pro Semibold"/>
               </a:rPr>
-              <a:t>Browser support</a:t>
+              <a:t>Responsive Menu </a:t>
+            </a:r>
+            <a:br>
+              <a:rPr lang="en-US" sz="4800" b="1" dirty="0" smtClean="0">
+                <a:solidFill>
+                  <a:schemeClr val="bg1"/>
+                </a:solidFill>
+                <a:latin typeface="Source Sans Pro Semibold"/>
+                <a:cs typeface="Source Sans Pro Semibold"/>
+              </a:rPr>
+            </a:br>
+            <a:r>
+              <a:rPr lang="en-US" sz="4800" b="1" dirty="0" smtClean="0">
+                <a:solidFill>
+                  <a:schemeClr val="bg1"/>
+                </a:solidFill>
+                <a:latin typeface="Source Sans Pro Semibold"/>
+                <a:cs typeface="Source Sans Pro Semibold"/>
+              </a:rPr>
+              <a:t>with CSS Regions</a:t>
             </a:r>
             <a:endParaRPr lang="en-US" sz="4800" b="1" dirty="0">
               <a:solidFill>
@@ -22442,183 +22317,18 @@
           </a:p>
         </p:txBody>
       </p:sp>
-      <p:pic>
-        <p:nvPicPr>
-          <p:cNvPr id="9" name="Picture 8" descr="internet-explorer_256x256.png"/>
-          <p:cNvPicPr>
-            <a:picLocks noChangeAspect="1"/>
-          </p:cNvPicPr>
-          <p:nvPr/>
-        </p:nvPicPr>
-        <p:blipFill>
-          <a:blip r:embed="rId2">
-            <a:extLst>
-              <a:ext uri="{28A0092B-C50C-407E-A947-70E740481C1C}">
-                <a14:useLocalDpi xmlns:a14="http://schemas.microsoft.com/office/drawing/2010/main" val="0"/>
-              </a:ext>
-            </a:extLst>
-          </a:blip>
-          <a:stretch>
-            <a:fillRect/>
-          </a:stretch>
-        </p:blipFill>
-        <p:spPr>
-          <a:xfrm>
-            <a:off x="5186470" y="4800878"/>
-            <a:ext cx="1199165" cy="1199165"/>
-          </a:xfrm>
-          <a:prstGeom prst="rect">
-            <a:avLst/>
-          </a:prstGeom>
-        </p:spPr>
-      </p:pic>
-      <p:pic>
-        <p:nvPicPr>
-          <p:cNvPr id="11" name="Picture 10" descr="safari-ios_256x256.png"/>
-          <p:cNvPicPr>
-            <a:picLocks noChangeAspect="1"/>
-          </p:cNvPicPr>
-          <p:nvPr/>
-        </p:nvPicPr>
-        <p:blipFill>
-          <a:blip r:embed="rId3">
-            <a:extLst>
-              <a:ext uri="{28A0092B-C50C-407E-A947-70E740481C1C}">
-                <a14:useLocalDpi xmlns:a14="http://schemas.microsoft.com/office/drawing/2010/main" val="0"/>
-              </a:ext>
-            </a:extLst>
-          </a:blip>
-          <a:stretch>
-            <a:fillRect/>
-          </a:stretch>
-        </p:blipFill>
-        <p:spPr>
-          <a:xfrm>
-            <a:off x="638258" y="1872468"/>
-            <a:ext cx="1718303" cy="1718303"/>
-          </a:xfrm>
-          <a:prstGeom prst="rect">
-            <a:avLst/>
-          </a:prstGeom>
-        </p:spPr>
-      </p:pic>
-      <p:pic>
-        <p:nvPicPr>
-          <p:cNvPr id="12" name="Picture 11" descr="chrome_256x256.png"/>
-          <p:cNvPicPr>
-            <a:picLocks noChangeAspect="1"/>
-          </p:cNvPicPr>
-          <p:nvPr/>
-        </p:nvPicPr>
-        <p:blipFill>
-          <a:blip r:embed="rId4">
-            <a:extLst>
-              <a:ext uri="{28A0092B-C50C-407E-A947-70E740481C1C}">
-                <a14:useLocalDpi xmlns:a14="http://schemas.microsoft.com/office/drawing/2010/main" val="0"/>
-              </a:ext>
-            </a:extLst>
-          </a:blip>
-          <a:stretch>
-            <a:fillRect/>
-          </a:stretch>
-        </p:blipFill>
-        <p:spPr>
-          <a:xfrm>
-            <a:off x="945958" y="4800878"/>
-            <a:ext cx="1215932" cy="1215932"/>
-          </a:xfrm>
-          <a:prstGeom prst="rect">
-            <a:avLst/>
-          </a:prstGeom>
-        </p:spPr>
-      </p:pic>
-      <p:pic>
-        <p:nvPicPr>
-          <p:cNvPr id="13" name="Picture 12" descr="opera_256x256.png"/>
-          <p:cNvPicPr>
-            <a:picLocks noChangeAspect="1"/>
-          </p:cNvPicPr>
-          <p:nvPr/>
-        </p:nvPicPr>
-        <p:blipFill>
-          <a:blip r:embed="rId5">
-            <a:extLst>
-              <a:ext uri="{28A0092B-C50C-407E-A947-70E740481C1C}">
-                <a14:useLocalDpi xmlns:a14="http://schemas.microsoft.com/office/drawing/2010/main" val="0"/>
-              </a:ext>
-            </a:extLst>
-          </a:blip>
-          <a:stretch>
-            <a:fillRect/>
-          </a:stretch>
-        </p:blipFill>
-        <p:spPr>
-          <a:xfrm>
-            <a:off x="2651590" y="4800878"/>
-            <a:ext cx="1215932" cy="1215932"/>
-          </a:xfrm>
-          <a:prstGeom prst="rect">
-            <a:avLst/>
-          </a:prstGeom>
-        </p:spPr>
-      </p:pic>
-      <p:sp>
-        <p:nvSpPr>
-          <p:cNvPr id="18" name="Rectangle 17"/>
-          <p:cNvSpPr/>
-          <p:nvPr/>
-        </p:nvSpPr>
-        <p:spPr>
-          <a:xfrm>
-            <a:off x="670052" y="4561278"/>
-            <a:ext cx="3579731" cy="1659455"/>
-          </a:xfrm>
-          <a:prstGeom prst="rect">
-            <a:avLst/>
-          </a:prstGeom>
-          <a:noFill/>
-          <a:ln w="38100" cmpd="sng">
-            <a:solidFill>
-              <a:schemeClr val="accent4">
-                <a:lumMod val="75000"/>
-              </a:schemeClr>
-            </a:solidFill>
-          </a:ln>
-          <a:effectLst/>
-        </p:spPr>
-        <p:style>
-          <a:lnRef idx="1">
-            <a:schemeClr val="accent1"/>
-          </a:lnRef>
-          <a:fillRef idx="3">
-            <a:schemeClr val="accent1"/>
-          </a:fillRef>
-          <a:effectRef idx="2">
-            <a:schemeClr val="accent1"/>
-          </a:effectRef>
-          <a:fontRef idx="minor">
-            <a:schemeClr val="lt1"/>
-          </a:fontRef>
-        </p:style>
-        <p:txBody>
-          <a:bodyPr rtlCol="0" anchor="ctr"/>
-          <a:lstStyle/>
-          <a:p>
-            <a:pPr algn="ctr"/>
-            <a:endParaRPr lang="en-US"/>
-          </a:p>
-        </p:txBody>
-      </p:sp>
-      <p:sp>
-        <p:nvSpPr>
-          <p:cNvPr id="20" name="TextBox 19"/>
+      <p:sp>
+        <p:nvSpPr>
+          <p:cNvPr id="9" name="TextBox 8">
+            <a:hlinkClick r:id="rId2"/>
+          </p:cNvPr>
           <p:cNvSpPr txBox="1"/>
           <p:nvPr/>
         </p:nvSpPr>
         <p:spPr>
           <a:xfrm>
-            <a:off x="6700430" y="5095842"/>
-            <a:ext cx="1625600" cy="646331"/>
+            <a:off x="688107" y="2413212"/>
+            <a:ext cx="6442036" cy="810478"/>
           </a:xfrm>
           <a:prstGeom prst="rect">
             <a:avLst/>
@@ -22631,25 +22341,54 @@
           </a:bodyPr>
           <a:lstStyle/>
           <a:p>
-            <a:r>
-              <a:rPr lang="en-US" sz="3600" b="1" dirty="0" smtClean="0">
-                <a:solidFill>
-                  <a:schemeClr val="accent4">
-                    <a:lumMod val="60000"/>
-                    <a:lumOff val="40000"/>
-                  </a:schemeClr>
+            <a:pPr>
+              <a:lnSpc>
+                <a:spcPct val="120000"/>
+              </a:lnSpc>
+            </a:pPr>
+            <a:r>
+              <a:rPr lang="en-US" sz="4000" b="1" u="sng" dirty="0">
+                <a:solidFill>
+                  <a:srgbClr val="95B3D7"/>
                 </a:solidFill>
                 <a:latin typeface="Source Sans Pro ExtraLight"/>
                 <a:cs typeface="Source Sans Pro ExtraLight"/>
               </a:rPr>
-              <a:t>IE 10</a:t>
-            </a:r>
-            <a:endParaRPr lang="en-US" sz="3600" b="1" dirty="0">
+              <a:t>http://</a:t>
+            </a:r>
+            <a:r>
+              <a:rPr lang="en-US" sz="4000" b="1" u="sng" dirty="0" err="1">
+                <a:solidFill>
+                  <a:srgbClr val="95B3D7"/>
+                </a:solidFill>
+                <a:latin typeface="Source Sans Pro ExtraLight"/>
+                <a:cs typeface="Source Sans Pro ExtraLight"/>
+              </a:rPr>
+              <a:t>cdpn.io</a:t>
+            </a:r>
+            <a:r>
+              <a:rPr lang="en-US" sz="4000" b="1" u="sng" dirty="0">
+                <a:solidFill>
+                  <a:srgbClr val="95B3D7"/>
+                </a:solidFill>
+                <a:latin typeface="Source Sans Pro ExtraLight"/>
+                <a:cs typeface="Source Sans Pro ExtraLight"/>
+              </a:rPr>
+              <a:t>/</a:t>
+            </a:r>
+            <a:r>
+              <a:rPr lang="en-US" sz="4000" b="1" u="sng" dirty="0" err="1">
+                <a:solidFill>
+                  <a:srgbClr val="95B3D7"/>
+                </a:solidFill>
+                <a:latin typeface="Source Sans Pro ExtraLight"/>
+                <a:cs typeface="Source Sans Pro ExtraLight"/>
+              </a:rPr>
+              <a:t>tdHEg</a:t>
+            </a:r>
+            <a:endParaRPr lang="en-US" sz="4000" b="1" u="sng" dirty="0" smtClean="0">
               <a:solidFill>
-                <a:schemeClr val="accent4">
-                  <a:lumMod val="60000"/>
-                  <a:lumOff val="40000"/>
-                </a:schemeClr>
+                <a:srgbClr val="95B3D7"/>
               </a:solidFill>
               <a:latin typeface="Source Sans Pro ExtraLight"/>
               <a:cs typeface="Source Sans Pro ExtraLight"/>
@@ -22657,257 +22396,10 @@
           </a:p>
         </p:txBody>
       </p:sp>
-      <p:sp>
-        <p:nvSpPr>
-          <p:cNvPr id="22" name="TextBox 21"/>
-          <p:cNvSpPr txBox="1"/>
-          <p:nvPr/>
-        </p:nvSpPr>
-        <p:spPr>
-          <a:xfrm>
-            <a:off x="638258" y="3936861"/>
-            <a:ext cx="3611525" cy="523220"/>
-          </a:xfrm>
-          <a:prstGeom prst="rect">
-            <a:avLst/>
-          </a:prstGeom>
-          <a:noFill/>
-        </p:spPr>
-        <p:txBody>
-          <a:bodyPr wrap="square" rtlCol="0">
-            <a:spAutoFit/>
-          </a:bodyPr>
-          <a:lstStyle/>
-          <a:p>
-            <a:r>
-              <a:rPr lang="en-US" sz="2800" b="1" dirty="0">
-                <a:solidFill>
-                  <a:schemeClr val="accent4">
-                    <a:lumMod val="60000"/>
-                    <a:lumOff val="40000"/>
-                  </a:schemeClr>
-                </a:solidFill>
-                <a:latin typeface="Source Sans Pro ExtraLight"/>
-                <a:cs typeface="Source Sans Pro ExtraLight"/>
-              </a:rPr>
-              <a:t>b</a:t>
-            </a:r>
-            <a:r>
-              <a:rPr lang="en-US" sz="2800" b="1" dirty="0" smtClean="0">
-                <a:solidFill>
-                  <a:schemeClr val="accent4">
-                    <a:lumMod val="60000"/>
-                    <a:lumOff val="40000"/>
-                  </a:schemeClr>
-                </a:solidFill>
-                <a:latin typeface="Source Sans Pro ExtraLight"/>
-                <a:cs typeface="Source Sans Pro ExtraLight"/>
-              </a:rPr>
-              <a:t>ehind chrome://flags</a:t>
-            </a:r>
-            <a:endParaRPr lang="en-US" sz="2800" b="1" dirty="0">
-              <a:solidFill>
-                <a:schemeClr val="accent4">
-                  <a:lumMod val="60000"/>
-                  <a:lumOff val="40000"/>
-                </a:schemeClr>
-              </a:solidFill>
-              <a:latin typeface="Source Sans Pro ExtraLight"/>
-              <a:cs typeface="Source Sans Pro ExtraLight"/>
-            </a:endParaRPr>
-          </a:p>
-        </p:txBody>
-      </p:sp>
-      <p:pic>
-        <p:nvPicPr>
-          <p:cNvPr id="15" name="Picture 14" descr="safari_256x256.png"/>
-          <p:cNvPicPr>
-            <a:picLocks noChangeAspect="1"/>
-          </p:cNvPicPr>
-          <p:nvPr/>
-        </p:nvPicPr>
-        <p:blipFill>
-          <a:blip r:embed="rId6">
-            <a:extLst>
-              <a:ext uri="{28A0092B-C50C-407E-A947-70E740481C1C}">
-                <a14:useLocalDpi xmlns:a14="http://schemas.microsoft.com/office/drawing/2010/main" val="0"/>
-              </a:ext>
-            </a:extLst>
-          </a:blip>
-          <a:stretch>
-            <a:fillRect/>
-          </a:stretch>
-        </p:blipFill>
-        <p:spPr>
-          <a:xfrm>
-            <a:off x="2663505" y="1787173"/>
-            <a:ext cx="1803598" cy="1803598"/>
-          </a:xfrm>
-          <a:prstGeom prst="rect">
-            <a:avLst/>
-          </a:prstGeom>
-        </p:spPr>
-      </p:pic>
-      <p:sp>
-        <p:nvSpPr>
-          <p:cNvPr id="23" name="TextBox 22"/>
-          <p:cNvSpPr txBox="1"/>
-          <p:nvPr/>
-        </p:nvSpPr>
-        <p:spPr>
-          <a:xfrm>
-            <a:off x="4714505" y="3931172"/>
-            <a:ext cx="3611525" cy="523220"/>
-          </a:xfrm>
-          <a:prstGeom prst="rect">
-            <a:avLst/>
-          </a:prstGeom>
-          <a:noFill/>
-        </p:spPr>
-        <p:txBody>
-          <a:bodyPr wrap="square" rtlCol="0">
-            <a:spAutoFit/>
-          </a:bodyPr>
-          <a:lstStyle/>
-          <a:p>
-            <a:r>
-              <a:rPr lang="en-US" sz="2800" b="1" dirty="0">
-                <a:solidFill>
-                  <a:schemeClr val="accent4">
-                    <a:lumMod val="60000"/>
-                    <a:lumOff val="40000"/>
-                  </a:schemeClr>
-                </a:solidFill>
-                <a:latin typeface="Source Sans Pro ExtraLight"/>
-                <a:cs typeface="Source Sans Pro ExtraLight"/>
-              </a:rPr>
-              <a:t>o</a:t>
-            </a:r>
-            <a:r>
-              <a:rPr lang="en-US" sz="2800" b="1" dirty="0" smtClean="0">
-                <a:solidFill>
-                  <a:schemeClr val="accent4">
-                    <a:lumMod val="60000"/>
-                    <a:lumOff val="40000"/>
-                  </a:schemeClr>
-                </a:solidFill>
-                <a:latin typeface="Source Sans Pro ExtraLight"/>
-                <a:cs typeface="Source Sans Pro ExtraLight"/>
-              </a:rPr>
-              <a:t>lder implementation</a:t>
-            </a:r>
-            <a:endParaRPr lang="en-US" sz="2800" b="1" dirty="0">
-              <a:solidFill>
-                <a:schemeClr val="accent4">
-                  <a:lumMod val="60000"/>
-                  <a:lumOff val="40000"/>
-                </a:schemeClr>
-              </a:solidFill>
-              <a:latin typeface="Source Sans Pro ExtraLight"/>
-              <a:cs typeface="Source Sans Pro ExtraLight"/>
-            </a:endParaRPr>
-          </a:p>
-        </p:txBody>
-      </p:sp>
-      <p:sp>
-        <p:nvSpPr>
-          <p:cNvPr id="24" name="TextBox 23"/>
-          <p:cNvSpPr txBox="1"/>
-          <p:nvPr/>
-        </p:nvSpPr>
-        <p:spPr>
-          <a:xfrm>
-            <a:off x="670052" y="1263953"/>
-            <a:ext cx="3611525" cy="523220"/>
-          </a:xfrm>
-          <a:prstGeom prst="rect">
-            <a:avLst/>
-          </a:prstGeom>
-          <a:noFill/>
-        </p:spPr>
-        <p:txBody>
-          <a:bodyPr wrap="square" rtlCol="0">
-            <a:spAutoFit/>
-          </a:bodyPr>
-          <a:lstStyle/>
-          <a:p>
-            <a:r>
-              <a:rPr lang="en-US" sz="2800" b="1" dirty="0" smtClean="0">
-                <a:solidFill>
-                  <a:schemeClr val="accent4">
-                    <a:lumMod val="60000"/>
-                    <a:lumOff val="40000"/>
-                  </a:schemeClr>
-                </a:solidFill>
-                <a:latin typeface="Source Sans Pro ExtraLight"/>
-                <a:cs typeface="Source Sans Pro ExtraLight"/>
-              </a:rPr>
-              <a:t>enabled by default</a:t>
-            </a:r>
-            <a:endParaRPr lang="en-US" sz="2800" b="1" dirty="0">
-              <a:solidFill>
-                <a:schemeClr val="accent4">
-                  <a:lumMod val="60000"/>
-                  <a:lumOff val="40000"/>
-                </a:schemeClr>
-              </a:solidFill>
-              <a:latin typeface="Source Sans Pro ExtraLight"/>
-              <a:cs typeface="Source Sans Pro ExtraLight"/>
-            </a:endParaRPr>
-          </a:p>
-        </p:txBody>
-      </p:sp>
-      <p:sp>
-        <p:nvSpPr>
-          <p:cNvPr id="25" name="Rectangle 24"/>
-          <p:cNvSpPr/>
-          <p:nvPr/>
-        </p:nvSpPr>
-        <p:spPr>
-          <a:xfrm>
-            <a:off x="4746299" y="4561278"/>
-            <a:ext cx="3579731" cy="1659455"/>
-          </a:xfrm>
-          <a:prstGeom prst="rect">
-            <a:avLst/>
-          </a:prstGeom>
-          <a:noFill/>
-          <a:ln w="38100" cmpd="sng">
-            <a:solidFill>
-              <a:schemeClr val="accent4">
-                <a:lumMod val="75000"/>
-              </a:schemeClr>
-            </a:solidFill>
-          </a:ln>
-          <a:effectLst/>
-        </p:spPr>
-        <p:style>
-          <a:lnRef idx="1">
-            <a:schemeClr val="accent1"/>
-          </a:lnRef>
-          <a:fillRef idx="3">
-            <a:schemeClr val="accent1"/>
-          </a:fillRef>
-          <a:effectRef idx="2">
-            <a:schemeClr val="accent1"/>
-          </a:effectRef>
-          <a:fontRef idx="minor">
-            <a:schemeClr val="lt1"/>
-          </a:fontRef>
-        </p:style>
-        <p:txBody>
-          <a:bodyPr rtlCol="0" anchor="ctr"/>
-          <a:lstStyle/>
-          <a:p>
-            <a:pPr algn="ctr"/>
-            <a:endParaRPr lang="en-US"/>
-          </a:p>
-        </p:txBody>
-      </p:sp>
     </p:spTree>
     <p:extLst>
       <p:ext uri="{BB962C8B-B14F-4D97-AF65-F5344CB8AC3E}">
-        <p14:creationId xmlns:p14="http://schemas.microsoft.com/office/powerpoint/2010/main" val="4219117616"/>
+        <p14:creationId xmlns:p14="http://schemas.microsoft.com/office/powerpoint/2010/main" val="420827969"/>
       </p:ext>
     </p:extLst>
   </p:cSld>
@@ -23010,13 +22502,13 @@
       </p:grpSpPr>
       <p:sp>
         <p:nvSpPr>
-          <p:cNvPr id="4" name="TextBox 3"/>
+          <p:cNvPr id="6" name="TextBox 5"/>
           <p:cNvSpPr txBox="1"/>
           <p:nvPr/>
         </p:nvSpPr>
         <p:spPr>
           <a:xfrm>
-            <a:off x="606464" y="2075289"/>
+            <a:off x="688107" y="756262"/>
             <a:ext cx="7555301" cy="1569660"/>
           </a:xfrm>
           <a:prstGeom prst="rect">
@@ -23031,26 +22523,35 @@
           <a:lstStyle/>
           <a:p>
             <a:r>
-              <a:rPr lang="en-US" sz="9600" b="1" spc="-300" dirty="0" smtClean="0">
+              <a:rPr lang="en-US" sz="4800" b="1" dirty="0" smtClean="0">
                 <a:solidFill>
                   <a:schemeClr val="bg1"/>
                 </a:solidFill>
                 <a:latin typeface="Source Sans Pro Semibold"/>
                 <a:cs typeface="Source Sans Pro Semibold"/>
               </a:rPr>
-              <a:t>CSS</a:t>
-            </a:r>
-            <a:r>
-              <a:rPr lang="en-US" sz="9600" b="1" spc="-300" dirty="0" smtClean="0">
+              <a:t>Adaptive UI </a:t>
+            </a:r>
+            <a:br>
+              <a:rPr lang="en-US" sz="4800" b="1" dirty="0" smtClean="0">
                 <a:solidFill>
                   <a:schemeClr val="bg1"/>
                 </a:solidFill>
-                <a:latin typeface="Helvetica Neue"/>
-                <a:cs typeface="Helvetica Neue"/>
-              </a:rPr>
-              <a:t> Shapes</a:t>
-            </a:r>
-            <a:endParaRPr lang="en-US" sz="9600" b="1" spc="-300" dirty="0">
+                <a:latin typeface="Source Sans Pro Semibold"/>
+                <a:cs typeface="Source Sans Pro Semibold"/>
+              </a:rPr>
+            </a:br>
+            <a:r>
+              <a:rPr lang="en-US" sz="4800" b="1" dirty="0" smtClean="0">
+                <a:solidFill>
+                  <a:schemeClr val="bg1"/>
+                </a:solidFill>
+                <a:latin typeface="Source Sans Pro Semibold"/>
+                <a:cs typeface="Source Sans Pro Semibold"/>
+              </a:rPr>
+              <a:t>with CSS Regions</a:t>
+            </a:r>
+            <a:endParaRPr lang="en-US" sz="4800" b="1" dirty="0">
               <a:solidFill>
                 <a:schemeClr val="bg1"/>
               </a:solidFill>
@@ -23060,76 +22561,42 @@
           </a:p>
         </p:txBody>
       </p:sp>
-      <p:sp>
-        <p:nvSpPr>
-          <p:cNvPr id="6" name="TextBox 5"/>
-          <p:cNvSpPr txBox="1"/>
-          <p:nvPr/>
-        </p:nvSpPr>
-        <p:spPr>
-          <a:xfrm>
-            <a:off x="606464" y="3614873"/>
-            <a:ext cx="7555301" cy="1298817"/>
-          </a:xfrm>
-          <a:prstGeom prst="rect">
-            <a:avLst/>
-          </a:prstGeom>
-          <a:noFill/>
-        </p:spPr>
-        <p:txBody>
-          <a:bodyPr wrap="square" rtlCol="0">
-            <a:spAutoFit/>
-          </a:bodyPr>
-          <a:lstStyle/>
-          <a:p>
-            <a:pPr>
-              <a:lnSpc>
-                <a:spcPct val="80000"/>
-              </a:lnSpc>
-            </a:pPr>
-            <a:r>
-              <a:rPr lang="en-US" sz="4800" b="1" dirty="0">
-                <a:solidFill>
-                  <a:schemeClr val="accent2">
-                    <a:lumMod val="60000"/>
-                    <a:lumOff val="40000"/>
-                  </a:schemeClr>
-                </a:solidFill>
-                <a:latin typeface="Source Sans Pro ExtraLight"/>
-                <a:cs typeface="Source Sans Pro ExtraLight"/>
-              </a:rPr>
-              <a:t>w</a:t>
-            </a:r>
-            <a:r>
-              <a:rPr lang="en-US" sz="4800" b="1" dirty="0" smtClean="0">
-                <a:solidFill>
-                  <a:schemeClr val="accent2">
-                    <a:lumMod val="60000"/>
-                    <a:lumOff val="40000"/>
-                  </a:schemeClr>
-                </a:solidFill>
-                <a:latin typeface="Source Sans Pro ExtraLight"/>
-                <a:cs typeface="Source Sans Pro ExtraLight"/>
-              </a:rPr>
-              <a:t>rap content inside and around custom shapes</a:t>
-            </a:r>
-            <a:endParaRPr lang="en-US" sz="4800" b="1" dirty="0">
-              <a:solidFill>
-                <a:schemeClr val="accent2">
-                  <a:lumMod val="60000"/>
-                  <a:lumOff val="40000"/>
-                </a:schemeClr>
-              </a:solidFill>
-              <a:latin typeface="Source Sans Pro ExtraLight"/>
-              <a:cs typeface="Source Sans Pro ExtraLight"/>
-            </a:endParaRPr>
-          </a:p>
-        </p:txBody>
-      </p:sp>
+      <p:pic>
+        <p:nvPicPr>
+          <p:cNvPr id="2" name="Picture 1" descr="adaptve-ui-regions-illustration.png">
+            <a:hlinkClick r:id="rId2"/>
+          </p:cNvPr>
+          <p:cNvPicPr>
+            <a:picLocks noChangeAspect="1"/>
+          </p:cNvPicPr>
+          <p:nvPr/>
+        </p:nvPicPr>
+        <p:blipFill>
+          <a:blip r:embed="rId3">
+            <a:extLst>
+              <a:ext uri="{28A0092B-C50C-407E-A947-70E740481C1C}">
+                <a14:useLocalDpi xmlns:a14="http://schemas.microsoft.com/office/drawing/2010/main" val="0"/>
+              </a:ext>
+            </a:extLst>
+          </a:blip>
+          <a:stretch>
+            <a:fillRect/>
+          </a:stretch>
+        </p:blipFill>
+        <p:spPr>
+          <a:xfrm>
+            <a:off x="508001" y="2321137"/>
+            <a:ext cx="7496520" cy="3748262"/>
+          </a:xfrm>
+          <a:prstGeom prst="rect">
+            <a:avLst/>
+          </a:prstGeom>
+        </p:spPr>
+      </p:pic>
     </p:spTree>
     <p:extLst>
       <p:ext uri="{BB962C8B-B14F-4D97-AF65-F5344CB8AC3E}">
-        <p14:creationId xmlns:p14="http://schemas.microsoft.com/office/powerpoint/2010/main" val="3185425703"/>
+        <p14:creationId xmlns:p14="http://schemas.microsoft.com/office/powerpoint/2010/main" val="1332803743"/>
       </p:ext>
     </p:extLst>
   </p:cSld>
@@ -23165,9 +22632,183 @@
       </p:grpSpPr>
       <p:pic>
         <p:nvPicPr>
-          <p:cNvPr id="2" name="Picture 1" descr="csstricks-shapes.png">
-            <a:hlinkClick r:id="rId2"/>
-          </p:cNvPr>
+          <p:cNvPr id="21" name="Picture 20" descr="opera_256x256.png"/>
+          <p:cNvPicPr>
+            <a:picLocks noChangeAspect="1"/>
+          </p:cNvPicPr>
+          <p:nvPr/>
+        </p:nvPicPr>
+        <p:blipFill>
+          <a:blip r:embed="rId2">
+            <a:duotone>
+              <a:schemeClr val="bg2">
+                <a:shade val="45000"/>
+                <a:satMod val="135000"/>
+              </a:schemeClr>
+              <a:prstClr val="white"/>
+            </a:duotone>
+            <a:extLst>
+              <a:ext uri="{28A0092B-C50C-407E-A947-70E740481C1C}">
+                <a14:useLocalDpi xmlns:a14="http://schemas.microsoft.com/office/drawing/2010/main" val="0"/>
+              </a:ext>
+            </a:extLst>
+          </a:blip>
+          <a:stretch>
+            <a:fillRect/>
+          </a:stretch>
+        </p:blipFill>
+        <p:spPr>
+          <a:xfrm>
+            <a:off x="2651590" y="4795869"/>
+            <a:ext cx="1215932" cy="1215932"/>
+          </a:xfrm>
+          <a:prstGeom prst="rect">
+            <a:avLst/>
+          </a:prstGeom>
+        </p:spPr>
+      </p:pic>
+      <p:pic>
+        <p:nvPicPr>
+          <p:cNvPr id="19" name="Picture 18" descr="chrome_256x256.png"/>
+          <p:cNvPicPr>
+            <a:picLocks noChangeAspect="1"/>
+          </p:cNvPicPr>
+          <p:nvPr/>
+        </p:nvPicPr>
+        <p:blipFill>
+          <a:blip r:embed="rId3">
+            <a:duotone>
+              <a:schemeClr val="bg2">
+                <a:shade val="45000"/>
+                <a:satMod val="135000"/>
+              </a:schemeClr>
+              <a:prstClr val="white"/>
+            </a:duotone>
+            <a:extLst>
+              <a:ext uri="{28A0092B-C50C-407E-A947-70E740481C1C}">
+                <a14:useLocalDpi xmlns:a14="http://schemas.microsoft.com/office/drawing/2010/main" val="0"/>
+              </a:ext>
+            </a:extLst>
+          </a:blip>
+          <a:stretch>
+            <a:fillRect/>
+          </a:stretch>
+        </p:blipFill>
+        <p:spPr>
+          <a:xfrm>
+            <a:off x="922440" y="4811774"/>
+            <a:ext cx="1215932" cy="1215932"/>
+          </a:xfrm>
+          <a:prstGeom prst="rect">
+            <a:avLst/>
+          </a:prstGeom>
+        </p:spPr>
+      </p:pic>
+      <p:sp>
+        <p:nvSpPr>
+          <p:cNvPr id="6" name="TextBox 5"/>
+          <p:cNvSpPr txBox="1"/>
+          <p:nvPr/>
+        </p:nvSpPr>
+        <p:spPr>
+          <a:xfrm>
+            <a:off x="606464" y="320215"/>
+            <a:ext cx="7555301" cy="830997"/>
+          </a:xfrm>
+          <a:prstGeom prst="rect">
+            <a:avLst/>
+          </a:prstGeom>
+          <a:noFill/>
+        </p:spPr>
+        <p:txBody>
+          <a:bodyPr wrap="square" rtlCol="0">
+            <a:spAutoFit/>
+          </a:bodyPr>
+          <a:lstStyle/>
+          <a:p>
+            <a:r>
+              <a:rPr lang="en-US" sz="4800" b="1" dirty="0" smtClean="0">
+                <a:solidFill>
+                  <a:schemeClr val="bg1"/>
+                </a:solidFill>
+                <a:latin typeface="Source Sans Pro Semibold"/>
+                <a:cs typeface="Source Sans Pro Semibold"/>
+              </a:rPr>
+              <a:t>Browser support</a:t>
+            </a:r>
+            <a:endParaRPr lang="en-US" sz="4800" b="1" dirty="0">
+              <a:solidFill>
+                <a:schemeClr val="bg1"/>
+              </a:solidFill>
+              <a:latin typeface="Helvetica Neue"/>
+              <a:cs typeface="Helvetica Neue"/>
+            </a:endParaRPr>
+          </a:p>
+        </p:txBody>
+      </p:sp>
+      <p:pic>
+        <p:nvPicPr>
+          <p:cNvPr id="9" name="Picture 8" descr="internet-explorer_256x256.png"/>
+          <p:cNvPicPr>
+            <a:picLocks noChangeAspect="1"/>
+          </p:cNvPicPr>
+          <p:nvPr/>
+        </p:nvPicPr>
+        <p:blipFill>
+          <a:blip r:embed="rId4">
+            <a:extLst>
+              <a:ext uri="{28A0092B-C50C-407E-A947-70E740481C1C}">
+                <a14:useLocalDpi xmlns:a14="http://schemas.microsoft.com/office/drawing/2010/main" val="0"/>
+              </a:ext>
+            </a:extLst>
+          </a:blip>
+          <a:stretch>
+            <a:fillRect/>
+          </a:stretch>
+        </p:blipFill>
+        <p:spPr>
+          <a:xfrm>
+            <a:off x="5186470" y="4800878"/>
+            <a:ext cx="1199165" cy="1199165"/>
+          </a:xfrm>
+          <a:prstGeom prst="rect">
+            <a:avLst/>
+          </a:prstGeom>
+        </p:spPr>
+      </p:pic>
+      <p:pic>
+        <p:nvPicPr>
+          <p:cNvPr id="11" name="Picture 10" descr="safari-ios_256x256.png"/>
+          <p:cNvPicPr>
+            <a:picLocks noChangeAspect="1"/>
+          </p:cNvPicPr>
+          <p:nvPr/>
+        </p:nvPicPr>
+        <p:blipFill>
+          <a:blip r:embed="rId5">
+            <a:extLst>
+              <a:ext uri="{28A0092B-C50C-407E-A947-70E740481C1C}">
+                <a14:useLocalDpi xmlns:a14="http://schemas.microsoft.com/office/drawing/2010/main" val="0"/>
+              </a:ext>
+            </a:extLst>
+          </a:blip>
+          <a:stretch>
+            <a:fillRect/>
+          </a:stretch>
+        </p:blipFill>
+        <p:spPr>
+          <a:xfrm>
+            <a:off x="638258" y="1872468"/>
+            <a:ext cx="1718303" cy="1718303"/>
+          </a:xfrm>
+          <a:prstGeom prst="rect">
+            <a:avLst/>
+          </a:prstGeom>
+        </p:spPr>
+      </p:pic>
+      <p:pic>
+        <p:nvPicPr>
+          <p:cNvPr id="12" name="Picture 11" descr="chrome_256x256.png"/>
           <p:cNvPicPr>
             <a:picLocks noChangeAspect="1"/>
           </p:cNvPicPr>
@@ -23187,18 +22828,390 @@
         </p:blipFill>
         <p:spPr>
           <a:xfrm>
-            <a:off x="-777204" y="0"/>
-            <a:ext cx="10793190" cy="6965804"/>
-          </a:xfrm>
-          <a:prstGeom prst="rect">
+            <a:off x="934199" y="4812636"/>
+            <a:ext cx="1215932" cy="1215932"/>
+          </a:xfrm>
+          <a:prstGeom prst="rtTriangle">
             <a:avLst/>
           </a:prstGeom>
         </p:spPr>
       </p:pic>
+      <p:pic>
+        <p:nvPicPr>
+          <p:cNvPr id="13" name="Picture 12" descr="opera_256x256.png"/>
+          <p:cNvPicPr>
+            <a:picLocks noChangeAspect="1"/>
+          </p:cNvPicPr>
+          <p:nvPr/>
+        </p:nvPicPr>
+        <p:blipFill>
+          <a:blip r:embed="rId2">
+            <a:extLst>
+              <a:ext uri="{28A0092B-C50C-407E-A947-70E740481C1C}">
+                <a14:useLocalDpi xmlns:a14="http://schemas.microsoft.com/office/drawing/2010/main" val="0"/>
+              </a:ext>
+            </a:extLst>
+          </a:blip>
+          <a:stretch>
+            <a:fillRect/>
+          </a:stretch>
+        </p:blipFill>
+        <p:spPr>
+          <a:xfrm>
+            <a:off x="2651590" y="4800878"/>
+            <a:ext cx="1215932" cy="1215932"/>
+          </a:xfrm>
+          <a:prstGeom prst="rtTriangle">
+            <a:avLst/>
+          </a:prstGeom>
+        </p:spPr>
+      </p:pic>
+      <p:sp>
+        <p:nvSpPr>
+          <p:cNvPr id="18" name="Rectangle 17"/>
+          <p:cNvSpPr/>
+          <p:nvPr/>
+        </p:nvSpPr>
+        <p:spPr>
+          <a:xfrm>
+            <a:off x="670052" y="4561278"/>
+            <a:ext cx="3579731" cy="1659455"/>
+          </a:xfrm>
+          <a:prstGeom prst="rect">
+            <a:avLst/>
+          </a:prstGeom>
+          <a:noFill/>
+          <a:ln w="38100" cmpd="sng">
+            <a:solidFill>
+              <a:schemeClr val="accent4">
+                <a:lumMod val="75000"/>
+              </a:schemeClr>
+            </a:solidFill>
+          </a:ln>
+          <a:effectLst/>
+        </p:spPr>
+        <p:style>
+          <a:lnRef idx="1">
+            <a:schemeClr val="accent1"/>
+          </a:lnRef>
+          <a:fillRef idx="3">
+            <a:schemeClr val="accent1"/>
+          </a:fillRef>
+          <a:effectRef idx="2">
+            <a:schemeClr val="accent1"/>
+          </a:effectRef>
+          <a:fontRef idx="minor">
+            <a:schemeClr val="lt1"/>
+          </a:fontRef>
+        </p:style>
+        <p:txBody>
+          <a:bodyPr rtlCol="0" anchor="ctr"/>
+          <a:lstStyle/>
+          <a:p>
+            <a:pPr algn="ctr"/>
+            <a:endParaRPr lang="en-US"/>
+          </a:p>
+        </p:txBody>
+      </p:sp>
+      <p:sp>
+        <p:nvSpPr>
+          <p:cNvPr id="20" name="TextBox 19"/>
+          <p:cNvSpPr txBox="1"/>
+          <p:nvPr/>
+        </p:nvSpPr>
+        <p:spPr>
+          <a:xfrm>
+            <a:off x="6700430" y="5095842"/>
+            <a:ext cx="1625600" cy="646331"/>
+          </a:xfrm>
+          <a:prstGeom prst="rect">
+            <a:avLst/>
+          </a:prstGeom>
+          <a:noFill/>
+        </p:spPr>
+        <p:txBody>
+          <a:bodyPr wrap="square" rtlCol="0">
+            <a:spAutoFit/>
+          </a:bodyPr>
+          <a:lstStyle/>
+          <a:p>
+            <a:r>
+              <a:rPr lang="en-US" sz="3600" b="1" dirty="0" smtClean="0">
+                <a:solidFill>
+                  <a:schemeClr val="accent4">
+                    <a:lumMod val="60000"/>
+                    <a:lumOff val="40000"/>
+                  </a:schemeClr>
+                </a:solidFill>
+                <a:latin typeface="Source Sans Pro ExtraLight"/>
+                <a:cs typeface="Source Sans Pro ExtraLight"/>
+              </a:rPr>
+              <a:t>IE 10</a:t>
+            </a:r>
+            <a:endParaRPr lang="en-US" sz="3600" b="1" dirty="0">
+              <a:solidFill>
+                <a:schemeClr val="accent4">
+                  <a:lumMod val="60000"/>
+                  <a:lumOff val="40000"/>
+                </a:schemeClr>
+              </a:solidFill>
+              <a:latin typeface="Source Sans Pro ExtraLight"/>
+              <a:cs typeface="Source Sans Pro ExtraLight"/>
+            </a:endParaRPr>
+          </a:p>
+        </p:txBody>
+      </p:sp>
+      <p:sp>
+        <p:nvSpPr>
+          <p:cNvPr id="22" name="TextBox 21"/>
+          <p:cNvSpPr txBox="1"/>
+          <p:nvPr/>
+        </p:nvSpPr>
+        <p:spPr>
+          <a:xfrm>
+            <a:off x="638258" y="3936861"/>
+            <a:ext cx="3611525" cy="523220"/>
+          </a:xfrm>
+          <a:prstGeom prst="rect">
+            <a:avLst/>
+          </a:prstGeom>
+          <a:noFill/>
+        </p:spPr>
+        <p:txBody>
+          <a:bodyPr wrap="square" rtlCol="0">
+            <a:spAutoFit/>
+          </a:bodyPr>
+          <a:lstStyle/>
+          <a:p>
+            <a:r>
+              <a:rPr lang="en-US" sz="2800" b="1" dirty="0">
+                <a:solidFill>
+                  <a:schemeClr val="accent4">
+                    <a:lumMod val="60000"/>
+                    <a:lumOff val="40000"/>
+                  </a:schemeClr>
+                </a:solidFill>
+                <a:latin typeface="Source Sans Pro ExtraLight"/>
+                <a:cs typeface="Source Sans Pro ExtraLight"/>
+              </a:rPr>
+              <a:t>b</a:t>
+            </a:r>
+            <a:r>
+              <a:rPr lang="en-US" sz="2800" b="1" dirty="0" smtClean="0">
+                <a:solidFill>
+                  <a:schemeClr val="accent4">
+                    <a:lumMod val="60000"/>
+                    <a:lumOff val="40000"/>
+                  </a:schemeClr>
+                </a:solidFill>
+                <a:latin typeface="Source Sans Pro ExtraLight"/>
+                <a:cs typeface="Source Sans Pro ExtraLight"/>
+              </a:rPr>
+              <a:t>ehind chrome://flags</a:t>
+            </a:r>
+            <a:endParaRPr lang="en-US" sz="2800" b="1" dirty="0">
+              <a:solidFill>
+                <a:schemeClr val="accent4">
+                  <a:lumMod val="60000"/>
+                  <a:lumOff val="40000"/>
+                </a:schemeClr>
+              </a:solidFill>
+              <a:latin typeface="Source Sans Pro ExtraLight"/>
+              <a:cs typeface="Source Sans Pro ExtraLight"/>
+            </a:endParaRPr>
+          </a:p>
+        </p:txBody>
+      </p:sp>
+      <p:pic>
+        <p:nvPicPr>
+          <p:cNvPr id="15" name="Picture 14" descr="safari_256x256.png"/>
+          <p:cNvPicPr>
+            <a:picLocks noChangeAspect="1"/>
+          </p:cNvPicPr>
+          <p:nvPr/>
+        </p:nvPicPr>
+        <p:blipFill>
+          <a:blip r:embed="rId6">
+            <a:extLst>
+              <a:ext uri="{28A0092B-C50C-407E-A947-70E740481C1C}">
+                <a14:useLocalDpi xmlns:a14="http://schemas.microsoft.com/office/drawing/2010/main" val="0"/>
+              </a:ext>
+            </a:extLst>
+          </a:blip>
+          <a:stretch>
+            <a:fillRect/>
+          </a:stretch>
+        </p:blipFill>
+        <p:spPr>
+          <a:xfrm>
+            <a:off x="2663505" y="1787173"/>
+            <a:ext cx="1803598" cy="1803598"/>
+          </a:xfrm>
+          <a:prstGeom prst="rect">
+            <a:avLst/>
+          </a:prstGeom>
+        </p:spPr>
+      </p:pic>
+      <p:sp>
+        <p:nvSpPr>
+          <p:cNvPr id="23" name="TextBox 22"/>
+          <p:cNvSpPr txBox="1"/>
+          <p:nvPr/>
+        </p:nvSpPr>
+        <p:spPr>
+          <a:xfrm>
+            <a:off x="4714505" y="3931172"/>
+            <a:ext cx="3611525" cy="523220"/>
+          </a:xfrm>
+          <a:prstGeom prst="rect">
+            <a:avLst/>
+          </a:prstGeom>
+          <a:noFill/>
+        </p:spPr>
+        <p:txBody>
+          <a:bodyPr wrap="square" rtlCol="0">
+            <a:spAutoFit/>
+          </a:bodyPr>
+          <a:lstStyle/>
+          <a:p>
+            <a:r>
+              <a:rPr lang="en-US" sz="2800" b="1" dirty="0">
+                <a:solidFill>
+                  <a:schemeClr val="accent4">
+                    <a:lumMod val="60000"/>
+                    <a:lumOff val="40000"/>
+                  </a:schemeClr>
+                </a:solidFill>
+                <a:latin typeface="Source Sans Pro ExtraLight"/>
+                <a:cs typeface="Source Sans Pro ExtraLight"/>
+              </a:rPr>
+              <a:t>o</a:t>
+            </a:r>
+            <a:r>
+              <a:rPr lang="en-US" sz="2800" b="1" dirty="0" smtClean="0">
+                <a:solidFill>
+                  <a:schemeClr val="accent4">
+                    <a:lumMod val="60000"/>
+                    <a:lumOff val="40000"/>
+                  </a:schemeClr>
+                </a:solidFill>
+                <a:latin typeface="Source Sans Pro ExtraLight"/>
+                <a:cs typeface="Source Sans Pro ExtraLight"/>
+              </a:rPr>
+              <a:t>lder implementation</a:t>
+            </a:r>
+            <a:endParaRPr lang="en-US" sz="2800" b="1" dirty="0">
+              <a:solidFill>
+                <a:schemeClr val="accent4">
+                  <a:lumMod val="60000"/>
+                  <a:lumOff val="40000"/>
+                </a:schemeClr>
+              </a:solidFill>
+              <a:latin typeface="Source Sans Pro ExtraLight"/>
+              <a:cs typeface="Source Sans Pro ExtraLight"/>
+            </a:endParaRPr>
+          </a:p>
+        </p:txBody>
+      </p:sp>
+      <p:sp>
+        <p:nvSpPr>
+          <p:cNvPr id="24" name="TextBox 23"/>
+          <p:cNvSpPr txBox="1"/>
+          <p:nvPr/>
+        </p:nvSpPr>
+        <p:spPr>
+          <a:xfrm>
+            <a:off x="670052" y="1263953"/>
+            <a:ext cx="3611525" cy="523220"/>
+          </a:xfrm>
+          <a:prstGeom prst="rect">
+            <a:avLst/>
+          </a:prstGeom>
+          <a:noFill/>
+        </p:spPr>
+        <p:txBody>
+          <a:bodyPr wrap="square" rtlCol="0">
+            <a:spAutoFit/>
+          </a:bodyPr>
+          <a:lstStyle/>
+          <a:p>
+            <a:r>
+              <a:rPr lang="en-US" sz="2800" b="1" dirty="0" smtClean="0">
+                <a:solidFill>
+                  <a:schemeClr val="accent4">
+                    <a:lumMod val="60000"/>
+                    <a:lumOff val="40000"/>
+                  </a:schemeClr>
+                </a:solidFill>
+                <a:latin typeface="Source Sans Pro ExtraLight"/>
+                <a:cs typeface="Source Sans Pro ExtraLight"/>
+              </a:rPr>
+              <a:t>enabled by default</a:t>
+            </a:r>
+            <a:endParaRPr lang="en-US" sz="2800" b="1" dirty="0">
+              <a:solidFill>
+                <a:schemeClr val="accent4">
+                  <a:lumMod val="60000"/>
+                  <a:lumOff val="40000"/>
+                </a:schemeClr>
+              </a:solidFill>
+              <a:latin typeface="Source Sans Pro ExtraLight"/>
+              <a:cs typeface="Source Sans Pro ExtraLight"/>
+            </a:endParaRPr>
+          </a:p>
+        </p:txBody>
+      </p:sp>
+      <p:sp>
+        <p:nvSpPr>
+          <p:cNvPr id="25" name="Rectangle 24"/>
+          <p:cNvSpPr/>
+          <p:nvPr/>
+        </p:nvSpPr>
+        <p:spPr>
+          <a:xfrm>
+            <a:off x="4746299" y="4561278"/>
+            <a:ext cx="3579731" cy="1659455"/>
+          </a:xfrm>
+          <a:prstGeom prst="rect">
+            <a:avLst/>
+          </a:prstGeom>
+          <a:noFill/>
+          <a:ln w="38100" cmpd="sng">
+            <a:solidFill>
+              <a:schemeClr val="accent4">
+                <a:lumMod val="75000"/>
+              </a:schemeClr>
+            </a:solidFill>
+          </a:ln>
+          <a:effectLst/>
+        </p:spPr>
+        <p:style>
+          <a:lnRef idx="1">
+            <a:schemeClr val="accent1"/>
+          </a:lnRef>
+          <a:fillRef idx="3">
+            <a:schemeClr val="accent1"/>
+          </a:fillRef>
+          <a:effectRef idx="2">
+            <a:schemeClr val="accent1"/>
+          </a:effectRef>
+          <a:fontRef idx="minor">
+            <a:schemeClr val="lt1"/>
+          </a:fontRef>
+        </p:style>
+        <p:txBody>
+          <a:bodyPr rtlCol="0" anchor="ctr"/>
+          <a:lstStyle/>
+          <a:p>
+            <a:pPr algn="ctr"/>
+            <a:endParaRPr lang="en-US"/>
+          </a:p>
+        </p:txBody>
+      </p:sp>
     </p:spTree>
     <p:extLst>
       <p:ext uri="{BB962C8B-B14F-4D97-AF65-F5344CB8AC3E}">
-        <p14:creationId xmlns:p14="http://schemas.microsoft.com/office/powerpoint/2010/main" val="1456845640"/>
+        <p14:creationId xmlns:p14="http://schemas.microsoft.com/office/powerpoint/2010/main" val="4219117616"/>
       </p:ext>
     </p:extLst>
   </p:cSld>
@@ -23234,14 +23247,14 @@
       </p:grpSpPr>
       <p:sp>
         <p:nvSpPr>
-          <p:cNvPr id="5" name="TextBox 4"/>
+          <p:cNvPr id="6" name="TextBox 5"/>
           <p:cNvSpPr txBox="1"/>
           <p:nvPr/>
         </p:nvSpPr>
         <p:spPr>
           <a:xfrm>
-            <a:off x="606464" y="600387"/>
-            <a:ext cx="5827129" cy="707886"/>
+            <a:off x="606464" y="320215"/>
+            <a:ext cx="7555301" cy="830997"/>
           </a:xfrm>
           <a:prstGeom prst="rect">
             <a:avLst/>
@@ -23255,45 +23268,37 @@
           <a:lstStyle/>
           <a:p>
             <a:r>
-              <a:rPr lang="en-US" sz="4000" dirty="0">
+              <a:rPr lang="en-US" sz="4800" b="1" dirty="0" err="1" smtClean="0">
                 <a:solidFill>
                   <a:schemeClr val="bg1"/>
                 </a:solidFill>
-                <a:latin typeface="Consolas"/>
-                <a:cs typeface="Consolas"/>
-              </a:rPr>
-              <a:t>s</a:t>
-            </a:r>
-            <a:r>
-              <a:rPr lang="en-US" sz="4000" dirty="0" smtClean="0">
-                <a:solidFill>
-                  <a:schemeClr val="bg1"/>
-                </a:solidFill>
-                <a:latin typeface="Consolas"/>
-                <a:cs typeface="Consolas"/>
-              </a:rPr>
-              <a:t>hape-inside</a:t>
-            </a:r>
-            <a:endParaRPr lang="en-US" sz="4000" dirty="0">
+                <a:latin typeface="Source Sans Pro Semibold"/>
+                <a:cs typeface="Source Sans Pro Semibold"/>
+              </a:rPr>
+              <a:t>Polyfill</a:t>
+            </a:r>
+            <a:endParaRPr lang="en-US" sz="4800" b="1" dirty="0">
               <a:solidFill>
                 <a:schemeClr val="bg1"/>
               </a:solidFill>
-              <a:latin typeface="Consolas"/>
-              <a:cs typeface="Consolas"/>
+              <a:latin typeface="Helvetica Neue"/>
+              <a:cs typeface="Helvetica Neue"/>
             </a:endParaRPr>
           </a:p>
         </p:txBody>
       </p:sp>
       <p:sp>
         <p:nvSpPr>
-          <p:cNvPr id="7" name="TextBox 6"/>
+          <p:cNvPr id="17" name="TextBox 16">
+            <a:hlinkClick r:id="rId2"/>
+          </p:cNvPr>
           <p:cNvSpPr txBox="1"/>
           <p:nvPr/>
         </p:nvSpPr>
         <p:spPr>
           <a:xfrm>
-            <a:off x="606463" y="1150666"/>
-            <a:ext cx="6661458" cy="584776"/>
+            <a:off x="606463" y="1254287"/>
+            <a:ext cx="7918725" cy="666849"/>
           </a:xfrm>
           <a:prstGeom prst="rect">
             <a:avLst/>
@@ -23306,8 +23311,13 @@
           </a:bodyPr>
           <a:lstStyle/>
           <a:p>
-            <a:r>
-              <a:rPr lang="en-US" sz="3200" b="1" dirty="0">
+            <a:pPr>
+              <a:lnSpc>
+                <a:spcPct val="120000"/>
+              </a:lnSpc>
+            </a:pPr>
+            <a:r>
+              <a:rPr lang="en-US" sz="3200" b="1" dirty="0" err="1" smtClean="0">
                 <a:solidFill>
                   <a:schemeClr val="accent2">
                     <a:lumMod val="60000"/>
@@ -23317,10 +23327,10 @@
                 <a:latin typeface="Source Sans Pro ExtraLight"/>
                 <a:cs typeface="Source Sans Pro ExtraLight"/>
               </a:rPr>
-              <a:t>w</a:t>
-            </a:r>
-            <a:r>
-              <a:rPr lang="en-US" sz="3200" b="1" dirty="0" smtClean="0">
+              <a:t>github.com</a:t>
+            </a:r>
+            <a:r>
+              <a:rPr lang="en-US" sz="3200" b="1" dirty="0">
                 <a:solidFill>
                   <a:schemeClr val="accent2">
                     <a:lumMod val="60000"/>
@@ -23330,7 +23340,72 @@
                 <a:latin typeface="Source Sans Pro ExtraLight"/>
                 <a:cs typeface="Source Sans Pro ExtraLight"/>
               </a:rPr>
-              <a:t>rap content inside of a custom shape</a:t>
+              <a:t>/</a:t>
+            </a:r>
+            <a:r>
+              <a:rPr lang="en-US" sz="3200" b="1" dirty="0" err="1">
+                <a:solidFill>
+                  <a:schemeClr val="accent2">
+                    <a:lumMod val="60000"/>
+                    <a:lumOff val="40000"/>
+                  </a:schemeClr>
+                </a:solidFill>
+                <a:latin typeface="Source Sans Pro ExtraLight"/>
+                <a:cs typeface="Source Sans Pro ExtraLight"/>
+              </a:rPr>
+              <a:t>FremyCompany</a:t>
+            </a:r>
+            <a:r>
+              <a:rPr lang="en-US" sz="3200" b="1" dirty="0">
+                <a:solidFill>
+                  <a:schemeClr val="accent2">
+                    <a:lumMod val="60000"/>
+                    <a:lumOff val="40000"/>
+                  </a:schemeClr>
+                </a:solidFill>
+                <a:latin typeface="Source Sans Pro ExtraLight"/>
+                <a:cs typeface="Source Sans Pro ExtraLight"/>
+              </a:rPr>
+              <a:t>/</a:t>
+            </a:r>
+            <a:r>
+              <a:rPr lang="en-US" sz="3200" b="1" dirty="0" err="1">
+                <a:solidFill>
+                  <a:schemeClr val="accent2">
+                    <a:lumMod val="60000"/>
+                    <a:lumOff val="40000"/>
+                  </a:schemeClr>
+                </a:solidFill>
+                <a:latin typeface="Source Sans Pro ExtraLight"/>
+                <a:cs typeface="Source Sans Pro ExtraLight"/>
+              </a:rPr>
+              <a:t>css</a:t>
+            </a:r>
+            <a:r>
+              <a:rPr lang="en-US" sz="3200" b="1" dirty="0">
+                <a:solidFill>
+                  <a:schemeClr val="accent2">
+                    <a:lumMod val="60000"/>
+                    <a:lumOff val="40000"/>
+                  </a:schemeClr>
+                </a:solidFill>
+                <a:latin typeface="Source Sans Pro ExtraLight"/>
+                <a:cs typeface="Source Sans Pro ExtraLight"/>
+              </a:rPr>
+              <a:t>-regions-</a:t>
+            </a:r>
+            <a:r>
+              <a:rPr lang="en-US" sz="3200" b="1" dirty="0" err="1" smtClean="0">
+                <a:solidFill>
+                  <a:schemeClr val="accent2">
+                    <a:lumMod val="60000"/>
+                    <a:lumOff val="40000"/>
+                  </a:schemeClr>
+                </a:solidFill>
+                <a:latin typeface="Source Sans Pro ExtraLight"/>
+                <a:cs typeface="Source Sans Pro ExtraLight"/>
+              </a:rPr>
+              <a:t>polyfill</a:t>
             </a:r>
             <a:endParaRPr lang="en-US" sz="3200" b="1" dirty="0">
               <a:solidFill>
@@ -23347,14 +23422,14 @@
       </p:sp>
       <p:pic>
         <p:nvPicPr>
-          <p:cNvPr id="2" name="Picture 1" descr="shape-inside.png"/>
+          <p:cNvPr id="27" name="Picture 26" descr="internet-explorer_256x256.png"/>
           <p:cNvPicPr>
             <a:picLocks noChangeAspect="1"/>
           </p:cNvPicPr>
           <p:nvPr/>
         </p:nvPicPr>
         <p:blipFill>
-          <a:blip r:embed="rId2">
+          <a:blip r:embed="rId3">
             <a:extLst>
               <a:ext uri="{28A0092B-C50C-407E-A947-70E740481C1C}">
                 <a14:useLocalDpi xmlns:a14="http://schemas.microsoft.com/office/drawing/2010/main" val="0"/>
@@ -23367,18 +23442,206 @@
         </p:blipFill>
         <p:spPr>
           <a:xfrm>
-            <a:off x="2878442" y="2370422"/>
-            <a:ext cx="3379578" cy="3379576"/>
+            <a:off x="606464" y="3037141"/>
+            <a:ext cx="1199165" cy="1199165"/>
           </a:xfrm>
           <a:prstGeom prst="rect">
             <a:avLst/>
           </a:prstGeom>
         </p:spPr>
       </p:pic>
+      <p:pic>
+        <p:nvPicPr>
+          <p:cNvPr id="28" name="Picture 27" descr="chrome_256x256.png"/>
+          <p:cNvPicPr>
+            <a:picLocks noChangeAspect="1"/>
+          </p:cNvPicPr>
+          <p:nvPr/>
+        </p:nvPicPr>
+        <p:blipFill>
+          <a:blip r:embed="rId4">
+            <a:extLst>
+              <a:ext uri="{28A0092B-C50C-407E-A947-70E740481C1C}">
+                <a14:useLocalDpi xmlns:a14="http://schemas.microsoft.com/office/drawing/2010/main" val="0"/>
+              </a:ext>
+            </a:extLst>
+          </a:blip>
+          <a:stretch>
+            <a:fillRect/>
+          </a:stretch>
+        </p:blipFill>
+        <p:spPr>
+          <a:xfrm>
+            <a:off x="4685282" y="3037141"/>
+            <a:ext cx="1215932" cy="1215932"/>
+          </a:xfrm>
+          <a:prstGeom prst="rect">
+            <a:avLst/>
+          </a:prstGeom>
+        </p:spPr>
+      </p:pic>
+      <p:pic>
+        <p:nvPicPr>
+          <p:cNvPr id="3" name="Picture 2" descr="firefox_256x256.png"/>
+          <p:cNvPicPr>
+            <a:picLocks noChangeAspect="1"/>
+          </p:cNvPicPr>
+          <p:nvPr/>
+        </p:nvPicPr>
+        <p:blipFill>
+          <a:blip r:embed="rId5">
+            <a:extLst>
+              <a:ext uri="{28A0092B-C50C-407E-A947-70E740481C1C}">
+                <a14:useLocalDpi xmlns:a14="http://schemas.microsoft.com/office/drawing/2010/main" val="0"/>
+              </a:ext>
+            </a:extLst>
+          </a:blip>
+          <a:stretch>
+            <a:fillRect/>
+          </a:stretch>
+        </p:blipFill>
+        <p:spPr>
+          <a:xfrm>
+            <a:off x="2803861" y="3037141"/>
+            <a:ext cx="1215932" cy="1215932"/>
+          </a:xfrm>
+          <a:prstGeom prst="rect">
+            <a:avLst/>
+          </a:prstGeom>
+        </p:spPr>
+      </p:pic>
+      <p:sp>
+        <p:nvSpPr>
+          <p:cNvPr id="29" name="TextBox 28"/>
+          <p:cNvSpPr txBox="1"/>
+          <p:nvPr/>
+        </p:nvSpPr>
+        <p:spPr>
+          <a:xfrm>
+            <a:off x="477115" y="4437380"/>
+            <a:ext cx="1625600" cy="646331"/>
+          </a:xfrm>
+          <a:prstGeom prst="rect">
+            <a:avLst/>
+          </a:prstGeom>
+          <a:noFill/>
+        </p:spPr>
+        <p:txBody>
+          <a:bodyPr wrap="square" rtlCol="0">
+            <a:spAutoFit/>
+          </a:bodyPr>
+          <a:lstStyle/>
+          <a:p>
+            <a:pPr algn="ctr"/>
+            <a:r>
+              <a:rPr lang="en-US" sz="3600" b="1" dirty="0" smtClean="0">
+                <a:solidFill>
+                  <a:schemeClr val="accent4">
+                    <a:lumMod val="60000"/>
+                    <a:lumOff val="40000"/>
+                  </a:schemeClr>
+                </a:solidFill>
+                <a:latin typeface="Source Sans Pro ExtraLight"/>
+                <a:cs typeface="Source Sans Pro ExtraLight"/>
+              </a:rPr>
+              <a:t>9+</a:t>
+            </a:r>
+            <a:endParaRPr lang="en-US" sz="3600" b="1" dirty="0">
+              <a:solidFill>
+                <a:schemeClr val="accent4">
+                  <a:lumMod val="60000"/>
+                  <a:lumOff val="40000"/>
+                </a:schemeClr>
+              </a:solidFill>
+              <a:latin typeface="Source Sans Pro ExtraLight"/>
+              <a:cs typeface="Source Sans Pro ExtraLight"/>
+            </a:endParaRPr>
+          </a:p>
+        </p:txBody>
+      </p:sp>
+      <p:pic>
+        <p:nvPicPr>
+          <p:cNvPr id="30" name="Picture 29" descr="opera_256x256.png"/>
+          <p:cNvPicPr>
+            <a:picLocks noChangeAspect="1"/>
+          </p:cNvPicPr>
+          <p:nvPr/>
+        </p:nvPicPr>
+        <p:blipFill>
+          <a:blip r:embed="rId6">
+            <a:extLst>
+              <a:ext uri="{28A0092B-C50C-407E-A947-70E740481C1C}">
+                <a14:useLocalDpi xmlns:a14="http://schemas.microsoft.com/office/drawing/2010/main" val="0"/>
+              </a:ext>
+            </a:extLst>
+          </a:blip>
+          <a:stretch>
+            <a:fillRect/>
+          </a:stretch>
+        </p:blipFill>
+        <p:spPr>
+          <a:xfrm>
+            <a:off x="6729351" y="3037141"/>
+            <a:ext cx="1215932" cy="1215932"/>
+          </a:xfrm>
+          <a:prstGeom prst="rect">
+            <a:avLst/>
+          </a:prstGeom>
+        </p:spPr>
+      </p:pic>
+      <p:sp>
+        <p:nvSpPr>
+          <p:cNvPr id="31" name="TextBox 30"/>
+          <p:cNvSpPr txBox="1"/>
+          <p:nvPr/>
+        </p:nvSpPr>
+        <p:spPr>
+          <a:xfrm>
+            <a:off x="6191465" y="4394493"/>
+            <a:ext cx="2333723" cy="646331"/>
+          </a:xfrm>
+          <a:prstGeom prst="rect">
+            <a:avLst/>
+          </a:prstGeom>
+          <a:noFill/>
+        </p:spPr>
+        <p:txBody>
+          <a:bodyPr wrap="square" rtlCol="0">
+            <a:spAutoFit/>
+          </a:bodyPr>
+          <a:lstStyle/>
+          <a:p>
+            <a:pPr algn="ctr"/>
+            <a:r>
+              <a:rPr lang="en-US" sz="3600" b="1" dirty="0" smtClean="0">
+                <a:solidFill>
+                  <a:schemeClr val="accent4">
+                    <a:lumMod val="60000"/>
+                    <a:lumOff val="40000"/>
+                  </a:schemeClr>
+                </a:solidFill>
+                <a:latin typeface="Source Sans Pro ExtraLight"/>
+                <a:cs typeface="Source Sans Pro ExtraLight"/>
+              </a:rPr>
+              <a:t>post-Presto</a:t>
+            </a:r>
+            <a:endParaRPr lang="en-US" sz="3600" b="1" dirty="0">
+              <a:solidFill>
+                <a:schemeClr val="accent4">
+                  <a:lumMod val="60000"/>
+                  <a:lumOff val="40000"/>
+                </a:schemeClr>
+              </a:solidFill>
+              <a:latin typeface="Source Sans Pro ExtraLight"/>
+              <a:cs typeface="Source Sans Pro ExtraLight"/>
+            </a:endParaRPr>
+          </a:p>
+        </p:txBody>
+      </p:sp>
     </p:spTree>
     <p:extLst>
       <p:ext uri="{BB962C8B-B14F-4D97-AF65-F5344CB8AC3E}">
-        <p14:creationId xmlns:p14="http://schemas.microsoft.com/office/powerpoint/2010/main" val="3311624691"/>
+        <p14:creationId xmlns:p14="http://schemas.microsoft.com/office/powerpoint/2010/main" val="3341062551"/>
       </p:ext>
     </p:extLst>
   </p:cSld>
@@ -23414,14 +23677,14 @@
       </p:grpSpPr>
       <p:sp>
         <p:nvSpPr>
-          <p:cNvPr id="5" name="TextBox 4"/>
+          <p:cNvPr id="4" name="TextBox 3"/>
           <p:cNvSpPr txBox="1"/>
           <p:nvPr/>
         </p:nvSpPr>
         <p:spPr>
           <a:xfrm>
-            <a:off x="606464" y="600387"/>
-            <a:ext cx="5827129" cy="707886"/>
+            <a:off x="606464" y="2075289"/>
+            <a:ext cx="7555301" cy="1569660"/>
           </a:xfrm>
           <a:prstGeom prst="rect">
             <a:avLst/>
@@ -23435,45 +23698,45 @@
           <a:lstStyle/>
           <a:p>
             <a:r>
-              <a:rPr lang="en-US" sz="4000" dirty="0">
+              <a:rPr lang="en-US" sz="9600" b="1" spc="-300" dirty="0" smtClean="0">
                 <a:solidFill>
                   <a:schemeClr val="bg1"/>
                 </a:solidFill>
-                <a:latin typeface="Consolas"/>
-                <a:cs typeface="Consolas"/>
-              </a:rPr>
-              <a:t>s</a:t>
-            </a:r>
-            <a:r>
-              <a:rPr lang="en-US" sz="4000" dirty="0" smtClean="0">
+                <a:latin typeface="Source Sans Pro Semibold"/>
+                <a:cs typeface="Source Sans Pro Semibold"/>
+              </a:rPr>
+              <a:t>CSS</a:t>
+            </a:r>
+            <a:r>
+              <a:rPr lang="en-US" sz="9600" b="1" spc="-300" dirty="0" smtClean="0">
                 <a:solidFill>
                   <a:schemeClr val="bg1"/>
                 </a:solidFill>
-                <a:latin typeface="Consolas"/>
-                <a:cs typeface="Consolas"/>
-              </a:rPr>
-              <a:t>hape-outside</a:t>
-            </a:r>
-            <a:endParaRPr lang="en-US" sz="4000" dirty="0">
+                <a:latin typeface="Helvetica Neue"/>
+                <a:cs typeface="Helvetica Neue"/>
+              </a:rPr>
+              <a:t> Shapes</a:t>
+            </a:r>
+            <a:endParaRPr lang="en-US" sz="9600" b="1" spc="-300" dirty="0">
               <a:solidFill>
                 <a:schemeClr val="bg1"/>
               </a:solidFill>
-              <a:latin typeface="Consolas"/>
-              <a:cs typeface="Consolas"/>
+              <a:latin typeface="Helvetica Neue"/>
+              <a:cs typeface="Helvetica Neue"/>
             </a:endParaRPr>
           </a:p>
         </p:txBody>
       </p:sp>
       <p:sp>
         <p:nvSpPr>
-          <p:cNvPr id="7" name="TextBox 6"/>
+          <p:cNvPr id="6" name="TextBox 5"/>
           <p:cNvSpPr txBox="1"/>
           <p:nvPr/>
         </p:nvSpPr>
         <p:spPr>
           <a:xfrm>
-            <a:off x="606463" y="1150666"/>
-            <a:ext cx="6661458" cy="584776"/>
+            <a:off x="606464" y="3614873"/>
+            <a:ext cx="7555301" cy="1298817"/>
           </a:xfrm>
           <a:prstGeom prst="rect">
             <a:avLst/>
@@ -23486,8 +23749,13 @@
           </a:bodyPr>
           <a:lstStyle/>
           <a:p>
-            <a:r>
-              <a:rPr lang="en-US" sz="3200" b="1" dirty="0">
+            <a:pPr>
+              <a:lnSpc>
+                <a:spcPct val="80000"/>
+              </a:lnSpc>
+            </a:pPr>
+            <a:r>
+              <a:rPr lang="en-US" sz="4800" b="1" dirty="0">
                 <a:solidFill>
                   <a:schemeClr val="accent2">
                     <a:lumMod val="60000"/>
@@ -23500,7 +23768,7 @@
               <a:t>w</a:t>
             </a:r>
             <a:r>
-              <a:rPr lang="en-US" sz="3200" b="1" dirty="0" smtClean="0">
+              <a:rPr lang="en-US" sz="4800" b="1" dirty="0" smtClean="0">
                 <a:solidFill>
                   <a:schemeClr val="accent2">
                     <a:lumMod val="60000"/>
@@ -23510,9 +23778,9 @@
                 <a:latin typeface="Source Sans Pro ExtraLight"/>
                 <a:cs typeface="Source Sans Pro ExtraLight"/>
               </a:rPr>
-              <a:t>rap content around a custom shape</a:t>
-            </a:r>
-            <a:endParaRPr lang="en-US" sz="3200" b="1" dirty="0">
+              <a:t>rap content inside and around custom shapes</a:t>
+            </a:r>
+            <a:endParaRPr lang="en-US" sz="4800" b="1" dirty="0">
               <a:solidFill>
                 <a:schemeClr val="accent2">
                   <a:lumMod val="60000"/>
@@ -23525,40 +23793,10 @@
           </a:p>
         </p:txBody>
       </p:sp>
-      <p:pic>
-        <p:nvPicPr>
-          <p:cNvPr id="3" name="Picture 2" descr="shape-outside.png"/>
-          <p:cNvPicPr>
-            <a:picLocks noChangeAspect="1"/>
-          </p:cNvPicPr>
-          <p:nvPr/>
-        </p:nvPicPr>
-        <p:blipFill>
-          <a:blip r:embed="rId2">
-            <a:extLst>
-              <a:ext uri="{28A0092B-C50C-407E-A947-70E740481C1C}">
-                <a14:useLocalDpi xmlns:a14="http://schemas.microsoft.com/office/drawing/2010/main" val="0"/>
-              </a:ext>
-            </a:extLst>
-          </a:blip>
-          <a:stretch>
-            <a:fillRect/>
-          </a:stretch>
-        </p:blipFill>
-        <p:spPr>
-          <a:xfrm>
-            <a:off x="1556583" y="2151345"/>
-            <a:ext cx="5711338" cy="3741910"/>
-          </a:xfrm>
-          <a:prstGeom prst="rect">
-            <a:avLst/>
-          </a:prstGeom>
-        </p:spPr>
-      </p:pic>
     </p:spTree>
     <p:extLst>
       <p:ext uri="{BB962C8B-B14F-4D97-AF65-F5344CB8AC3E}">
-        <p14:creationId xmlns:p14="http://schemas.microsoft.com/office/powerpoint/2010/main" val="2052973742"/>
+        <p14:creationId xmlns:p14="http://schemas.microsoft.com/office/powerpoint/2010/main" val="3185425703"/>
       </p:ext>
     </p:extLst>
   </p:cSld>
@@ -23578,14 +23816,6 @@
 <file path=ppt/slides/slide64.xml><?xml version="1.0" encoding="utf-8"?>
 <p:sld xmlns:a="http://schemas.openxmlformats.org/drawingml/2006/main" xmlns:r="http://schemas.openxmlformats.org/officeDocument/2006/relationships" xmlns:p="http://schemas.openxmlformats.org/presentationml/2006/main">
   <p:cSld>
-    <p:bg>
-      <p:bgPr>
-        <a:solidFill>
-          <a:srgbClr val="500928"/>
-        </a:solidFill>
-        <a:effectLst/>
-      </p:bgPr>
-    </p:bg>
     <p:spTree>
       <p:nvGrpSpPr>
         <p:cNvPr id="1" name=""/>
@@ -23600,208 +23830,42 @@
           <a:chExt cx="0" cy="0"/>
         </a:xfrm>
       </p:grpSpPr>
-      <p:sp>
-        <p:nvSpPr>
-          <p:cNvPr id="6" name="TextBox 5"/>
-          <p:cNvSpPr txBox="1"/>
-          <p:nvPr/>
-        </p:nvSpPr>
-        <p:spPr>
-          <a:xfrm>
-            <a:off x="606464" y="1611206"/>
-            <a:ext cx="7848004" cy="3785652"/>
-          </a:xfrm>
-          <a:prstGeom prst="rect">
-            <a:avLst/>
-          </a:prstGeom>
-          <a:noFill/>
-        </p:spPr>
-        <p:txBody>
-          <a:bodyPr wrap="square" rtlCol="0">
-            <a:spAutoFit/>
-          </a:bodyPr>
-          <a:lstStyle/>
-          <a:p>
-            <a:pPr marL="914400" indent="-914400">
-              <a:buFont typeface="+mj-lt"/>
-              <a:buAutoNum type="arabicPeriod"/>
-            </a:pPr>
-            <a:r>
-              <a:rPr lang="en-US" sz="4000" b="1" dirty="0">
-                <a:solidFill>
-                  <a:schemeClr val="accent2">
-                    <a:lumMod val="20000"/>
-                    <a:lumOff val="80000"/>
-                  </a:schemeClr>
-                </a:solidFill>
-                <a:latin typeface="Source Sans Pro ExtraLight"/>
-                <a:cs typeface="Source Sans Pro ExtraLight"/>
-              </a:rPr>
-              <a:t>g</a:t>
-            </a:r>
-            <a:r>
-              <a:rPr lang="en-US" sz="4000" b="1" dirty="0" smtClean="0">
-                <a:solidFill>
-                  <a:schemeClr val="accent2">
-                    <a:lumMod val="20000"/>
-                    <a:lumOff val="80000"/>
-                  </a:schemeClr>
-                </a:solidFill>
-                <a:latin typeface="Source Sans Pro ExtraLight"/>
-                <a:cs typeface="Source Sans Pro ExtraLight"/>
-              </a:rPr>
-              <a:t>o to chrome://flags</a:t>
-            </a:r>
-          </a:p>
-          <a:p>
-            <a:endParaRPr lang="en-US" sz="4000" b="1" dirty="0" smtClean="0">
-              <a:solidFill>
-                <a:schemeClr val="accent2">
-                  <a:lumMod val="20000"/>
-                  <a:lumOff val="80000"/>
-                </a:schemeClr>
-              </a:solidFill>
-              <a:latin typeface="Source Sans Pro ExtraLight"/>
-              <a:cs typeface="Source Sans Pro ExtraLight"/>
-            </a:endParaRPr>
-          </a:p>
-          <a:p>
-            <a:pPr marL="914400" indent="-914400">
-              <a:buFont typeface="+mj-lt"/>
-              <a:buAutoNum type="arabicPeriod"/>
-            </a:pPr>
-            <a:r>
-              <a:rPr lang="en-US" sz="4000" b="1" dirty="0" smtClean="0">
-                <a:solidFill>
-                  <a:schemeClr val="accent2">
-                    <a:lumMod val="20000"/>
-                    <a:lumOff val="80000"/>
-                  </a:schemeClr>
-                </a:solidFill>
-                <a:latin typeface="Source Sans Pro ExtraLight"/>
-                <a:cs typeface="Source Sans Pro ExtraLight"/>
-              </a:rPr>
-              <a:t>find “</a:t>
-            </a:r>
-            <a:r>
-              <a:rPr lang="en-US" sz="4000" i="1" dirty="0" smtClean="0">
-                <a:solidFill>
-                  <a:schemeClr val="accent2">
-                    <a:lumMod val="20000"/>
-                    <a:lumOff val="80000"/>
-                  </a:schemeClr>
-                </a:solidFill>
-                <a:latin typeface="Source Sans Pro Light"/>
-                <a:cs typeface="Source Sans Pro Light"/>
-              </a:rPr>
-              <a:t>Experimental Web Platform features</a:t>
-            </a:r>
-            <a:r>
-              <a:rPr lang="en-US" sz="4000" b="1" dirty="0" smtClean="0">
-                <a:solidFill>
-                  <a:schemeClr val="accent2">
-                    <a:lumMod val="20000"/>
-                    <a:lumOff val="80000"/>
-                  </a:schemeClr>
-                </a:solidFill>
-                <a:latin typeface="Source Sans Pro ExtraLight"/>
-                <a:cs typeface="Source Sans Pro ExtraLight"/>
-              </a:rPr>
-              <a:t>” and click </a:t>
-            </a:r>
-            <a:r>
-              <a:rPr lang="en-US" sz="4000" dirty="0" smtClean="0">
-                <a:solidFill>
-                  <a:schemeClr val="accent2">
-                    <a:lumMod val="20000"/>
-                    <a:lumOff val="80000"/>
-                  </a:schemeClr>
-                </a:solidFill>
-                <a:latin typeface="Source Sans Pro Semibold"/>
-                <a:cs typeface="Source Sans Pro Semibold"/>
-              </a:rPr>
-              <a:t>enable</a:t>
-            </a:r>
-          </a:p>
-          <a:p>
-            <a:endParaRPr lang="en-US" sz="4000" dirty="0" smtClean="0">
-              <a:solidFill>
-                <a:schemeClr val="accent2">
-                  <a:lumMod val="20000"/>
-                  <a:lumOff val="80000"/>
-                </a:schemeClr>
-              </a:solidFill>
-              <a:latin typeface="Source Sans Pro Semibold"/>
-              <a:cs typeface="Source Sans Pro Semibold"/>
-            </a:endParaRPr>
-          </a:p>
-          <a:p>
-            <a:pPr marL="914400" indent="-914400">
-              <a:buFont typeface="+mj-lt"/>
-              <a:buAutoNum type="arabicPeriod"/>
-            </a:pPr>
-            <a:r>
-              <a:rPr lang="en-US" sz="4000" b="1" dirty="0" smtClean="0">
-                <a:solidFill>
-                  <a:schemeClr val="accent2">
-                    <a:lumMod val="20000"/>
-                    <a:lumOff val="80000"/>
-                  </a:schemeClr>
-                </a:solidFill>
-                <a:latin typeface="Source Sans Pro ExtraLight"/>
-                <a:cs typeface="Source Sans Pro ExtraLight"/>
-              </a:rPr>
-              <a:t>restart Chrome</a:t>
-            </a:r>
-          </a:p>
-        </p:txBody>
-      </p:sp>
-      <p:sp>
-        <p:nvSpPr>
-          <p:cNvPr id="5" name="TextBox 4"/>
-          <p:cNvSpPr txBox="1"/>
-          <p:nvPr/>
-        </p:nvSpPr>
-        <p:spPr>
-          <a:xfrm>
-            <a:off x="606464" y="490806"/>
-            <a:ext cx="7555301" cy="830997"/>
-          </a:xfrm>
-          <a:prstGeom prst="rect">
-            <a:avLst/>
-          </a:prstGeom>
-          <a:noFill/>
-        </p:spPr>
-        <p:txBody>
-          <a:bodyPr wrap="square" rtlCol="0">
-            <a:spAutoFit/>
-          </a:bodyPr>
-          <a:lstStyle/>
-          <a:p>
-            <a:r>
-              <a:rPr lang="en-US" sz="4800" b="1" dirty="0" smtClean="0">
-                <a:solidFill>
-                  <a:schemeClr val="bg1"/>
-                </a:solidFill>
-                <a:latin typeface="Source Sans Pro Semibold"/>
-                <a:cs typeface="Source Sans Pro Semibold"/>
-              </a:rPr>
-              <a:t>How to enable CSS Shapes</a:t>
-            </a:r>
-            <a:endParaRPr lang="en-US" sz="4800" b="1" dirty="0">
-              <a:solidFill>
-                <a:schemeClr val="bg1"/>
-              </a:solidFill>
-              <a:latin typeface="Helvetica Neue"/>
-              <a:cs typeface="Helvetica Neue"/>
-            </a:endParaRPr>
-          </a:p>
-        </p:txBody>
-      </p:sp>
+      <p:pic>
+        <p:nvPicPr>
+          <p:cNvPr id="2" name="Picture 1" descr="csstricks-shapes.png">
+            <a:hlinkClick r:id="rId2"/>
+          </p:cNvPr>
+          <p:cNvPicPr>
+            <a:picLocks noChangeAspect="1"/>
+          </p:cNvPicPr>
+          <p:nvPr/>
+        </p:nvPicPr>
+        <p:blipFill>
+          <a:blip r:embed="rId3">
+            <a:extLst>
+              <a:ext uri="{28A0092B-C50C-407E-A947-70E740481C1C}">
+                <a14:useLocalDpi xmlns:a14="http://schemas.microsoft.com/office/drawing/2010/main" val="0"/>
+              </a:ext>
+            </a:extLst>
+          </a:blip>
+          <a:stretch>
+            <a:fillRect/>
+          </a:stretch>
+        </p:blipFill>
+        <p:spPr>
+          <a:xfrm>
+            <a:off x="-777204" y="0"/>
+            <a:ext cx="10793190" cy="6965804"/>
+          </a:xfrm>
+          <a:prstGeom prst="rect">
+            <a:avLst/>
+          </a:prstGeom>
+        </p:spPr>
+      </p:pic>
     </p:spTree>
     <p:extLst>
       <p:ext uri="{BB962C8B-B14F-4D97-AF65-F5344CB8AC3E}">
-        <p14:creationId xmlns:p14="http://schemas.microsoft.com/office/powerpoint/2010/main" val="384584936"/>
+        <p14:creationId xmlns:p14="http://schemas.microsoft.com/office/powerpoint/2010/main" val="1456845640"/>
       </p:ext>
     </p:extLst>
   </p:cSld>
@@ -23837,14 +23901,14 @@
       </p:grpSpPr>
       <p:sp>
         <p:nvSpPr>
-          <p:cNvPr id="6" name="TextBox 5"/>
+          <p:cNvPr id="5" name="TextBox 4"/>
           <p:cNvSpPr txBox="1"/>
           <p:nvPr/>
         </p:nvSpPr>
         <p:spPr>
           <a:xfrm>
-            <a:off x="606464" y="320215"/>
-            <a:ext cx="7555301" cy="830997"/>
+            <a:off x="606464" y="600387"/>
+            <a:ext cx="5827129" cy="707886"/>
           </a:xfrm>
           <a:prstGeom prst="rect">
             <a:avLst/>
@@ -23858,28 +23922,99 @@
           <a:lstStyle/>
           <a:p>
             <a:r>
-              <a:rPr lang="en-US" sz="4800" b="1" dirty="0" smtClean="0">
+              <a:rPr lang="en-US" sz="4000" dirty="0">
                 <a:solidFill>
                   <a:schemeClr val="bg1"/>
                 </a:solidFill>
-                <a:latin typeface="Source Sans Pro Semibold"/>
-                <a:cs typeface="Source Sans Pro Semibold"/>
-              </a:rPr>
-              <a:t>Browser support</a:t>
-            </a:r>
-            <a:endParaRPr lang="en-US" sz="4800" b="1" dirty="0">
+                <a:latin typeface="Consolas"/>
+                <a:cs typeface="Consolas"/>
+              </a:rPr>
+              <a:t>s</a:t>
+            </a:r>
+            <a:r>
+              <a:rPr lang="en-US" sz="4000" dirty="0" smtClean="0">
+                <a:solidFill>
+                  <a:schemeClr val="bg1"/>
+                </a:solidFill>
+                <a:latin typeface="Consolas"/>
+                <a:cs typeface="Consolas"/>
+              </a:rPr>
+              <a:t>hape-inside</a:t>
+            </a:r>
+            <a:endParaRPr lang="en-US" sz="4000" dirty="0">
               <a:solidFill>
                 <a:schemeClr val="bg1"/>
               </a:solidFill>
-              <a:latin typeface="Helvetica Neue"/>
-              <a:cs typeface="Helvetica Neue"/>
+              <a:latin typeface="Consolas"/>
+              <a:cs typeface="Consolas"/>
+            </a:endParaRPr>
+          </a:p>
+        </p:txBody>
+      </p:sp>
+      <p:sp>
+        <p:nvSpPr>
+          <p:cNvPr id="7" name="TextBox 6"/>
+          <p:cNvSpPr txBox="1"/>
+          <p:nvPr/>
+        </p:nvSpPr>
+        <p:spPr>
+          <a:xfrm>
+            <a:off x="606463" y="1150666"/>
+            <a:ext cx="6661458" cy="584776"/>
+          </a:xfrm>
+          <a:prstGeom prst="rect">
+            <a:avLst/>
+          </a:prstGeom>
+          <a:noFill/>
+        </p:spPr>
+        <p:txBody>
+          <a:bodyPr wrap="square" rtlCol="0">
+            <a:spAutoFit/>
+          </a:bodyPr>
+          <a:lstStyle/>
+          <a:p>
+            <a:r>
+              <a:rPr lang="en-US" sz="3200" b="1" dirty="0">
+                <a:solidFill>
+                  <a:schemeClr val="accent2">
+                    <a:lumMod val="60000"/>
+                    <a:lumOff val="40000"/>
+                  </a:schemeClr>
+                </a:solidFill>
+                <a:latin typeface="Source Sans Pro ExtraLight"/>
+                <a:cs typeface="Source Sans Pro ExtraLight"/>
+              </a:rPr>
+              <a:t>w</a:t>
+            </a:r>
+            <a:r>
+              <a:rPr lang="en-US" sz="3200" b="1" dirty="0" smtClean="0">
+                <a:solidFill>
+                  <a:schemeClr val="accent2">
+                    <a:lumMod val="60000"/>
+                    <a:lumOff val="40000"/>
+                  </a:schemeClr>
+                </a:solidFill>
+                <a:latin typeface="Source Sans Pro ExtraLight"/>
+                <a:cs typeface="Source Sans Pro ExtraLight"/>
+              </a:rPr>
+              <a:t>rap content inside of a custom shape</a:t>
+            </a:r>
+            <a:endParaRPr lang="en-US" sz="3200" b="1" dirty="0">
+              <a:solidFill>
+                <a:schemeClr val="accent2">
+                  <a:lumMod val="60000"/>
+                  <a:lumOff val="40000"/>
+                </a:schemeClr>
+              </a:solidFill>
+              <a:latin typeface="Source Sans Pro ExtraLight"/>
+              <a:cs typeface="Source Sans Pro ExtraLight"/>
             </a:endParaRPr>
           </a:p>
         </p:txBody>
       </p:sp>
       <p:pic>
         <p:nvPicPr>
-          <p:cNvPr id="12" name="Picture 11" descr="chrome_256x256.png"/>
+          <p:cNvPr id="2" name="Picture 1" descr="shape-inside.png"/>
           <p:cNvPicPr>
             <a:picLocks noChangeAspect="1"/>
           </p:cNvPicPr>
@@ -23899,109 +24034,18 @@
         </p:blipFill>
         <p:spPr>
           <a:xfrm>
-            <a:off x="957154" y="2365216"/>
-            <a:ext cx="2621168" cy="2621168"/>
+            <a:off x="2878442" y="2370422"/>
+            <a:ext cx="3379578" cy="3379576"/>
           </a:xfrm>
           <a:prstGeom prst="rect">
             <a:avLst/>
           </a:prstGeom>
         </p:spPr>
       </p:pic>
-      <p:pic>
-        <p:nvPicPr>
-          <p:cNvPr id="13" name="Picture 12" descr="opera_256x256.png"/>
-          <p:cNvPicPr>
-            <a:picLocks noChangeAspect="1"/>
-          </p:cNvPicPr>
-          <p:nvPr/>
-        </p:nvPicPr>
-        <p:blipFill>
-          <a:blip r:embed="rId3">
-            <a:extLst>
-              <a:ext uri="{28A0092B-C50C-407E-A947-70E740481C1C}">
-                <a14:useLocalDpi xmlns:a14="http://schemas.microsoft.com/office/drawing/2010/main" val="0"/>
-              </a:ext>
-            </a:extLst>
-          </a:blip>
-          <a:stretch>
-            <a:fillRect/>
-          </a:stretch>
-        </p:blipFill>
-        <p:spPr>
-          <a:xfrm>
-            <a:off x="4834065" y="2365216"/>
-            <a:ext cx="2621168" cy="2621168"/>
-          </a:xfrm>
-          <a:prstGeom prst="rect">
-            <a:avLst/>
-          </a:prstGeom>
-        </p:spPr>
-      </p:pic>
-      <p:sp>
-        <p:nvSpPr>
-          <p:cNvPr id="22" name="TextBox 21"/>
-          <p:cNvSpPr txBox="1"/>
-          <p:nvPr/>
-        </p:nvSpPr>
-        <p:spPr>
-          <a:xfrm>
-            <a:off x="606464" y="1501199"/>
-            <a:ext cx="3611525" cy="523220"/>
-          </a:xfrm>
-          <a:prstGeom prst="rect">
-            <a:avLst/>
-          </a:prstGeom>
-          <a:noFill/>
-        </p:spPr>
-        <p:txBody>
-          <a:bodyPr wrap="square" rtlCol="0">
-            <a:spAutoFit/>
-          </a:bodyPr>
-          <a:lstStyle/>
-          <a:p>
-            <a:r>
-              <a:rPr lang="en-US" sz="2800" b="1" dirty="0">
-                <a:solidFill>
-                  <a:schemeClr val="accent4">
-                    <a:lumMod val="60000"/>
-                    <a:lumOff val="40000"/>
-                  </a:schemeClr>
-                </a:solidFill>
-                <a:latin typeface="Source Sans Pro ExtraLight"/>
-                <a:cs typeface="Source Sans Pro ExtraLight"/>
-              </a:rPr>
-              <a:t>b</a:t>
-            </a:r>
-            <a:r>
-              <a:rPr lang="en-US" sz="2800" b="1" dirty="0" smtClean="0">
-                <a:solidFill>
-                  <a:schemeClr val="accent4">
-                    <a:lumMod val="60000"/>
-                    <a:lumOff val="40000"/>
-                  </a:schemeClr>
-                </a:solidFill>
-                <a:latin typeface="Source Sans Pro ExtraLight"/>
-                <a:cs typeface="Source Sans Pro ExtraLight"/>
-              </a:rPr>
-              <a:t>ehind chrome://flags</a:t>
-            </a:r>
-            <a:endParaRPr lang="en-US" sz="2800" b="1" dirty="0">
-              <a:solidFill>
-                <a:schemeClr val="accent4">
-                  <a:lumMod val="60000"/>
-                  <a:lumOff val="40000"/>
-                </a:schemeClr>
-              </a:solidFill>
-              <a:latin typeface="Source Sans Pro ExtraLight"/>
-              <a:cs typeface="Source Sans Pro ExtraLight"/>
-            </a:endParaRPr>
-          </a:p>
-        </p:txBody>
-      </p:sp>
     </p:spTree>
     <p:extLst>
       <p:ext uri="{BB962C8B-B14F-4D97-AF65-F5344CB8AC3E}">
-        <p14:creationId xmlns:p14="http://schemas.microsoft.com/office/powerpoint/2010/main" val="1911968800"/>
+        <p14:creationId xmlns:p14="http://schemas.microsoft.com/office/powerpoint/2010/main" val="3311624691"/>
       </p:ext>
     </p:extLst>
   </p:cSld>
@@ -24037,14 +24081,14 @@
       </p:grpSpPr>
       <p:sp>
         <p:nvSpPr>
-          <p:cNvPr id="6" name="TextBox 5"/>
+          <p:cNvPr id="5" name="TextBox 4"/>
           <p:cNvSpPr txBox="1"/>
           <p:nvPr/>
         </p:nvSpPr>
         <p:spPr>
           <a:xfrm>
-            <a:off x="606464" y="320215"/>
-            <a:ext cx="7555301" cy="830997"/>
+            <a:off x="606464" y="600387"/>
+            <a:ext cx="5827129" cy="707886"/>
           </a:xfrm>
           <a:prstGeom prst="rect">
             <a:avLst/>
@@ -24058,37 +24102,45 @@
           <a:lstStyle/>
           <a:p>
             <a:r>
-              <a:rPr lang="en-US" sz="4800" b="1" dirty="0" smtClean="0">
+              <a:rPr lang="en-US" sz="4000" dirty="0">
                 <a:solidFill>
                   <a:schemeClr val="bg1"/>
                 </a:solidFill>
-                <a:latin typeface="Source Sans Pro Semibold"/>
-                <a:cs typeface="Source Sans Pro Semibold"/>
-              </a:rPr>
-              <a:t>Resources for CSS Shapes</a:t>
-            </a:r>
-            <a:endParaRPr lang="en-US" sz="4800" b="1" dirty="0">
+                <a:latin typeface="Consolas"/>
+                <a:cs typeface="Consolas"/>
+              </a:rPr>
+              <a:t>s</a:t>
+            </a:r>
+            <a:r>
+              <a:rPr lang="en-US" sz="4000" dirty="0" smtClean="0">
+                <a:solidFill>
+                  <a:schemeClr val="bg1"/>
+                </a:solidFill>
+                <a:latin typeface="Consolas"/>
+                <a:cs typeface="Consolas"/>
+              </a:rPr>
+              <a:t>hape-outside</a:t>
+            </a:r>
+            <a:endParaRPr lang="en-US" sz="4000" dirty="0">
               <a:solidFill>
                 <a:schemeClr val="bg1"/>
               </a:solidFill>
-              <a:latin typeface="Helvetica Neue"/>
-              <a:cs typeface="Helvetica Neue"/>
+              <a:latin typeface="Consolas"/>
+              <a:cs typeface="Consolas"/>
             </a:endParaRPr>
           </a:p>
         </p:txBody>
       </p:sp>
       <p:sp>
         <p:nvSpPr>
-          <p:cNvPr id="22" name="TextBox 21">
-            <a:hlinkClick r:id="rId2"/>
-          </p:cNvPr>
+          <p:cNvPr id="7" name="TextBox 6"/>
           <p:cNvSpPr txBox="1"/>
           <p:nvPr/>
         </p:nvSpPr>
         <p:spPr>
           <a:xfrm>
-            <a:off x="606464" y="1501199"/>
-            <a:ext cx="5506913" cy="954107"/>
+            <a:off x="606463" y="1150666"/>
+            <a:ext cx="6661458" cy="584776"/>
           </a:xfrm>
           <a:prstGeom prst="rect">
             <a:avLst/>
@@ -24102,9 +24154,9 @@
           <a:lstStyle/>
           <a:p>
             <a:r>
-              <a:rPr lang="en-US" sz="2800" b="1" u="sng" dirty="0" smtClean="0">
-                <a:solidFill>
-                  <a:schemeClr val="accent4">
+              <a:rPr lang="en-US" sz="3200" b="1" dirty="0">
+                <a:solidFill>
+                  <a:schemeClr val="accent2">
                     <a:lumMod val="60000"/>
                     <a:lumOff val="40000"/>
                   </a:schemeClr>
@@ -24112,11 +24164,24 @@
                 <a:latin typeface="Source Sans Pro ExtraLight"/>
                 <a:cs typeface="Source Sans Pro ExtraLight"/>
               </a:rPr>
-              <a:t>Creating Non-Rectangular Layouts with CSS Shapes</a:t>
-            </a:r>
-            <a:endParaRPr lang="en-US" sz="2800" b="1" u="sng" dirty="0">
+              <a:t>w</a:t>
+            </a:r>
+            <a:r>
+              <a:rPr lang="en-US" sz="3200" b="1" dirty="0" smtClean="0">
+                <a:solidFill>
+                  <a:schemeClr val="accent2">
+                    <a:lumMod val="60000"/>
+                    <a:lumOff val="40000"/>
+                  </a:schemeClr>
+                </a:solidFill>
+                <a:latin typeface="Source Sans Pro ExtraLight"/>
+                <a:cs typeface="Source Sans Pro ExtraLight"/>
+              </a:rPr>
+              <a:t>rap content around a custom shape</a:t>
+            </a:r>
+            <a:endParaRPr lang="en-US" sz="3200" b="1" dirty="0">
               <a:solidFill>
-                <a:schemeClr val="accent4">
+                <a:schemeClr val="accent2">
                   <a:lumMod val="60000"/>
                   <a:lumOff val="40000"/>
                 </a:schemeClr>
@@ -24127,148 +24192,40 @@
           </a:p>
         </p:txBody>
       </p:sp>
-      <p:sp>
-        <p:nvSpPr>
-          <p:cNvPr id="7" name="TextBox 6">
-            <a:hlinkClick r:id="rId3"/>
-          </p:cNvPr>
-          <p:cNvSpPr txBox="1"/>
-          <p:nvPr/>
-        </p:nvSpPr>
-        <p:spPr>
-          <a:xfrm>
-            <a:off x="606464" y="2980419"/>
-            <a:ext cx="5506913" cy="523220"/>
-          </a:xfrm>
-          <a:prstGeom prst="rect">
-            <a:avLst/>
-          </a:prstGeom>
-          <a:noFill/>
-        </p:spPr>
-        <p:txBody>
-          <a:bodyPr wrap="square" rtlCol="0">
-            <a:spAutoFit/>
-          </a:bodyPr>
-          <a:lstStyle/>
-          <a:p>
-            <a:r>
-              <a:rPr lang="en-US" sz="2800" b="1" u="sng" dirty="0" smtClean="0">
-                <a:solidFill>
-                  <a:schemeClr val="accent4">
-                    <a:lumMod val="60000"/>
-                    <a:lumOff val="40000"/>
-                  </a:schemeClr>
-                </a:solidFill>
-                <a:latin typeface="Source Sans Pro ExtraLight"/>
-                <a:cs typeface="Source Sans Pro ExtraLight"/>
-              </a:rPr>
-              <a:t>CSS Shapes on </a:t>
-            </a:r>
-            <a:r>
-              <a:rPr lang="en-US" sz="2800" b="1" u="sng" dirty="0" err="1" smtClean="0">
-                <a:solidFill>
-                  <a:schemeClr val="accent4">
-                    <a:lumMod val="60000"/>
-                    <a:lumOff val="40000"/>
-                  </a:schemeClr>
-                </a:solidFill>
-                <a:latin typeface="Source Sans Pro ExtraLight"/>
-                <a:cs typeface="Source Sans Pro ExtraLight"/>
-              </a:rPr>
-              <a:t>html.adobe.com</a:t>
-            </a:r>
-            <a:endParaRPr lang="en-US" sz="2800" b="1" u="sng" dirty="0">
-              <a:solidFill>
-                <a:schemeClr val="accent4">
-                  <a:lumMod val="60000"/>
-                  <a:lumOff val="40000"/>
-                </a:schemeClr>
-              </a:solidFill>
-              <a:latin typeface="Source Sans Pro ExtraLight"/>
-              <a:cs typeface="Source Sans Pro ExtraLight"/>
-            </a:endParaRPr>
-          </a:p>
-        </p:txBody>
-      </p:sp>
-      <p:sp>
-        <p:nvSpPr>
-          <p:cNvPr id="8" name="TextBox 7">
-            <a:hlinkClick r:id="rId4" action="ppaction://hlinkfile"/>
-          </p:cNvPr>
-          <p:cNvSpPr txBox="1"/>
-          <p:nvPr/>
-        </p:nvSpPr>
-        <p:spPr>
-          <a:xfrm>
-            <a:off x="606464" y="4080547"/>
-            <a:ext cx="5506913" cy="954107"/>
-          </a:xfrm>
-          <a:prstGeom prst="rect">
-            <a:avLst/>
-          </a:prstGeom>
-          <a:noFill/>
-        </p:spPr>
-        <p:txBody>
-          <a:bodyPr wrap="square" rtlCol="0">
-            <a:spAutoFit/>
-          </a:bodyPr>
-          <a:lstStyle/>
-          <a:p>
-            <a:r>
-              <a:rPr lang="en-US" sz="2800" b="1" u="sng" dirty="0" smtClean="0">
-                <a:solidFill>
-                  <a:schemeClr val="accent4">
-                    <a:lumMod val="60000"/>
-                    <a:lumOff val="40000"/>
-                  </a:schemeClr>
-                </a:solidFill>
-                <a:latin typeface="Source Sans Pro ExtraLight"/>
-                <a:cs typeface="Source Sans Pro ExtraLight"/>
-              </a:rPr>
-              <a:t>Alice in Wonderland demo </a:t>
-            </a:r>
-            <a:br>
-              <a:rPr lang="en-US" sz="2800" b="1" u="sng" dirty="0" smtClean="0">
-                <a:solidFill>
-                  <a:schemeClr val="accent4">
-                    <a:lumMod val="60000"/>
-                    <a:lumOff val="40000"/>
-                  </a:schemeClr>
-                </a:solidFill>
-                <a:latin typeface="Source Sans Pro ExtraLight"/>
-                <a:cs typeface="Source Sans Pro ExtraLight"/>
-              </a:rPr>
-            </a:br>
-            <a:r>
-              <a:rPr lang="en-US" sz="2800" b="1" u="sng" dirty="0" smtClean="0">
-                <a:solidFill>
-                  <a:schemeClr val="accent4">
-                    <a:lumMod val="60000"/>
-                    <a:lumOff val="40000"/>
-                  </a:schemeClr>
-                </a:solidFill>
-                <a:latin typeface="Source Sans Pro ExtraLight"/>
-                <a:cs typeface="Source Sans Pro ExtraLight"/>
-              </a:rPr>
-              <a:t>with CSS Shapes</a:t>
-            </a:r>
-            <a:endParaRPr lang="en-US" sz="2800" b="1" u="sng" dirty="0">
-              <a:solidFill>
-                <a:schemeClr val="accent4">
-                  <a:lumMod val="60000"/>
-                  <a:lumOff val="40000"/>
-                </a:schemeClr>
-              </a:solidFill>
-              <a:latin typeface="Source Sans Pro ExtraLight"/>
-              <a:cs typeface="Source Sans Pro ExtraLight"/>
-            </a:endParaRPr>
-          </a:p>
-        </p:txBody>
-      </p:sp>
+      <p:pic>
+        <p:nvPicPr>
+          <p:cNvPr id="3" name="Picture 2" descr="shape-outside.png"/>
+          <p:cNvPicPr>
+            <a:picLocks noChangeAspect="1"/>
+          </p:cNvPicPr>
+          <p:nvPr/>
+        </p:nvPicPr>
+        <p:blipFill>
+          <a:blip r:embed="rId2">
+            <a:extLst>
+              <a:ext uri="{28A0092B-C50C-407E-A947-70E740481C1C}">
+                <a14:useLocalDpi xmlns:a14="http://schemas.microsoft.com/office/drawing/2010/main" val="0"/>
+              </a:ext>
+            </a:extLst>
+          </a:blip>
+          <a:stretch>
+            <a:fillRect/>
+          </a:stretch>
+        </p:blipFill>
+        <p:spPr>
+          <a:xfrm>
+            <a:off x="1556583" y="2151345"/>
+            <a:ext cx="5711338" cy="3741910"/>
+          </a:xfrm>
+          <a:prstGeom prst="rect">
+            <a:avLst/>
+          </a:prstGeom>
+        </p:spPr>
+      </p:pic>
     </p:spTree>
     <p:extLst>
       <p:ext uri="{BB962C8B-B14F-4D97-AF65-F5344CB8AC3E}">
-        <p14:creationId xmlns:p14="http://schemas.microsoft.com/office/powerpoint/2010/main" val="4280561810"/>
+        <p14:creationId xmlns:p14="http://schemas.microsoft.com/office/powerpoint/2010/main" val="2052973742"/>
       </p:ext>
     </p:extLst>
   </p:cSld>
@@ -24288,6 +24245,14 @@
 <file path=ppt/slides/slide67.xml><?xml version="1.0" encoding="utf-8"?>
 <p:sld xmlns:a="http://schemas.openxmlformats.org/drawingml/2006/main" xmlns:r="http://schemas.openxmlformats.org/officeDocument/2006/relationships" xmlns:p="http://schemas.openxmlformats.org/presentationml/2006/main">
   <p:cSld>
+    <p:bg>
+      <p:bgPr>
+        <a:solidFill>
+          <a:srgbClr val="500928"/>
+        </a:solidFill>
+        <a:effectLst/>
+      </p:bgPr>
+    </p:bg>
     <p:spTree>
       <p:nvGrpSpPr>
         <p:cNvPr id="1" name=""/>
@@ -24310,8 +24275,8 @@
         </p:nvSpPr>
         <p:spPr>
           <a:xfrm>
-            <a:off x="606464" y="3480490"/>
-            <a:ext cx="7555301" cy="830997"/>
+            <a:off x="606464" y="1611206"/>
+            <a:ext cx="7848004" cy="3785652"/>
           </a:xfrm>
           <a:prstGeom prst="rect">
             <a:avLst/>
@@ -24324,99 +24289,149 @@
           </a:bodyPr>
           <a:lstStyle/>
           <a:p>
-            <a:r>
-              <a:rPr lang="en-US" sz="4800" b="1" dirty="0" smtClean="0">
+            <a:pPr marL="914400" indent="-914400">
+              <a:buFont typeface="+mj-lt"/>
+              <a:buAutoNum type="arabicPeriod"/>
+            </a:pPr>
+            <a:r>
+              <a:rPr lang="en-US" sz="4000" b="1" dirty="0">
                 <a:solidFill>
                   <a:schemeClr val="accent2">
-                    <a:lumMod val="60000"/>
-                    <a:lumOff val="40000"/>
+                    <a:lumMod val="20000"/>
+                    <a:lumOff val="80000"/>
                   </a:schemeClr>
                 </a:solidFill>
                 <a:latin typeface="Source Sans Pro ExtraLight"/>
                 <a:cs typeface="Source Sans Pro ExtraLight"/>
               </a:rPr>
-              <a:t>@</a:t>
-            </a:r>
-            <a:r>
-              <a:rPr lang="en-US" sz="4800" b="1" dirty="0" err="1" smtClean="0">
+              <a:t>g</a:t>
+            </a:r>
+            <a:r>
+              <a:rPr lang="en-US" sz="4000" b="1" dirty="0" smtClean="0">
                 <a:solidFill>
                   <a:schemeClr val="accent2">
-                    <a:lumMod val="60000"/>
-                    <a:lumOff val="40000"/>
+                    <a:lumMod val="20000"/>
+                    <a:lumOff val="80000"/>
                   </a:schemeClr>
                 </a:solidFill>
                 <a:latin typeface="Source Sans Pro ExtraLight"/>
                 <a:cs typeface="Source Sans Pro ExtraLight"/>
               </a:rPr>
-              <a:t>razvancaliman</a:t>
-            </a:r>
-            <a:endParaRPr lang="en-US" sz="4800" b="1" dirty="0">
+              <a:t>o to chrome://flags</a:t>
+            </a:r>
+          </a:p>
+          <a:p>
+            <a:endParaRPr lang="en-US" sz="4000" b="1" dirty="0" smtClean="0">
               <a:solidFill>
                 <a:schemeClr val="accent2">
-                  <a:lumMod val="60000"/>
-                  <a:lumOff val="40000"/>
+                  <a:lumMod val="20000"/>
+                  <a:lumOff val="80000"/>
                 </a:schemeClr>
               </a:solidFill>
               <a:latin typeface="Source Sans Pro ExtraLight"/>
               <a:cs typeface="Source Sans Pro ExtraLight"/>
             </a:endParaRPr>
           </a:p>
-        </p:txBody>
-      </p:sp>
-      <p:sp>
-        <p:nvSpPr>
-          <p:cNvPr id="8" name="Rectangle 7"/>
-          <p:cNvSpPr/>
-          <p:nvPr/>
-        </p:nvSpPr>
-        <p:spPr>
-          <a:xfrm>
-            <a:off x="0" y="4537311"/>
-            <a:ext cx="9144000" cy="2320689"/>
-          </a:xfrm>
-          <a:prstGeom prst="rect">
-            <a:avLst/>
-          </a:prstGeom>
-          <a:solidFill>
-            <a:srgbClr val="604A7B"/>
-          </a:solidFill>
-          <a:ln w="38100" cmpd="sng">
-            <a:noFill/>
-          </a:ln>
-          <a:effectLst/>
-        </p:spPr>
-        <p:style>
-          <a:lnRef idx="1">
-            <a:schemeClr val="accent1"/>
-          </a:lnRef>
-          <a:fillRef idx="3">
-            <a:schemeClr val="accent1"/>
-          </a:fillRef>
-          <a:effectRef idx="2">
-            <a:schemeClr val="accent1"/>
-          </a:effectRef>
-          <a:fontRef idx="minor">
-            <a:schemeClr val="lt1"/>
-          </a:fontRef>
-        </p:style>
-        <p:txBody>
-          <a:bodyPr rtlCol="0" anchor="ctr"/>
-          <a:lstStyle/>
-          <a:p>
-            <a:pPr algn="ctr"/>
-            <a:endParaRPr lang="en-US"/>
-          </a:p>
-        </p:txBody>
-      </p:sp>
-      <p:sp>
-        <p:nvSpPr>
-          <p:cNvPr id="9" name="TextBox 8"/>
+          <a:p>
+            <a:pPr marL="914400" indent="-914400">
+              <a:buFont typeface="+mj-lt"/>
+              <a:buAutoNum type="arabicPeriod"/>
+            </a:pPr>
+            <a:r>
+              <a:rPr lang="en-US" sz="4000" b="1" dirty="0" smtClean="0">
+                <a:solidFill>
+                  <a:schemeClr val="accent2">
+                    <a:lumMod val="20000"/>
+                    <a:lumOff val="80000"/>
+                  </a:schemeClr>
+                </a:solidFill>
+                <a:latin typeface="Source Sans Pro ExtraLight"/>
+                <a:cs typeface="Source Sans Pro ExtraLight"/>
+              </a:rPr>
+              <a:t>find “</a:t>
+            </a:r>
+            <a:r>
+              <a:rPr lang="en-US" sz="4000" i="1" dirty="0" smtClean="0">
+                <a:solidFill>
+                  <a:schemeClr val="accent2">
+                    <a:lumMod val="20000"/>
+                    <a:lumOff val="80000"/>
+                  </a:schemeClr>
+                </a:solidFill>
+                <a:latin typeface="Source Sans Pro Light"/>
+                <a:cs typeface="Source Sans Pro Light"/>
+              </a:rPr>
+              <a:t>Experimental Web Platform features</a:t>
+            </a:r>
+            <a:r>
+              <a:rPr lang="en-US" sz="4000" b="1" dirty="0" smtClean="0">
+                <a:solidFill>
+                  <a:schemeClr val="accent2">
+                    <a:lumMod val="20000"/>
+                    <a:lumOff val="80000"/>
+                  </a:schemeClr>
+                </a:solidFill>
+                <a:latin typeface="Source Sans Pro ExtraLight"/>
+                <a:cs typeface="Source Sans Pro ExtraLight"/>
+              </a:rPr>
+              <a:t>” and click </a:t>
+            </a:r>
+            <a:r>
+              <a:rPr lang="en-US" sz="4000" dirty="0" smtClean="0">
+                <a:solidFill>
+                  <a:schemeClr val="accent2">
+                    <a:lumMod val="20000"/>
+                    <a:lumOff val="80000"/>
+                  </a:schemeClr>
+                </a:solidFill>
+                <a:latin typeface="Source Sans Pro Semibold"/>
+                <a:cs typeface="Source Sans Pro Semibold"/>
+              </a:rPr>
+              <a:t>enable</a:t>
+            </a:r>
+          </a:p>
+          <a:p>
+            <a:endParaRPr lang="en-US" sz="4000" dirty="0" smtClean="0">
+              <a:solidFill>
+                <a:schemeClr val="accent2">
+                  <a:lumMod val="20000"/>
+                  <a:lumOff val="80000"/>
+                </a:schemeClr>
+              </a:solidFill>
+              <a:latin typeface="Source Sans Pro Semibold"/>
+              <a:cs typeface="Source Sans Pro Semibold"/>
+            </a:endParaRPr>
+          </a:p>
+          <a:p>
+            <a:pPr marL="914400" indent="-914400">
+              <a:buFont typeface="+mj-lt"/>
+              <a:buAutoNum type="arabicPeriod"/>
+            </a:pPr>
+            <a:r>
+              <a:rPr lang="en-US" sz="4000" b="1" dirty="0" smtClean="0">
+                <a:solidFill>
+                  <a:schemeClr val="accent2">
+                    <a:lumMod val="20000"/>
+                    <a:lumOff val="80000"/>
+                  </a:schemeClr>
+                </a:solidFill>
+                <a:latin typeface="Source Sans Pro ExtraLight"/>
+                <a:cs typeface="Source Sans Pro ExtraLight"/>
+              </a:rPr>
+              <a:t>restart Chrome</a:t>
+            </a:r>
+          </a:p>
+        </p:txBody>
+      </p:sp>
+      <p:sp>
+        <p:nvSpPr>
+          <p:cNvPr id="5" name="TextBox 4"/>
           <p:cNvSpPr txBox="1"/>
           <p:nvPr/>
         </p:nvSpPr>
         <p:spPr>
           <a:xfrm>
-            <a:off x="606464" y="320215"/>
+            <a:off x="606464" y="490806"/>
             <a:ext cx="7555301" cy="830997"/>
           </a:xfrm>
           <a:prstGeom prst="rect">
@@ -24438,17 +24453,7 @@
                 <a:latin typeface="Source Sans Pro Semibold"/>
                 <a:cs typeface="Source Sans Pro Semibold"/>
               </a:rPr>
-              <a:t>CSS </a:t>
-            </a:r>
-            <a:r>
-              <a:rPr lang="en-US" sz="4800" b="1" dirty="0" err="1" smtClean="0">
-                <a:solidFill>
-                  <a:schemeClr val="bg1"/>
-                </a:solidFill>
-                <a:latin typeface="Source Sans Pro Semibold"/>
-                <a:cs typeface="Source Sans Pro Semibold"/>
-              </a:rPr>
-              <a:t>Flexbox</a:t>
+              <a:t>How to enable CSS Shapes</a:t>
             </a:r>
             <a:endParaRPr lang="en-US" sz="4800" b="1" dirty="0">
               <a:solidFill>
@@ -24460,297 +24465,10 @@
           </a:p>
         </p:txBody>
       </p:sp>
-      <p:sp>
-        <p:nvSpPr>
-          <p:cNvPr id="10" name="Rectangle 9"/>
-          <p:cNvSpPr/>
-          <p:nvPr/>
-        </p:nvSpPr>
-        <p:spPr>
-          <a:xfrm>
-            <a:off x="0" y="2216622"/>
-            <a:ext cx="9144000" cy="2320689"/>
-          </a:xfrm>
-          <a:prstGeom prst="rect">
-            <a:avLst/>
-          </a:prstGeom>
-          <a:solidFill>
-            <a:schemeClr val="accent4">
-              <a:lumMod val="50000"/>
-            </a:schemeClr>
-          </a:solidFill>
-          <a:ln w="38100" cmpd="sng">
-            <a:noFill/>
-          </a:ln>
-          <a:effectLst/>
-        </p:spPr>
-        <p:style>
-          <a:lnRef idx="1">
-            <a:schemeClr val="accent1"/>
-          </a:lnRef>
-          <a:fillRef idx="3">
-            <a:schemeClr val="accent1"/>
-          </a:fillRef>
-          <a:effectRef idx="2">
-            <a:schemeClr val="accent1"/>
-          </a:effectRef>
-          <a:fontRef idx="minor">
-            <a:schemeClr val="lt1"/>
-          </a:fontRef>
-        </p:style>
-        <p:txBody>
-          <a:bodyPr rtlCol="0" anchor="ctr"/>
-          <a:lstStyle/>
-          <a:p>
-            <a:pPr algn="ctr"/>
-            <a:endParaRPr lang="en-US"/>
-          </a:p>
-        </p:txBody>
-      </p:sp>
-      <p:sp>
-        <p:nvSpPr>
-          <p:cNvPr id="11" name="TextBox 10"/>
-          <p:cNvSpPr txBox="1"/>
-          <p:nvPr/>
-        </p:nvSpPr>
-        <p:spPr>
-          <a:xfrm>
-            <a:off x="606463" y="1069023"/>
-            <a:ext cx="6661458" cy="584776"/>
-          </a:xfrm>
-          <a:prstGeom prst="rect">
-            <a:avLst/>
-          </a:prstGeom>
-          <a:noFill/>
-        </p:spPr>
-        <p:txBody>
-          <a:bodyPr wrap="square" rtlCol="0">
-            <a:spAutoFit/>
-          </a:bodyPr>
-          <a:lstStyle/>
-          <a:p>
-            <a:r>
-              <a:rPr lang="en-US" sz="3200" b="1" dirty="0">
-                <a:solidFill>
-                  <a:schemeClr val="bg1"/>
-                </a:solidFill>
-                <a:latin typeface="Source Sans Pro ExtraLight"/>
-                <a:cs typeface="Source Sans Pro ExtraLight"/>
-              </a:rPr>
-              <a:t>p</a:t>
-            </a:r>
-            <a:r>
-              <a:rPr lang="en-US" sz="3200" b="1" dirty="0" smtClean="0">
-                <a:solidFill>
-                  <a:schemeClr val="bg1"/>
-                </a:solidFill>
-                <a:latin typeface="Source Sans Pro ExtraLight"/>
-                <a:cs typeface="Source Sans Pro ExtraLight"/>
-              </a:rPr>
-              <a:t>osition, align, flex and order elements</a:t>
-            </a:r>
-            <a:endParaRPr lang="en-US" sz="3200" b="1" dirty="0">
-              <a:solidFill>
-                <a:schemeClr val="bg1"/>
-              </a:solidFill>
-              <a:latin typeface="Source Sans Pro ExtraLight"/>
-              <a:cs typeface="Source Sans Pro ExtraLight"/>
-            </a:endParaRPr>
-          </a:p>
-        </p:txBody>
-      </p:sp>
-      <p:sp>
-        <p:nvSpPr>
-          <p:cNvPr id="12" name="TextBox 11"/>
-          <p:cNvSpPr txBox="1"/>
-          <p:nvPr/>
-        </p:nvSpPr>
-        <p:spPr>
-          <a:xfrm>
-            <a:off x="758864" y="2649493"/>
-            <a:ext cx="7555301" cy="830997"/>
-          </a:xfrm>
-          <a:prstGeom prst="rect">
-            <a:avLst/>
-          </a:prstGeom>
-          <a:noFill/>
-        </p:spPr>
-        <p:txBody>
-          <a:bodyPr wrap="square" rtlCol="0">
-            <a:spAutoFit/>
-          </a:bodyPr>
-          <a:lstStyle/>
-          <a:p>
-            <a:r>
-              <a:rPr lang="en-US" sz="4800" b="1" dirty="0" smtClean="0">
-                <a:solidFill>
-                  <a:schemeClr val="bg1"/>
-                </a:solidFill>
-                <a:latin typeface="Source Sans Pro Semibold"/>
-                <a:cs typeface="Source Sans Pro Semibold"/>
-              </a:rPr>
-              <a:t>CSS Regions</a:t>
-            </a:r>
-            <a:endParaRPr lang="en-US" sz="4800" b="1" dirty="0">
-              <a:solidFill>
-                <a:schemeClr val="bg1"/>
-              </a:solidFill>
-              <a:latin typeface="Helvetica Neue"/>
-              <a:cs typeface="Helvetica Neue"/>
-            </a:endParaRPr>
-          </a:p>
-        </p:txBody>
-      </p:sp>
-      <p:sp>
-        <p:nvSpPr>
-          <p:cNvPr id="13" name="TextBox 12"/>
-          <p:cNvSpPr txBox="1"/>
-          <p:nvPr/>
-        </p:nvSpPr>
-        <p:spPr>
-          <a:xfrm>
-            <a:off x="758863" y="3398301"/>
-            <a:ext cx="6661458" cy="584776"/>
-          </a:xfrm>
-          <a:prstGeom prst="rect">
-            <a:avLst/>
-          </a:prstGeom>
-          <a:noFill/>
-        </p:spPr>
-        <p:txBody>
-          <a:bodyPr wrap="square" rtlCol="0">
-            <a:spAutoFit/>
-          </a:bodyPr>
-          <a:lstStyle/>
-          <a:p>
-            <a:r>
-              <a:rPr lang="en-US" sz="3200" b="1" dirty="0">
-                <a:solidFill>
-                  <a:srgbClr val="FFFFFF"/>
-                </a:solidFill>
-                <a:latin typeface="Source Sans Pro ExtraLight"/>
-                <a:cs typeface="Source Sans Pro ExtraLight"/>
-              </a:rPr>
-              <a:t>c</a:t>
-            </a:r>
-            <a:r>
-              <a:rPr lang="en-US" sz="3200" b="1" dirty="0" smtClean="0">
-                <a:solidFill>
-                  <a:srgbClr val="FFFFFF"/>
-                </a:solidFill>
-                <a:latin typeface="Source Sans Pro ExtraLight"/>
-                <a:cs typeface="Source Sans Pro ExtraLight"/>
-              </a:rPr>
-              <a:t>ontrol flow of content</a:t>
-            </a:r>
-            <a:endParaRPr lang="en-US" sz="3200" b="1" dirty="0">
-              <a:solidFill>
-                <a:srgbClr val="FFFFFF"/>
-              </a:solidFill>
-              <a:latin typeface="Source Sans Pro ExtraLight"/>
-              <a:cs typeface="Source Sans Pro ExtraLight"/>
-            </a:endParaRPr>
-          </a:p>
-        </p:txBody>
-      </p:sp>
-      <p:sp>
-        <p:nvSpPr>
-          <p:cNvPr id="14" name="TextBox 13"/>
-          <p:cNvSpPr txBox="1"/>
-          <p:nvPr/>
-        </p:nvSpPr>
-        <p:spPr>
-          <a:xfrm>
-            <a:off x="758865" y="5052153"/>
-            <a:ext cx="7555301" cy="830997"/>
-          </a:xfrm>
-          <a:prstGeom prst="rect">
-            <a:avLst/>
-          </a:prstGeom>
-          <a:noFill/>
-        </p:spPr>
-        <p:txBody>
-          <a:bodyPr wrap="square" rtlCol="0">
-            <a:spAutoFit/>
-          </a:bodyPr>
-          <a:lstStyle/>
-          <a:p>
-            <a:r>
-              <a:rPr lang="en-US" sz="4800" b="1" dirty="0" smtClean="0">
-                <a:solidFill>
-                  <a:schemeClr val="bg1"/>
-                </a:solidFill>
-                <a:latin typeface="Source Sans Pro Semibold"/>
-                <a:cs typeface="Source Sans Pro Semibold"/>
-              </a:rPr>
-              <a:t>CSS Shapes</a:t>
-            </a:r>
-            <a:endParaRPr lang="en-US" sz="4800" b="1" dirty="0">
-              <a:solidFill>
-                <a:schemeClr val="bg1"/>
-              </a:solidFill>
-              <a:latin typeface="Helvetica Neue"/>
-              <a:cs typeface="Helvetica Neue"/>
-            </a:endParaRPr>
-          </a:p>
-        </p:txBody>
-      </p:sp>
-      <p:sp>
-        <p:nvSpPr>
-          <p:cNvPr id="15" name="TextBox 14"/>
-          <p:cNvSpPr txBox="1"/>
-          <p:nvPr/>
-        </p:nvSpPr>
-        <p:spPr>
-          <a:xfrm>
-            <a:off x="758864" y="5800961"/>
-            <a:ext cx="6661458" cy="584776"/>
-          </a:xfrm>
-          <a:prstGeom prst="rect">
-            <a:avLst/>
-          </a:prstGeom>
-          <a:noFill/>
-        </p:spPr>
-        <p:txBody>
-          <a:bodyPr wrap="square" rtlCol="0">
-            <a:spAutoFit/>
-          </a:bodyPr>
-          <a:lstStyle/>
-          <a:p>
-            <a:r>
-              <a:rPr lang="en-US" sz="3200" b="1" dirty="0">
-                <a:solidFill>
-                  <a:srgbClr val="FFFFFF"/>
-                </a:solidFill>
-                <a:latin typeface="Source Sans Pro ExtraLight"/>
-                <a:cs typeface="Source Sans Pro ExtraLight"/>
-              </a:rPr>
-              <a:t>w</a:t>
-            </a:r>
-            <a:r>
-              <a:rPr lang="en-US" sz="3200" b="1" dirty="0" smtClean="0">
-                <a:solidFill>
-                  <a:srgbClr val="FFFFFF"/>
-                </a:solidFill>
-                <a:latin typeface="Source Sans Pro ExtraLight"/>
-                <a:cs typeface="Source Sans Pro ExtraLight"/>
-              </a:rPr>
-              <a:t>rap content inside/around shapes</a:t>
-            </a:r>
-            <a:endParaRPr lang="en-US" sz="3200" b="1" dirty="0">
-              <a:solidFill>
-                <a:srgbClr val="FFFFFF"/>
-              </a:solidFill>
-              <a:latin typeface="Source Sans Pro ExtraLight"/>
-              <a:cs typeface="Source Sans Pro ExtraLight"/>
-            </a:endParaRPr>
-          </a:p>
-        </p:txBody>
-      </p:sp>
     </p:spTree>
     <p:extLst>
       <p:ext uri="{BB962C8B-B14F-4D97-AF65-F5344CB8AC3E}">
-        <p14:creationId xmlns:p14="http://schemas.microsoft.com/office/powerpoint/2010/main" val="799641617"/>
+        <p14:creationId xmlns:p14="http://schemas.microsoft.com/office/powerpoint/2010/main" val="384584936"/>
       </p:ext>
     </p:extLst>
   </p:cSld>
@@ -24786,14 +24504,14 @@
       </p:grpSpPr>
       <p:sp>
         <p:nvSpPr>
-          <p:cNvPr id="4" name="TextBox 3"/>
+          <p:cNvPr id="6" name="TextBox 5"/>
           <p:cNvSpPr txBox="1"/>
           <p:nvPr/>
         </p:nvSpPr>
         <p:spPr>
           <a:xfrm>
-            <a:off x="606464" y="2313671"/>
-            <a:ext cx="7555301" cy="1200328"/>
+            <a:off x="606464" y="320215"/>
+            <a:ext cx="7555301" cy="830997"/>
           </a:xfrm>
           <a:prstGeom prst="rect">
             <a:avLst/>
@@ -24806,22 +24524,17 @@
           </a:bodyPr>
           <a:lstStyle/>
           <a:p>
-            <a:pPr>
-              <a:lnSpc>
-                <a:spcPct val="70000"/>
-              </a:lnSpc>
-            </a:pPr>
-            <a:r>
-              <a:rPr lang="en-US" sz="9600" b="1" spc="-300" dirty="0" smtClean="0">
+            <a:r>
+              <a:rPr lang="en-US" sz="4800" b="1" dirty="0" smtClean="0">
                 <a:solidFill>
                   <a:schemeClr val="bg1"/>
                 </a:solidFill>
                 <a:latin typeface="Source Sans Pro Semibold"/>
                 <a:cs typeface="Source Sans Pro Semibold"/>
               </a:rPr>
-              <a:t>Experiment!</a:t>
-            </a:r>
-            <a:endParaRPr lang="en-US" sz="9600" b="1" spc="-300" dirty="0">
+              <a:t>Browser support</a:t>
+            </a:r>
+            <a:endParaRPr lang="en-US" sz="4800" b="1" dirty="0">
               <a:solidFill>
                 <a:schemeClr val="bg1"/>
               </a:solidFill>
@@ -24831,72 +24544,39 @@
           </a:p>
         </p:txBody>
       </p:sp>
-      <p:sp>
-        <p:nvSpPr>
-          <p:cNvPr id="5" name="TextBox 4">
-            <a:hlinkClick r:id="rId2"/>
-          </p:cNvPr>
-          <p:cNvSpPr txBox="1"/>
-          <p:nvPr/>
-        </p:nvSpPr>
-        <p:spPr>
-          <a:xfrm>
-            <a:off x="1794112" y="3672311"/>
-            <a:ext cx="4999679" cy="830997"/>
-          </a:xfrm>
-          <a:prstGeom prst="rect">
-            <a:avLst/>
-          </a:prstGeom>
-          <a:noFill/>
-        </p:spPr>
-        <p:txBody>
-          <a:bodyPr wrap="square" rtlCol="0">
-            <a:spAutoFit/>
-          </a:bodyPr>
-          <a:lstStyle/>
-          <a:p>
-            <a:r>
-              <a:rPr lang="en-US" sz="4800" b="1" dirty="0" smtClean="0">
-                <a:solidFill>
-                  <a:schemeClr val="accent1">
-                    <a:lumMod val="60000"/>
-                    <a:lumOff val="40000"/>
-                  </a:schemeClr>
-                </a:solidFill>
-                <a:latin typeface="Source Sans Pro ExtraLight"/>
-                <a:cs typeface="Source Sans Pro ExtraLight"/>
-              </a:rPr>
-              <a:t>@</a:t>
-            </a:r>
-            <a:r>
-              <a:rPr lang="en-US" sz="4800" b="1" dirty="0" err="1" smtClean="0">
-                <a:solidFill>
-                  <a:schemeClr val="accent1">
-                    <a:lumMod val="60000"/>
-                    <a:lumOff val="40000"/>
-                  </a:schemeClr>
-                </a:solidFill>
-                <a:latin typeface="Source Sans Pro ExtraLight"/>
-                <a:cs typeface="Source Sans Pro ExtraLight"/>
-              </a:rPr>
-              <a:t>razvancaliman</a:t>
-            </a:r>
-            <a:endParaRPr lang="en-US" sz="4800" b="1" dirty="0">
-              <a:solidFill>
-                <a:schemeClr val="accent1">
-                  <a:lumMod val="60000"/>
-                  <a:lumOff val="40000"/>
-                </a:schemeClr>
-              </a:solidFill>
-              <a:latin typeface="Source Sans Pro ExtraLight"/>
-              <a:cs typeface="Source Sans Pro ExtraLight"/>
-            </a:endParaRPr>
-          </a:p>
-        </p:txBody>
-      </p:sp>
       <p:pic>
         <p:nvPicPr>
-          <p:cNvPr id="7" name="Picture 6" descr="Twitter_logo_blue.png"/>
+          <p:cNvPr id="12" name="Picture 11" descr="chrome_256x256.png"/>
+          <p:cNvPicPr>
+            <a:picLocks noChangeAspect="1"/>
+          </p:cNvPicPr>
+          <p:nvPr/>
+        </p:nvPicPr>
+        <p:blipFill>
+          <a:blip r:embed="rId2">
+            <a:extLst>
+              <a:ext uri="{28A0092B-C50C-407E-A947-70E740481C1C}">
+                <a14:useLocalDpi xmlns:a14="http://schemas.microsoft.com/office/drawing/2010/main" val="0"/>
+              </a:ext>
+            </a:extLst>
+          </a:blip>
+          <a:stretch>
+            <a:fillRect/>
+          </a:stretch>
+        </p:blipFill>
+        <p:spPr>
+          <a:xfrm>
+            <a:off x="957154" y="2365216"/>
+            <a:ext cx="2621168" cy="2621168"/>
+          </a:xfrm>
+          <a:prstGeom prst="rect">
+            <a:avLst/>
+          </a:prstGeom>
+        </p:spPr>
+      </p:pic>
+      <p:pic>
+        <p:nvPicPr>
+          <p:cNvPr id="13" name="Picture 12" descr="opera_256x256.png"/>
           <p:cNvPicPr>
             <a:picLocks noChangeAspect="1"/>
           </p:cNvPicPr>
@@ -24916,18 +24596,346 @@
         </p:blipFill>
         <p:spPr>
           <a:xfrm>
-            <a:off x="801368" y="3820492"/>
-            <a:ext cx="839878" cy="682816"/>
+            <a:off x="4834065" y="2365216"/>
+            <a:ext cx="2621168" cy="2621168"/>
           </a:xfrm>
           <a:prstGeom prst="rect">
             <a:avLst/>
           </a:prstGeom>
         </p:spPr>
       </p:pic>
+      <p:sp>
+        <p:nvSpPr>
+          <p:cNvPr id="22" name="TextBox 21"/>
+          <p:cNvSpPr txBox="1"/>
+          <p:nvPr/>
+        </p:nvSpPr>
+        <p:spPr>
+          <a:xfrm>
+            <a:off x="606464" y="1501199"/>
+            <a:ext cx="3611525" cy="523220"/>
+          </a:xfrm>
+          <a:prstGeom prst="rect">
+            <a:avLst/>
+          </a:prstGeom>
+          <a:noFill/>
+        </p:spPr>
+        <p:txBody>
+          <a:bodyPr wrap="square" rtlCol="0">
+            <a:spAutoFit/>
+          </a:bodyPr>
+          <a:lstStyle/>
+          <a:p>
+            <a:r>
+              <a:rPr lang="en-US" sz="2800" b="1" dirty="0">
+                <a:solidFill>
+                  <a:schemeClr val="accent4">
+                    <a:lumMod val="60000"/>
+                    <a:lumOff val="40000"/>
+                  </a:schemeClr>
+                </a:solidFill>
+                <a:latin typeface="Source Sans Pro ExtraLight"/>
+                <a:cs typeface="Source Sans Pro ExtraLight"/>
+              </a:rPr>
+              <a:t>b</a:t>
+            </a:r>
+            <a:r>
+              <a:rPr lang="en-US" sz="2800" b="1" dirty="0" smtClean="0">
+                <a:solidFill>
+                  <a:schemeClr val="accent4">
+                    <a:lumMod val="60000"/>
+                    <a:lumOff val="40000"/>
+                  </a:schemeClr>
+                </a:solidFill>
+                <a:latin typeface="Source Sans Pro ExtraLight"/>
+                <a:cs typeface="Source Sans Pro ExtraLight"/>
+              </a:rPr>
+              <a:t>ehind chrome://flags</a:t>
+            </a:r>
+            <a:endParaRPr lang="en-US" sz="2800" b="1" dirty="0">
+              <a:solidFill>
+                <a:schemeClr val="accent4">
+                  <a:lumMod val="60000"/>
+                  <a:lumOff val="40000"/>
+                </a:schemeClr>
+              </a:solidFill>
+              <a:latin typeface="Source Sans Pro ExtraLight"/>
+              <a:cs typeface="Source Sans Pro ExtraLight"/>
+            </a:endParaRPr>
+          </a:p>
+        </p:txBody>
+      </p:sp>
     </p:spTree>
     <p:extLst>
       <p:ext uri="{BB962C8B-B14F-4D97-AF65-F5344CB8AC3E}">
-        <p14:creationId xmlns:p14="http://schemas.microsoft.com/office/powerpoint/2010/main" val="4250219142"/>
+        <p14:creationId xmlns:p14="http://schemas.microsoft.com/office/powerpoint/2010/main" val="1911968800"/>
+      </p:ext>
+    </p:extLst>
+  </p:cSld>
+  <p:clrMapOvr>
+    <a:masterClrMapping/>
+  </p:clrMapOvr>
+  <p:timing>
+    <p:tnLst>
+      <p:par>
+        <p:cTn xmlns:p14="http://schemas.microsoft.com/office/powerpoint/2010/main" id="1" dur="indefinite" restart="never" nodeType="tmRoot"/>
+      </p:par>
+    </p:tnLst>
+  </p:timing>
+</p:sld>
+</file>
+
+<file path=ppt/slides/slide69.xml><?xml version="1.0" encoding="utf-8"?>
+<p:sld xmlns:a="http://schemas.openxmlformats.org/drawingml/2006/main" xmlns:r="http://schemas.openxmlformats.org/officeDocument/2006/relationships" xmlns:p="http://schemas.openxmlformats.org/presentationml/2006/main">
+  <p:cSld>
+    <p:spTree>
+      <p:nvGrpSpPr>
+        <p:cNvPr id="1" name=""/>
+        <p:cNvGrpSpPr/>
+        <p:nvPr/>
+      </p:nvGrpSpPr>
+      <p:grpSpPr>
+        <a:xfrm>
+          <a:off x="0" y="0"/>
+          <a:ext cx="0" cy="0"/>
+          <a:chOff x="0" y="0"/>
+          <a:chExt cx="0" cy="0"/>
+        </a:xfrm>
+      </p:grpSpPr>
+      <p:sp>
+        <p:nvSpPr>
+          <p:cNvPr id="6" name="TextBox 5"/>
+          <p:cNvSpPr txBox="1"/>
+          <p:nvPr/>
+        </p:nvSpPr>
+        <p:spPr>
+          <a:xfrm>
+            <a:off x="606464" y="320215"/>
+            <a:ext cx="7555301" cy="830997"/>
+          </a:xfrm>
+          <a:prstGeom prst="rect">
+            <a:avLst/>
+          </a:prstGeom>
+          <a:noFill/>
+        </p:spPr>
+        <p:txBody>
+          <a:bodyPr wrap="square" rtlCol="0">
+            <a:spAutoFit/>
+          </a:bodyPr>
+          <a:lstStyle/>
+          <a:p>
+            <a:r>
+              <a:rPr lang="en-US" sz="4800" b="1" dirty="0" smtClean="0">
+                <a:solidFill>
+                  <a:schemeClr val="bg1"/>
+                </a:solidFill>
+                <a:latin typeface="Source Sans Pro Semibold"/>
+                <a:cs typeface="Source Sans Pro Semibold"/>
+              </a:rPr>
+              <a:t>Resources for CSS Shapes</a:t>
+            </a:r>
+            <a:endParaRPr lang="en-US" sz="4800" b="1" dirty="0">
+              <a:solidFill>
+                <a:schemeClr val="bg1"/>
+              </a:solidFill>
+              <a:latin typeface="Helvetica Neue"/>
+              <a:cs typeface="Helvetica Neue"/>
+            </a:endParaRPr>
+          </a:p>
+        </p:txBody>
+      </p:sp>
+      <p:sp>
+        <p:nvSpPr>
+          <p:cNvPr id="22" name="TextBox 21">
+            <a:hlinkClick r:id="rId2"/>
+          </p:cNvPr>
+          <p:cNvSpPr txBox="1"/>
+          <p:nvPr/>
+        </p:nvSpPr>
+        <p:spPr>
+          <a:xfrm>
+            <a:off x="606464" y="1501199"/>
+            <a:ext cx="5506913" cy="954107"/>
+          </a:xfrm>
+          <a:prstGeom prst="rect">
+            <a:avLst/>
+          </a:prstGeom>
+          <a:noFill/>
+        </p:spPr>
+        <p:txBody>
+          <a:bodyPr wrap="square" rtlCol="0">
+            <a:spAutoFit/>
+          </a:bodyPr>
+          <a:lstStyle/>
+          <a:p>
+            <a:r>
+              <a:rPr lang="en-US" sz="2800" b="1" u="sng" dirty="0" smtClean="0">
+                <a:solidFill>
+                  <a:schemeClr val="accent4">
+                    <a:lumMod val="60000"/>
+                    <a:lumOff val="40000"/>
+                  </a:schemeClr>
+                </a:solidFill>
+                <a:latin typeface="Source Sans Pro ExtraLight"/>
+                <a:cs typeface="Source Sans Pro ExtraLight"/>
+              </a:rPr>
+              <a:t>Creating Non-Rectangular Layouts with CSS Shapes</a:t>
+            </a:r>
+            <a:endParaRPr lang="en-US" sz="2800" b="1" u="sng" dirty="0">
+              <a:solidFill>
+                <a:schemeClr val="accent4">
+                  <a:lumMod val="60000"/>
+                  <a:lumOff val="40000"/>
+                </a:schemeClr>
+              </a:solidFill>
+              <a:latin typeface="Source Sans Pro ExtraLight"/>
+              <a:cs typeface="Source Sans Pro ExtraLight"/>
+            </a:endParaRPr>
+          </a:p>
+        </p:txBody>
+      </p:sp>
+      <p:sp>
+        <p:nvSpPr>
+          <p:cNvPr id="7" name="TextBox 6">
+            <a:hlinkClick r:id="rId3"/>
+          </p:cNvPr>
+          <p:cNvSpPr txBox="1"/>
+          <p:nvPr/>
+        </p:nvSpPr>
+        <p:spPr>
+          <a:xfrm>
+            <a:off x="606464" y="2980419"/>
+            <a:ext cx="5506913" cy="523220"/>
+          </a:xfrm>
+          <a:prstGeom prst="rect">
+            <a:avLst/>
+          </a:prstGeom>
+          <a:noFill/>
+        </p:spPr>
+        <p:txBody>
+          <a:bodyPr wrap="square" rtlCol="0">
+            <a:spAutoFit/>
+          </a:bodyPr>
+          <a:lstStyle/>
+          <a:p>
+            <a:r>
+              <a:rPr lang="en-US" sz="2800" b="1" u="sng" dirty="0" smtClean="0">
+                <a:solidFill>
+                  <a:schemeClr val="accent4">
+                    <a:lumMod val="60000"/>
+                    <a:lumOff val="40000"/>
+                  </a:schemeClr>
+                </a:solidFill>
+                <a:latin typeface="Source Sans Pro ExtraLight"/>
+                <a:cs typeface="Source Sans Pro ExtraLight"/>
+              </a:rPr>
+              <a:t>CSS Shapes on </a:t>
+            </a:r>
+            <a:r>
+              <a:rPr lang="en-US" sz="2800" b="1" u="sng" dirty="0" err="1" smtClean="0">
+                <a:solidFill>
+                  <a:schemeClr val="accent4">
+                    <a:lumMod val="60000"/>
+                    <a:lumOff val="40000"/>
+                  </a:schemeClr>
+                </a:solidFill>
+                <a:latin typeface="Source Sans Pro ExtraLight"/>
+                <a:cs typeface="Source Sans Pro ExtraLight"/>
+              </a:rPr>
+              <a:t>html.adobe.com</a:t>
+            </a:r>
+            <a:endParaRPr lang="en-US" sz="2800" b="1" u="sng" dirty="0">
+              <a:solidFill>
+                <a:schemeClr val="accent4">
+                  <a:lumMod val="60000"/>
+                  <a:lumOff val="40000"/>
+                </a:schemeClr>
+              </a:solidFill>
+              <a:latin typeface="Source Sans Pro ExtraLight"/>
+              <a:cs typeface="Source Sans Pro ExtraLight"/>
+            </a:endParaRPr>
+          </a:p>
+        </p:txBody>
+      </p:sp>
+      <p:sp>
+        <p:nvSpPr>
+          <p:cNvPr id="8" name="TextBox 7">
+            <a:hlinkClick r:id="rId4" action="ppaction://hlinkfile"/>
+          </p:cNvPr>
+          <p:cNvSpPr txBox="1"/>
+          <p:nvPr/>
+        </p:nvSpPr>
+        <p:spPr>
+          <a:xfrm>
+            <a:off x="606464" y="4080547"/>
+            <a:ext cx="5506913" cy="954107"/>
+          </a:xfrm>
+          <a:prstGeom prst="rect">
+            <a:avLst/>
+          </a:prstGeom>
+          <a:noFill/>
+        </p:spPr>
+        <p:txBody>
+          <a:bodyPr wrap="square" rtlCol="0">
+            <a:spAutoFit/>
+          </a:bodyPr>
+          <a:lstStyle/>
+          <a:p>
+            <a:r>
+              <a:rPr lang="en-US" sz="2800" b="1" u="sng" dirty="0" smtClean="0">
+                <a:solidFill>
+                  <a:schemeClr val="accent4">
+                    <a:lumMod val="60000"/>
+                    <a:lumOff val="40000"/>
+                  </a:schemeClr>
+                </a:solidFill>
+                <a:latin typeface="Source Sans Pro ExtraLight"/>
+                <a:cs typeface="Source Sans Pro ExtraLight"/>
+              </a:rPr>
+              <a:t>Alice in Wonderland demo </a:t>
+            </a:r>
+            <a:br>
+              <a:rPr lang="en-US" sz="2800" b="1" u="sng" dirty="0" smtClean="0">
+                <a:solidFill>
+                  <a:schemeClr val="accent4">
+                    <a:lumMod val="60000"/>
+                    <a:lumOff val="40000"/>
+                  </a:schemeClr>
+                </a:solidFill>
+                <a:latin typeface="Source Sans Pro ExtraLight"/>
+                <a:cs typeface="Source Sans Pro ExtraLight"/>
+              </a:rPr>
+            </a:br>
+            <a:r>
+              <a:rPr lang="en-US" sz="2800" b="1" u="sng" dirty="0" smtClean="0">
+                <a:solidFill>
+                  <a:schemeClr val="accent4">
+                    <a:lumMod val="60000"/>
+                    <a:lumOff val="40000"/>
+                  </a:schemeClr>
+                </a:solidFill>
+                <a:latin typeface="Source Sans Pro ExtraLight"/>
+                <a:cs typeface="Source Sans Pro ExtraLight"/>
+              </a:rPr>
+              <a:t>with CSS Shapes</a:t>
+            </a:r>
+            <a:endParaRPr lang="en-US" sz="2800" b="1" u="sng" dirty="0">
+              <a:solidFill>
+                <a:schemeClr val="accent4">
+                  <a:lumMod val="60000"/>
+                  <a:lumOff val="40000"/>
+                </a:schemeClr>
+              </a:solidFill>
+              <a:latin typeface="Source Sans Pro ExtraLight"/>
+              <a:cs typeface="Source Sans Pro ExtraLight"/>
+            </a:endParaRPr>
+          </a:p>
+        </p:txBody>
+      </p:sp>
+    </p:spTree>
+    <p:extLst>
+      <p:ext uri="{BB962C8B-B14F-4D97-AF65-F5344CB8AC3E}">
+        <p14:creationId xmlns:p14="http://schemas.microsoft.com/office/powerpoint/2010/main" val="4280561810"/>
       </p:ext>
     </p:extLst>
   </p:cSld>
@@ -24995,6 +25003,665 @@
     <p:extLst>
       <p:ext uri="{BB962C8B-B14F-4D97-AF65-F5344CB8AC3E}">
         <p14:creationId xmlns:p14="http://schemas.microsoft.com/office/powerpoint/2010/main" val="1506874828"/>
+      </p:ext>
+    </p:extLst>
+  </p:cSld>
+  <p:clrMapOvr>
+    <a:masterClrMapping/>
+  </p:clrMapOvr>
+  <p:timing>
+    <p:tnLst>
+      <p:par>
+        <p:cTn xmlns:p14="http://schemas.microsoft.com/office/powerpoint/2010/main" id="1" dur="indefinite" restart="never" nodeType="tmRoot"/>
+      </p:par>
+    </p:tnLst>
+  </p:timing>
+</p:sld>
+</file>
+
+<file path=ppt/slides/slide70.xml><?xml version="1.0" encoding="utf-8"?>
+<p:sld xmlns:a="http://schemas.openxmlformats.org/drawingml/2006/main" xmlns:r="http://schemas.openxmlformats.org/officeDocument/2006/relationships" xmlns:p="http://schemas.openxmlformats.org/presentationml/2006/main">
+  <p:cSld>
+    <p:spTree>
+      <p:nvGrpSpPr>
+        <p:cNvPr id="1" name=""/>
+        <p:cNvGrpSpPr/>
+        <p:nvPr/>
+      </p:nvGrpSpPr>
+      <p:grpSpPr>
+        <a:xfrm>
+          <a:off x="0" y="0"/>
+          <a:ext cx="0" cy="0"/>
+          <a:chOff x="0" y="0"/>
+          <a:chExt cx="0" cy="0"/>
+        </a:xfrm>
+      </p:grpSpPr>
+      <p:sp>
+        <p:nvSpPr>
+          <p:cNvPr id="6" name="TextBox 5"/>
+          <p:cNvSpPr txBox="1"/>
+          <p:nvPr/>
+        </p:nvSpPr>
+        <p:spPr>
+          <a:xfrm>
+            <a:off x="606464" y="3480490"/>
+            <a:ext cx="7555301" cy="830997"/>
+          </a:xfrm>
+          <a:prstGeom prst="rect">
+            <a:avLst/>
+          </a:prstGeom>
+          <a:noFill/>
+        </p:spPr>
+        <p:txBody>
+          <a:bodyPr wrap="square" rtlCol="0">
+            <a:spAutoFit/>
+          </a:bodyPr>
+          <a:lstStyle/>
+          <a:p>
+            <a:r>
+              <a:rPr lang="en-US" sz="4800" b="1" dirty="0" smtClean="0">
+                <a:solidFill>
+                  <a:schemeClr val="accent2">
+                    <a:lumMod val="60000"/>
+                    <a:lumOff val="40000"/>
+                  </a:schemeClr>
+                </a:solidFill>
+                <a:latin typeface="Source Sans Pro ExtraLight"/>
+                <a:cs typeface="Source Sans Pro ExtraLight"/>
+              </a:rPr>
+              <a:t>@</a:t>
+            </a:r>
+            <a:r>
+              <a:rPr lang="en-US" sz="4800" b="1" dirty="0" err="1" smtClean="0">
+                <a:solidFill>
+                  <a:schemeClr val="accent2">
+                    <a:lumMod val="60000"/>
+                    <a:lumOff val="40000"/>
+                  </a:schemeClr>
+                </a:solidFill>
+                <a:latin typeface="Source Sans Pro ExtraLight"/>
+                <a:cs typeface="Source Sans Pro ExtraLight"/>
+              </a:rPr>
+              <a:t>razvancaliman</a:t>
+            </a:r>
+            <a:endParaRPr lang="en-US" sz="4800" b="1" dirty="0">
+              <a:solidFill>
+                <a:schemeClr val="accent2">
+                  <a:lumMod val="60000"/>
+                  <a:lumOff val="40000"/>
+                </a:schemeClr>
+              </a:solidFill>
+              <a:latin typeface="Source Sans Pro ExtraLight"/>
+              <a:cs typeface="Source Sans Pro ExtraLight"/>
+            </a:endParaRPr>
+          </a:p>
+        </p:txBody>
+      </p:sp>
+      <p:sp>
+        <p:nvSpPr>
+          <p:cNvPr id="8" name="Rectangle 7"/>
+          <p:cNvSpPr/>
+          <p:nvPr/>
+        </p:nvSpPr>
+        <p:spPr>
+          <a:xfrm>
+            <a:off x="0" y="4537311"/>
+            <a:ext cx="9144000" cy="2320689"/>
+          </a:xfrm>
+          <a:prstGeom prst="rect">
+            <a:avLst/>
+          </a:prstGeom>
+          <a:solidFill>
+            <a:srgbClr val="604A7B"/>
+          </a:solidFill>
+          <a:ln w="38100" cmpd="sng">
+            <a:noFill/>
+          </a:ln>
+          <a:effectLst/>
+        </p:spPr>
+        <p:style>
+          <a:lnRef idx="1">
+            <a:schemeClr val="accent1"/>
+          </a:lnRef>
+          <a:fillRef idx="3">
+            <a:schemeClr val="accent1"/>
+          </a:fillRef>
+          <a:effectRef idx="2">
+            <a:schemeClr val="accent1"/>
+          </a:effectRef>
+          <a:fontRef idx="minor">
+            <a:schemeClr val="lt1"/>
+          </a:fontRef>
+        </p:style>
+        <p:txBody>
+          <a:bodyPr rtlCol="0" anchor="ctr"/>
+          <a:lstStyle/>
+          <a:p>
+            <a:pPr algn="ctr"/>
+            <a:endParaRPr lang="en-US"/>
+          </a:p>
+        </p:txBody>
+      </p:sp>
+      <p:sp>
+        <p:nvSpPr>
+          <p:cNvPr id="9" name="TextBox 8"/>
+          <p:cNvSpPr txBox="1"/>
+          <p:nvPr/>
+        </p:nvSpPr>
+        <p:spPr>
+          <a:xfrm>
+            <a:off x="606464" y="320215"/>
+            <a:ext cx="7555301" cy="830997"/>
+          </a:xfrm>
+          <a:prstGeom prst="rect">
+            <a:avLst/>
+          </a:prstGeom>
+          <a:noFill/>
+        </p:spPr>
+        <p:txBody>
+          <a:bodyPr wrap="square" rtlCol="0">
+            <a:spAutoFit/>
+          </a:bodyPr>
+          <a:lstStyle/>
+          <a:p>
+            <a:r>
+              <a:rPr lang="en-US" sz="4800" b="1" dirty="0" smtClean="0">
+                <a:solidFill>
+                  <a:schemeClr val="bg1"/>
+                </a:solidFill>
+                <a:latin typeface="Source Sans Pro Semibold"/>
+                <a:cs typeface="Source Sans Pro Semibold"/>
+              </a:rPr>
+              <a:t>CSS </a:t>
+            </a:r>
+            <a:r>
+              <a:rPr lang="en-US" sz="4800" b="1" dirty="0" err="1" smtClean="0">
+                <a:solidFill>
+                  <a:schemeClr val="bg1"/>
+                </a:solidFill>
+                <a:latin typeface="Source Sans Pro Semibold"/>
+                <a:cs typeface="Source Sans Pro Semibold"/>
+              </a:rPr>
+              <a:t>Flexbox</a:t>
+            </a:r>
+            <a:endParaRPr lang="en-US" sz="4800" b="1" dirty="0">
+              <a:solidFill>
+                <a:schemeClr val="bg1"/>
+              </a:solidFill>
+              <a:latin typeface="Helvetica Neue"/>
+              <a:cs typeface="Helvetica Neue"/>
+            </a:endParaRPr>
+          </a:p>
+        </p:txBody>
+      </p:sp>
+      <p:sp>
+        <p:nvSpPr>
+          <p:cNvPr id="10" name="Rectangle 9"/>
+          <p:cNvSpPr/>
+          <p:nvPr/>
+        </p:nvSpPr>
+        <p:spPr>
+          <a:xfrm>
+            <a:off x="0" y="2216622"/>
+            <a:ext cx="9144000" cy="2320689"/>
+          </a:xfrm>
+          <a:prstGeom prst="rect">
+            <a:avLst/>
+          </a:prstGeom>
+          <a:solidFill>
+            <a:schemeClr val="accent4">
+              <a:lumMod val="50000"/>
+            </a:schemeClr>
+          </a:solidFill>
+          <a:ln w="38100" cmpd="sng">
+            <a:noFill/>
+          </a:ln>
+          <a:effectLst/>
+        </p:spPr>
+        <p:style>
+          <a:lnRef idx="1">
+            <a:schemeClr val="accent1"/>
+          </a:lnRef>
+          <a:fillRef idx="3">
+            <a:schemeClr val="accent1"/>
+          </a:fillRef>
+          <a:effectRef idx="2">
+            <a:schemeClr val="accent1"/>
+          </a:effectRef>
+          <a:fontRef idx="minor">
+            <a:schemeClr val="lt1"/>
+          </a:fontRef>
+        </p:style>
+        <p:txBody>
+          <a:bodyPr rtlCol="0" anchor="ctr"/>
+          <a:lstStyle/>
+          <a:p>
+            <a:pPr algn="ctr"/>
+            <a:endParaRPr lang="en-US"/>
+          </a:p>
+        </p:txBody>
+      </p:sp>
+      <p:sp>
+        <p:nvSpPr>
+          <p:cNvPr id="11" name="TextBox 10"/>
+          <p:cNvSpPr txBox="1"/>
+          <p:nvPr/>
+        </p:nvSpPr>
+        <p:spPr>
+          <a:xfrm>
+            <a:off x="606463" y="1069023"/>
+            <a:ext cx="6661458" cy="584776"/>
+          </a:xfrm>
+          <a:prstGeom prst="rect">
+            <a:avLst/>
+          </a:prstGeom>
+          <a:noFill/>
+        </p:spPr>
+        <p:txBody>
+          <a:bodyPr wrap="square" rtlCol="0">
+            <a:spAutoFit/>
+          </a:bodyPr>
+          <a:lstStyle/>
+          <a:p>
+            <a:r>
+              <a:rPr lang="en-US" sz="3200" b="1" dirty="0">
+                <a:solidFill>
+                  <a:schemeClr val="bg1"/>
+                </a:solidFill>
+                <a:latin typeface="Source Sans Pro ExtraLight"/>
+                <a:cs typeface="Source Sans Pro ExtraLight"/>
+              </a:rPr>
+              <a:t>p</a:t>
+            </a:r>
+            <a:r>
+              <a:rPr lang="en-US" sz="3200" b="1" dirty="0" smtClean="0">
+                <a:solidFill>
+                  <a:schemeClr val="bg1"/>
+                </a:solidFill>
+                <a:latin typeface="Source Sans Pro ExtraLight"/>
+                <a:cs typeface="Source Sans Pro ExtraLight"/>
+              </a:rPr>
+              <a:t>osition, align, flex and order elements</a:t>
+            </a:r>
+            <a:endParaRPr lang="en-US" sz="3200" b="1" dirty="0">
+              <a:solidFill>
+                <a:schemeClr val="bg1"/>
+              </a:solidFill>
+              <a:latin typeface="Source Sans Pro ExtraLight"/>
+              <a:cs typeface="Source Sans Pro ExtraLight"/>
+            </a:endParaRPr>
+          </a:p>
+        </p:txBody>
+      </p:sp>
+      <p:sp>
+        <p:nvSpPr>
+          <p:cNvPr id="12" name="TextBox 11"/>
+          <p:cNvSpPr txBox="1"/>
+          <p:nvPr/>
+        </p:nvSpPr>
+        <p:spPr>
+          <a:xfrm>
+            <a:off x="758864" y="2649493"/>
+            <a:ext cx="7555301" cy="830997"/>
+          </a:xfrm>
+          <a:prstGeom prst="rect">
+            <a:avLst/>
+          </a:prstGeom>
+          <a:noFill/>
+        </p:spPr>
+        <p:txBody>
+          <a:bodyPr wrap="square" rtlCol="0">
+            <a:spAutoFit/>
+          </a:bodyPr>
+          <a:lstStyle/>
+          <a:p>
+            <a:r>
+              <a:rPr lang="en-US" sz="4800" b="1" dirty="0" smtClean="0">
+                <a:solidFill>
+                  <a:schemeClr val="bg1"/>
+                </a:solidFill>
+                <a:latin typeface="Source Sans Pro Semibold"/>
+                <a:cs typeface="Source Sans Pro Semibold"/>
+              </a:rPr>
+              <a:t>CSS Regions</a:t>
+            </a:r>
+            <a:endParaRPr lang="en-US" sz="4800" b="1" dirty="0">
+              <a:solidFill>
+                <a:schemeClr val="bg1"/>
+              </a:solidFill>
+              <a:latin typeface="Helvetica Neue"/>
+              <a:cs typeface="Helvetica Neue"/>
+            </a:endParaRPr>
+          </a:p>
+        </p:txBody>
+      </p:sp>
+      <p:sp>
+        <p:nvSpPr>
+          <p:cNvPr id="13" name="TextBox 12"/>
+          <p:cNvSpPr txBox="1"/>
+          <p:nvPr/>
+        </p:nvSpPr>
+        <p:spPr>
+          <a:xfrm>
+            <a:off x="758863" y="3398301"/>
+            <a:ext cx="6661458" cy="584776"/>
+          </a:xfrm>
+          <a:prstGeom prst="rect">
+            <a:avLst/>
+          </a:prstGeom>
+          <a:noFill/>
+        </p:spPr>
+        <p:txBody>
+          <a:bodyPr wrap="square" rtlCol="0">
+            <a:spAutoFit/>
+          </a:bodyPr>
+          <a:lstStyle/>
+          <a:p>
+            <a:r>
+              <a:rPr lang="en-US" sz="3200" b="1" dirty="0">
+                <a:solidFill>
+                  <a:srgbClr val="FFFFFF"/>
+                </a:solidFill>
+                <a:latin typeface="Source Sans Pro ExtraLight"/>
+                <a:cs typeface="Source Sans Pro ExtraLight"/>
+              </a:rPr>
+              <a:t>c</a:t>
+            </a:r>
+            <a:r>
+              <a:rPr lang="en-US" sz="3200" b="1" dirty="0" smtClean="0">
+                <a:solidFill>
+                  <a:srgbClr val="FFFFFF"/>
+                </a:solidFill>
+                <a:latin typeface="Source Sans Pro ExtraLight"/>
+                <a:cs typeface="Source Sans Pro ExtraLight"/>
+              </a:rPr>
+              <a:t>ontrol flow of content</a:t>
+            </a:r>
+            <a:endParaRPr lang="en-US" sz="3200" b="1" dirty="0">
+              <a:solidFill>
+                <a:srgbClr val="FFFFFF"/>
+              </a:solidFill>
+              <a:latin typeface="Source Sans Pro ExtraLight"/>
+              <a:cs typeface="Source Sans Pro ExtraLight"/>
+            </a:endParaRPr>
+          </a:p>
+        </p:txBody>
+      </p:sp>
+      <p:sp>
+        <p:nvSpPr>
+          <p:cNvPr id="14" name="TextBox 13"/>
+          <p:cNvSpPr txBox="1"/>
+          <p:nvPr/>
+        </p:nvSpPr>
+        <p:spPr>
+          <a:xfrm>
+            <a:off x="758865" y="5052153"/>
+            <a:ext cx="7555301" cy="830997"/>
+          </a:xfrm>
+          <a:prstGeom prst="rect">
+            <a:avLst/>
+          </a:prstGeom>
+          <a:noFill/>
+        </p:spPr>
+        <p:txBody>
+          <a:bodyPr wrap="square" rtlCol="0">
+            <a:spAutoFit/>
+          </a:bodyPr>
+          <a:lstStyle/>
+          <a:p>
+            <a:r>
+              <a:rPr lang="en-US" sz="4800" b="1" dirty="0" smtClean="0">
+                <a:solidFill>
+                  <a:schemeClr val="bg1"/>
+                </a:solidFill>
+                <a:latin typeface="Source Sans Pro Semibold"/>
+                <a:cs typeface="Source Sans Pro Semibold"/>
+              </a:rPr>
+              <a:t>CSS Shapes</a:t>
+            </a:r>
+            <a:endParaRPr lang="en-US" sz="4800" b="1" dirty="0">
+              <a:solidFill>
+                <a:schemeClr val="bg1"/>
+              </a:solidFill>
+              <a:latin typeface="Helvetica Neue"/>
+              <a:cs typeface="Helvetica Neue"/>
+            </a:endParaRPr>
+          </a:p>
+        </p:txBody>
+      </p:sp>
+      <p:sp>
+        <p:nvSpPr>
+          <p:cNvPr id="15" name="TextBox 14"/>
+          <p:cNvSpPr txBox="1"/>
+          <p:nvPr/>
+        </p:nvSpPr>
+        <p:spPr>
+          <a:xfrm>
+            <a:off x="758864" y="5800961"/>
+            <a:ext cx="6661458" cy="584776"/>
+          </a:xfrm>
+          <a:prstGeom prst="rect">
+            <a:avLst/>
+          </a:prstGeom>
+          <a:noFill/>
+        </p:spPr>
+        <p:txBody>
+          <a:bodyPr wrap="square" rtlCol="0">
+            <a:spAutoFit/>
+          </a:bodyPr>
+          <a:lstStyle/>
+          <a:p>
+            <a:r>
+              <a:rPr lang="en-US" sz="3200" b="1" dirty="0">
+                <a:solidFill>
+                  <a:srgbClr val="FFFFFF"/>
+                </a:solidFill>
+                <a:latin typeface="Source Sans Pro ExtraLight"/>
+                <a:cs typeface="Source Sans Pro ExtraLight"/>
+              </a:rPr>
+              <a:t>w</a:t>
+            </a:r>
+            <a:r>
+              <a:rPr lang="en-US" sz="3200" b="1" dirty="0" smtClean="0">
+                <a:solidFill>
+                  <a:srgbClr val="FFFFFF"/>
+                </a:solidFill>
+                <a:latin typeface="Source Sans Pro ExtraLight"/>
+                <a:cs typeface="Source Sans Pro ExtraLight"/>
+              </a:rPr>
+              <a:t>rap content inside/around shapes</a:t>
+            </a:r>
+            <a:endParaRPr lang="en-US" sz="3200" b="1" dirty="0">
+              <a:solidFill>
+                <a:srgbClr val="FFFFFF"/>
+              </a:solidFill>
+              <a:latin typeface="Source Sans Pro ExtraLight"/>
+              <a:cs typeface="Source Sans Pro ExtraLight"/>
+            </a:endParaRPr>
+          </a:p>
+        </p:txBody>
+      </p:sp>
+    </p:spTree>
+    <p:extLst>
+      <p:ext uri="{BB962C8B-B14F-4D97-AF65-F5344CB8AC3E}">
+        <p14:creationId xmlns:p14="http://schemas.microsoft.com/office/powerpoint/2010/main" val="799641617"/>
+      </p:ext>
+    </p:extLst>
+  </p:cSld>
+  <p:clrMapOvr>
+    <a:masterClrMapping/>
+  </p:clrMapOvr>
+  <p:timing>
+    <p:tnLst>
+      <p:par>
+        <p:cTn xmlns:p14="http://schemas.microsoft.com/office/powerpoint/2010/main" id="1" dur="indefinite" restart="never" nodeType="tmRoot"/>
+      </p:par>
+    </p:tnLst>
+  </p:timing>
+</p:sld>
+</file>
+
+<file path=ppt/slides/slide71.xml><?xml version="1.0" encoding="utf-8"?>
+<p:sld xmlns:a="http://schemas.openxmlformats.org/drawingml/2006/main" xmlns:r="http://schemas.openxmlformats.org/officeDocument/2006/relationships" xmlns:p="http://schemas.openxmlformats.org/presentationml/2006/main">
+  <p:cSld>
+    <p:spTree>
+      <p:nvGrpSpPr>
+        <p:cNvPr id="1" name=""/>
+        <p:cNvGrpSpPr/>
+        <p:nvPr/>
+      </p:nvGrpSpPr>
+      <p:grpSpPr>
+        <a:xfrm>
+          <a:off x="0" y="0"/>
+          <a:ext cx="0" cy="0"/>
+          <a:chOff x="0" y="0"/>
+          <a:chExt cx="0" cy="0"/>
+        </a:xfrm>
+      </p:grpSpPr>
+      <p:sp>
+        <p:nvSpPr>
+          <p:cNvPr id="4" name="TextBox 3"/>
+          <p:cNvSpPr txBox="1"/>
+          <p:nvPr/>
+        </p:nvSpPr>
+        <p:spPr>
+          <a:xfrm>
+            <a:off x="606464" y="2313671"/>
+            <a:ext cx="7555301" cy="1200328"/>
+          </a:xfrm>
+          <a:prstGeom prst="rect">
+            <a:avLst/>
+          </a:prstGeom>
+          <a:noFill/>
+        </p:spPr>
+        <p:txBody>
+          <a:bodyPr wrap="square" rtlCol="0">
+            <a:spAutoFit/>
+          </a:bodyPr>
+          <a:lstStyle/>
+          <a:p>
+            <a:pPr>
+              <a:lnSpc>
+                <a:spcPct val="70000"/>
+              </a:lnSpc>
+            </a:pPr>
+            <a:r>
+              <a:rPr lang="en-US" sz="9600" b="1" spc="-300" dirty="0" smtClean="0">
+                <a:solidFill>
+                  <a:schemeClr val="bg1"/>
+                </a:solidFill>
+                <a:latin typeface="Source Sans Pro Semibold"/>
+                <a:cs typeface="Source Sans Pro Semibold"/>
+              </a:rPr>
+              <a:t>Experiment!</a:t>
+            </a:r>
+            <a:endParaRPr lang="en-US" sz="9600" b="1" spc="-300" dirty="0">
+              <a:solidFill>
+                <a:schemeClr val="bg1"/>
+              </a:solidFill>
+              <a:latin typeface="Helvetica Neue"/>
+              <a:cs typeface="Helvetica Neue"/>
+            </a:endParaRPr>
+          </a:p>
+        </p:txBody>
+      </p:sp>
+      <p:sp>
+        <p:nvSpPr>
+          <p:cNvPr id="5" name="TextBox 4">
+            <a:hlinkClick r:id="rId2"/>
+          </p:cNvPr>
+          <p:cNvSpPr txBox="1"/>
+          <p:nvPr/>
+        </p:nvSpPr>
+        <p:spPr>
+          <a:xfrm>
+            <a:off x="1794112" y="3672311"/>
+            <a:ext cx="4999679" cy="830997"/>
+          </a:xfrm>
+          <a:prstGeom prst="rect">
+            <a:avLst/>
+          </a:prstGeom>
+          <a:noFill/>
+        </p:spPr>
+        <p:txBody>
+          <a:bodyPr wrap="square" rtlCol="0">
+            <a:spAutoFit/>
+          </a:bodyPr>
+          <a:lstStyle/>
+          <a:p>
+            <a:r>
+              <a:rPr lang="en-US" sz="4800" b="1" dirty="0" smtClean="0">
+                <a:solidFill>
+                  <a:schemeClr val="accent1">
+                    <a:lumMod val="60000"/>
+                    <a:lumOff val="40000"/>
+                  </a:schemeClr>
+                </a:solidFill>
+                <a:latin typeface="Source Sans Pro ExtraLight"/>
+                <a:cs typeface="Source Sans Pro ExtraLight"/>
+              </a:rPr>
+              <a:t>@</a:t>
+            </a:r>
+            <a:r>
+              <a:rPr lang="en-US" sz="4800" b="1" dirty="0" err="1" smtClean="0">
+                <a:solidFill>
+                  <a:schemeClr val="accent1">
+                    <a:lumMod val="60000"/>
+                    <a:lumOff val="40000"/>
+                  </a:schemeClr>
+                </a:solidFill>
+                <a:latin typeface="Source Sans Pro ExtraLight"/>
+                <a:cs typeface="Source Sans Pro ExtraLight"/>
+              </a:rPr>
+              <a:t>razvancaliman</a:t>
+            </a:r>
+            <a:endParaRPr lang="en-US" sz="4800" b="1" dirty="0">
+              <a:solidFill>
+                <a:schemeClr val="accent1">
+                  <a:lumMod val="60000"/>
+                  <a:lumOff val="40000"/>
+                </a:schemeClr>
+              </a:solidFill>
+              <a:latin typeface="Source Sans Pro ExtraLight"/>
+              <a:cs typeface="Source Sans Pro ExtraLight"/>
+            </a:endParaRPr>
+          </a:p>
+        </p:txBody>
+      </p:sp>
+      <p:pic>
+        <p:nvPicPr>
+          <p:cNvPr id="7" name="Picture 6" descr="Twitter_logo_blue.png"/>
+          <p:cNvPicPr>
+            <a:picLocks noChangeAspect="1"/>
+          </p:cNvPicPr>
+          <p:nvPr/>
+        </p:nvPicPr>
+        <p:blipFill>
+          <a:blip r:embed="rId3">
+            <a:extLst>
+              <a:ext uri="{28A0092B-C50C-407E-A947-70E740481C1C}">
+                <a14:useLocalDpi xmlns:a14="http://schemas.microsoft.com/office/drawing/2010/main" val="0"/>
+              </a:ext>
+            </a:extLst>
+          </a:blip>
+          <a:stretch>
+            <a:fillRect/>
+          </a:stretch>
+        </p:blipFill>
+        <p:spPr>
+          <a:xfrm>
+            <a:off x="801368" y="3820492"/>
+            <a:ext cx="839878" cy="682816"/>
+          </a:xfrm>
+          <a:prstGeom prst="rect">
+            <a:avLst/>
+          </a:prstGeom>
+        </p:spPr>
+      </p:pic>
+    </p:spTree>
+    <p:extLst>
+      <p:ext uri="{BB962C8B-B14F-4D97-AF65-F5344CB8AC3E}">
+        <p14:creationId xmlns:p14="http://schemas.microsoft.com/office/powerpoint/2010/main" val="4250219142"/>
       </p:ext>
     </p:extLst>
   </p:cSld>
